--- a/assets/20190828_TFE.pptx
+++ b/assets/20190828_TFE.pptx
@@ -1,6 +1,6 @@
 
 <file path=ppt/presentation.xml><?xml version="1.0" encoding="utf-8"?>
-<p:presentation xmlns:a="http://schemas.openxmlformats.org/drawingml/2006/main" xmlns:r="http://schemas.openxmlformats.org/officeDocument/2006/relationships" xmlns:p="http://schemas.openxmlformats.org/presentationml/2006/main" saveSubsetFonts="1" bookmarkIdSeed="2">
+<p:presentation xmlns:a="http://schemas.openxmlformats.org/drawingml/2006/main" xmlns:r="http://schemas.openxmlformats.org/officeDocument/2006/relationships" xmlns:p="http://schemas.openxmlformats.org/presentationml/2006/main" saveSubsetFonts="1" bookmarkIdSeed="3">
   <p:sldMasterIdLst>
     <p:sldMasterId id="2147483648" r:id="rId1"/>
   </p:sldMasterIdLst>
@@ -12,17 +12,17 @@
     <p:sldId id="258" r:id="rId3"/>
     <p:sldId id="259" r:id="rId4"/>
     <p:sldId id="261" r:id="rId5"/>
-    <p:sldId id="266" r:id="rId6"/>
+    <p:sldId id="273" r:id="rId6"/>
     <p:sldId id="267" r:id="rId7"/>
     <p:sldId id="268" r:id="rId8"/>
     <p:sldId id="271" r:id="rId9"/>
     <p:sldId id="269" r:id="rId10"/>
     <p:sldId id="270" r:id="rId11"/>
     <p:sldId id="272" r:id="rId12"/>
-    <p:sldId id="273" r:id="rId13"/>
-    <p:sldId id="262" r:id="rId14"/>
-    <p:sldId id="265" r:id="rId15"/>
-    <p:sldId id="264" r:id="rId16"/>
+    <p:sldId id="262" r:id="rId13"/>
+    <p:sldId id="275" r:id="rId14"/>
+    <p:sldId id="264" r:id="rId15"/>
+    <p:sldId id="265" r:id="rId16"/>
     <p:sldId id="263" r:id="rId17"/>
     <p:sldId id="257" r:id="rId18"/>
   </p:sldIdLst>
@@ -123,6 +123,11 @@
       </a:defRPr>
     </a:lvl9pPr>
   </p:defaultTextStyle>
+  <p:extLst>
+    <p:ext uri="{EFAFB233-063F-42B5-8137-9DF3F51BA10A}">
+      <p15:sldGuideLst xmlns:p15="http://schemas.microsoft.com/office/powerpoint/2012/main"/>
+    </p:ext>
+  </p:extLst>
 </p:presentation>
 </file>
 
@@ -208,7 +213,7 @@
           <a:p>
             <a:fld id="{D8CEC764-244E-40F1-BD91-CBA24A006EA8}" type="datetimeFigureOut">
               <a:rPr lang="fr-BE" smtClean="0"/>
-              <a:t>25-08-19</a:t>
+              <a:t>26-08-19</a:t>
             </a:fld>
             <a:endParaRPr lang="fr-BE"/>
           </a:p>
@@ -1395,7 +1400,7 @@
         </p:blipFill>
         <p:spPr>
           <a:xfrm>
-            <a:off x="9856236" y="-91021"/>
+            <a:off x="9856237" y="0"/>
             <a:ext cx="2335763" cy="848539"/>
           </a:xfrm>
           <a:prstGeom prst="rect">
@@ -4004,36 +4009,6 @@
           </a:p>
         </p:txBody>
       </p:sp>
-      <p:pic>
-        <p:nvPicPr>
-          <p:cNvPr id="9" name="Image 8">
-            <a:extLst>
-              <a:ext uri="{FF2B5EF4-FFF2-40B4-BE49-F238E27FC236}">
-                <a16:creationId xmlns:a16="http://schemas.microsoft.com/office/drawing/2014/main" id="{FAB98676-BCE6-4123-9A28-08DF59A94B06}"/>
-              </a:ext>
-            </a:extLst>
-          </p:cNvPr>
-          <p:cNvPicPr>
-            <a:picLocks noChangeAspect="1"/>
-          </p:cNvPicPr>
-          <p:nvPr/>
-        </p:nvPicPr>
-        <p:blipFill>
-          <a:blip r:embed="rId2"/>
-          <a:stretch>
-            <a:fillRect/>
-          </a:stretch>
-        </p:blipFill>
-        <p:spPr>
-          <a:xfrm>
-            <a:off x="9856237" y="0"/>
-            <a:ext cx="2335763" cy="848539"/>
-          </a:xfrm>
-          <a:prstGeom prst="rect">
-            <a:avLst/>
-          </a:prstGeom>
-        </p:spPr>
-      </p:pic>
       <p:sp>
         <p:nvSpPr>
           <p:cNvPr id="19" name="Espace réservé de la date 18">
@@ -4270,36 +4245,6 @@
           </a:p>
         </p:txBody>
       </p:sp>
-      <p:pic>
-        <p:nvPicPr>
-          <p:cNvPr id="9" name="Image 8">
-            <a:extLst>
-              <a:ext uri="{FF2B5EF4-FFF2-40B4-BE49-F238E27FC236}">
-                <a16:creationId xmlns:a16="http://schemas.microsoft.com/office/drawing/2014/main" id="{FAB98676-BCE6-4123-9A28-08DF59A94B06}"/>
-              </a:ext>
-            </a:extLst>
-          </p:cNvPr>
-          <p:cNvPicPr>
-            <a:picLocks noChangeAspect="1"/>
-          </p:cNvPicPr>
-          <p:nvPr/>
-        </p:nvPicPr>
-        <p:blipFill>
-          <a:blip r:embed="rId2"/>
-          <a:stretch>
-            <a:fillRect/>
-          </a:stretch>
-        </p:blipFill>
-        <p:spPr>
-          <a:xfrm>
-            <a:off x="9856237" y="0"/>
-            <a:ext cx="2335763" cy="848539"/>
-          </a:xfrm>
-          <a:prstGeom prst="rect">
-            <a:avLst/>
-          </a:prstGeom>
-        </p:spPr>
-      </p:pic>
       <p:cxnSp>
         <p:nvCxnSpPr>
           <p:cNvPr id="11" name="Connecteur droit 10">
@@ -5213,7 +5158,7 @@
           <p:nvPr/>
         </p:nvPicPr>
         <p:blipFill>
-          <a:blip r:embed="rId3"/>
+          <a:blip r:embed="rId2"/>
           <a:stretch>
             <a:fillRect/>
           </a:stretch>
@@ -5310,36 +5255,6 @@
           </a:p>
         </p:txBody>
       </p:sp>
-      <p:pic>
-        <p:nvPicPr>
-          <p:cNvPr id="9" name="Image 8">
-            <a:extLst>
-              <a:ext uri="{FF2B5EF4-FFF2-40B4-BE49-F238E27FC236}">
-                <a16:creationId xmlns:a16="http://schemas.microsoft.com/office/drawing/2014/main" id="{FAB98676-BCE6-4123-9A28-08DF59A94B06}"/>
-              </a:ext>
-            </a:extLst>
-          </p:cNvPr>
-          <p:cNvPicPr>
-            <a:picLocks noChangeAspect="1"/>
-          </p:cNvPicPr>
-          <p:nvPr/>
-        </p:nvPicPr>
-        <p:blipFill>
-          <a:blip r:embed="rId2"/>
-          <a:stretch>
-            <a:fillRect/>
-          </a:stretch>
-        </p:blipFill>
-        <p:spPr>
-          <a:xfrm>
-            <a:off x="9856237" y="0"/>
-            <a:ext cx="2335763" cy="848539"/>
-          </a:xfrm>
-          <a:prstGeom prst="rect">
-            <a:avLst/>
-          </a:prstGeom>
-        </p:spPr>
-      </p:pic>
       <p:cxnSp>
         <p:nvCxnSpPr>
           <p:cNvPr id="11" name="Connecteur droit 10">
@@ -6244,7 +6159,7 @@
           <p:nvPr/>
         </p:nvPicPr>
         <p:blipFill>
-          <a:blip r:embed="rId3"/>
+          <a:blip r:embed="rId2"/>
           <a:stretch>
             <a:fillRect/>
           </a:stretch>
@@ -6341,36 +6256,6 @@
           </a:p>
         </p:txBody>
       </p:sp>
-      <p:pic>
-        <p:nvPicPr>
-          <p:cNvPr id="9" name="Image 8">
-            <a:extLst>
-              <a:ext uri="{FF2B5EF4-FFF2-40B4-BE49-F238E27FC236}">
-                <a16:creationId xmlns:a16="http://schemas.microsoft.com/office/drawing/2014/main" id="{FAB98676-BCE6-4123-9A28-08DF59A94B06}"/>
-              </a:ext>
-            </a:extLst>
-          </p:cNvPr>
-          <p:cNvPicPr>
-            <a:picLocks noChangeAspect="1"/>
-          </p:cNvPicPr>
-          <p:nvPr/>
-        </p:nvPicPr>
-        <p:blipFill>
-          <a:blip r:embed="rId2"/>
-          <a:stretch>
-            <a:fillRect/>
-          </a:stretch>
-        </p:blipFill>
-        <p:spPr>
-          <a:xfrm>
-            <a:off x="9856237" y="0"/>
-            <a:ext cx="2335763" cy="848539"/>
-          </a:xfrm>
-          <a:prstGeom prst="rect">
-            <a:avLst/>
-          </a:prstGeom>
-        </p:spPr>
-      </p:pic>
       <p:cxnSp>
         <p:nvCxnSpPr>
           <p:cNvPr id="11" name="Connecteur droit 10">
@@ -6528,6 +6413,178 @@
       </p:sp>
       <p:sp>
         <p:nvSpPr>
+          <p:cNvPr id="2053" name="AutoShape 9">
+            <a:extLst>
+              <a:ext uri="{FF2B5EF4-FFF2-40B4-BE49-F238E27FC236}">
+                <a16:creationId xmlns:a16="http://schemas.microsoft.com/office/drawing/2014/main" id="{FEDD03D1-9358-4E6C-A351-846825F53309}"/>
+              </a:ext>
+            </a:extLst>
+          </p:cNvPr>
+          <p:cNvSpPr>
+            <a:spLocks noChangeArrowheads="1"/>
+          </p:cNvSpPr>
+          <p:nvPr/>
+        </p:nvSpPr>
+        <p:spPr bwMode="auto">
+          <a:xfrm>
+            <a:off x="1871098" y="4025614"/>
+            <a:ext cx="1837755" cy="1695996"/>
+          </a:xfrm>
+          <a:prstGeom prst="flowChartMultidocument">
+            <a:avLst/>
+          </a:prstGeom>
+          <a:solidFill>
+            <a:srgbClr val="FFFFFF"/>
+          </a:solidFill>
+          <a:ln w="9525">
+            <a:solidFill>
+              <a:srgbClr val="000000"/>
+            </a:solidFill>
+            <a:miter lim="800000"/>
+            <a:headEnd/>
+            <a:tailEnd/>
+          </a:ln>
+        </p:spPr>
+        <p:txBody>
+          <a:bodyPr vert="horz" wrap="square" lIns="91440" tIns="45720" rIns="91440" bIns="45720" numCol="1" anchor="ctr" anchorCtr="0" compatLnSpc="1">
+            <a:prstTxWarp prst="textNoShape">
+              <a:avLst/>
+            </a:prstTxWarp>
+          </a:bodyPr>
+          <a:lstStyle/>
+          <a:p>
+            <a:pPr marL="0" marR="0" lvl="0" indent="0" algn="ctr" defTabSz="914400" rtl="0" eaLnBrk="0" fontAlgn="base" latinLnBrk="0" hangingPunct="0">
+              <a:lnSpc>
+                <a:spcPct val="100000"/>
+              </a:lnSpc>
+              <a:spcBef>
+                <a:spcPct val="0"/>
+              </a:spcBef>
+              <a:spcAft>
+                <a:spcPct val="0"/>
+              </a:spcAft>
+              <a:buClrTx/>
+              <a:buSzTx/>
+              <a:buFontTx/>
+              <a:buNone/>
+              <a:tabLst/>
+            </a:pPr>
+            <a:r>
+              <a:rPr kumimoji="0" lang="fr-FR" altLang="fr-FR" sz="1600" b="0" i="0" u="none" strike="noStrike" cap="none" normalizeH="0" baseline="0" dirty="0">
+                <a:ln>
+                  <a:noFill/>
+                </a:ln>
+                <a:solidFill>
+                  <a:schemeClr val="tx1"/>
+                </a:solidFill>
+                <a:effectLst/>
+                <a:latin typeface="Verdana" panose="020B0604030504040204" pitchFamily="34" charset="0"/>
+                <a:ea typeface="Times New Roman" panose="02020603050405020304" pitchFamily="18" charset="0"/>
+                <a:cs typeface="Times New Roman" panose="02020603050405020304" pitchFamily="18" charset="0"/>
+              </a:rPr>
+              <a:t>Générateur</a:t>
+            </a:r>
+            <a:endParaRPr kumimoji="0" lang="fr-FR" altLang="fr-FR" sz="1600" b="0" i="0" u="none" strike="noStrike" cap="none" normalizeH="0" baseline="0" dirty="0">
+              <a:ln>
+                <a:noFill/>
+              </a:ln>
+              <a:solidFill>
+                <a:schemeClr val="tx1"/>
+              </a:solidFill>
+              <a:effectLst/>
+              <a:latin typeface="Arial" panose="020B0604020202020204" pitchFamily="34" charset="0"/>
+            </a:endParaRPr>
+          </a:p>
+        </p:txBody>
+      </p:sp>
+      <p:sp>
+        <p:nvSpPr>
+          <p:cNvPr id="2054" name="AutoShape 15">
+            <a:extLst>
+              <a:ext uri="{FF2B5EF4-FFF2-40B4-BE49-F238E27FC236}">
+                <a16:creationId xmlns:a16="http://schemas.microsoft.com/office/drawing/2014/main" id="{E9E2F534-A802-42BA-B32E-2D808471AA87}"/>
+              </a:ext>
+            </a:extLst>
+          </p:cNvPr>
+          <p:cNvSpPr>
+            <a:spLocks noChangeArrowheads="1"/>
+          </p:cNvSpPr>
+          <p:nvPr/>
+        </p:nvSpPr>
+        <p:spPr bwMode="auto">
+          <a:xfrm>
+            <a:off x="5941567" y="2585461"/>
+            <a:ext cx="1975941" cy="1721918"/>
+          </a:xfrm>
+          <a:prstGeom prst="flowChartMultidocument">
+            <a:avLst/>
+          </a:prstGeom>
+          <a:solidFill>
+            <a:srgbClr val="FFFFFF"/>
+          </a:solidFill>
+          <a:ln w="9525">
+            <a:solidFill>
+              <a:srgbClr val="000000"/>
+            </a:solidFill>
+            <a:miter lim="800000"/>
+            <a:headEnd/>
+            <a:tailEnd/>
+          </a:ln>
+        </p:spPr>
+        <p:txBody>
+          <a:bodyPr vert="horz" wrap="square" lIns="91440" tIns="45720" rIns="91440" bIns="45720" numCol="1" anchor="ctr" anchorCtr="0" compatLnSpc="1">
+            <a:prstTxWarp prst="textNoShape">
+              <a:avLst/>
+            </a:prstTxWarp>
+          </a:bodyPr>
+          <a:lstStyle/>
+          <a:p>
+            <a:pPr marL="0" marR="0" lvl="0" indent="0" algn="l" defTabSz="914400" rtl="0" eaLnBrk="0" fontAlgn="base" latinLnBrk="0" hangingPunct="0">
+              <a:lnSpc>
+                <a:spcPct val="100000"/>
+              </a:lnSpc>
+              <a:spcBef>
+                <a:spcPct val="0"/>
+              </a:spcBef>
+              <a:spcAft>
+                <a:spcPct val="0"/>
+              </a:spcAft>
+              <a:buClrTx/>
+              <a:buSzTx/>
+              <a:buFontTx/>
+              <a:buNone/>
+              <a:tabLst/>
+            </a:pPr>
+            <a:r>
+              <a:rPr kumimoji="0" lang="fr-FR" altLang="fr-FR" sz="1600" b="0" i="0" u="none" strike="noStrike" cap="none" normalizeH="0" baseline="0" dirty="0">
+                <a:ln>
+                  <a:noFill/>
+                </a:ln>
+                <a:solidFill>
+                  <a:schemeClr val="tx1"/>
+                </a:solidFill>
+                <a:effectLst/>
+                <a:latin typeface="Verdana" panose="020B0604030504040204" pitchFamily="34" charset="0"/>
+                <a:ea typeface="Times New Roman" panose="02020603050405020304" pitchFamily="18" charset="0"/>
+                <a:cs typeface="Times New Roman" panose="02020603050405020304" pitchFamily="18" charset="0"/>
+              </a:rPr>
+              <a:t>Discriminateur</a:t>
+            </a:r>
+            <a:endParaRPr kumimoji="0" lang="fr-FR" altLang="fr-FR" sz="1600" b="0" i="0" u="none" strike="noStrike" cap="none" normalizeH="0" baseline="0" dirty="0">
+              <a:ln>
+                <a:noFill/>
+              </a:ln>
+              <a:solidFill>
+                <a:schemeClr val="tx1"/>
+              </a:solidFill>
+              <a:effectLst/>
+              <a:latin typeface="Arial" panose="020B0604020202020204" pitchFamily="34" charset="0"/>
+            </a:endParaRPr>
+          </a:p>
+        </p:txBody>
+      </p:sp>
+      <p:sp>
+        <p:nvSpPr>
           <p:cNvPr id="2057" name="Rectangle 54">
             <a:extLst>
               <a:ext uri="{FF2B5EF4-FFF2-40B4-BE49-F238E27FC236}">
@@ -6827,10 +6884,10 @@
       </p:sp>
       <p:sp>
         <p:nvSpPr>
-          <p:cNvPr id="2064" name="Rectangle 64">
-            <a:extLst>
-              <a:ext uri="{FF2B5EF4-FFF2-40B4-BE49-F238E27FC236}">
-                <a16:creationId xmlns:a16="http://schemas.microsoft.com/office/drawing/2014/main" id="{D196A0E6-8D88-4CF9-9FF7-FFB2A9AE6C0B}"/>
+          <p:cNvPr id="2063" name="Rectangle 62">
+            <a:extLst>
+              <a:ext uri="{FF2B5EF4-FFF2-40B4-BE49-F238E27FC236}">
+                <a16:creationId xmlns:a16="http://schemas.microsoft.com/office/drawing/2014/main" id="{8A8127A7-2EA5-462F-BF78-FAC7186D57A2}"/>
               </a:ext>
             </a:extLst>
           </p:cNvPr>
@@ -6841,8 +6898,8 @@
         </p:nvSpPr>
         <p:spPr bwMode="auto">
           <a:xfrm>
-            <a:off x="304800" y="1529188"/>
-            <a:ext cx="11080101" cy="3046988"/>
+            <a:off x="304800" y="2315647"/>
+            <a:ext cx="12192000" cy="457200"/>
           </a:xfrm>
           <a:prstGeom prst="rect">
             <a:avLst/>
@@ -6882,7 +6939,7 @@
           </a:extLst>
         </p:spPr>
         <p:txBody>
-          <a:bodyPr vert="horz" wrap="square" lIns="91440" tIns="45720" rIns="91440" bIns="45720" numCol="1" anchor="t" anchorCtr="0" compatLnSpc="1">
+          <a:bodyPr vert="horz" wrap="none" lIns="91440" tIns="45720" rIns="91440" bIns="45720" numCol="1" anchor="ctr" anchorCtr="0" compatLnSpc="1">
             <a:prstTxWarp prst="textNoShape">
               <a:avLst/>
             </a:prstTxWarp>
@@ -6890,303 +6947,218 @@
           </a:bodyPr>
           <a:lstStyle/>
           <a:p>
-            <a:pPr marL="342900" indent="-342900" eaLnBrk="0" fontAlgn="base" hangingPunct="0">
-              <a:spcBef>
-                <a:spcPct val="0"/>
-              </a:spcBef>
-              <a:spcAft>
-                <a:spcPct val="0"/>
-              </a:spcAft>
-              <a:buFont typeface="Wingdings" panose="05000000000000000000" pitchFamily="2" charset="2"/>
-              <a:buChar char="Ø"/>
-            </a:pPr>
-            <a:r>
-              <a:rPr lang="fr-BE" altLang="fr-FR" sz="2400" dirty="0">
-                <a:solidFill>
-                  <a:schemeClr val="accent1">
-                    <a:lumMod val="50000"/>
-                  </a:schemeClr>
-                </a:solidFill>
-                <a:latin typeface="Verdana" panose="020B0604030504040204" pitchFamily="34" charset="0"/>
-                <a:ea typeface="Times New Roman" panose="02020603050405020304" pitchFamily="18" charset="0"/>
-                <a:cs typeface="Times New Roman" panose="02020603050405020304" pitchFamily="18" charset="0"/>
-              </a:rPr>
-              <a:t> Réseau conçu pour faire des imitations des données ou d’images</a:t>
-            </a:r>
-          </a:p>
-          <a:p>
-            <a:pPr lvl="0" eaLnBrk="0" fontAlgn="base" hangingPunct="0">
-              <a:spcBef>
-                <a:spcPct val="0"/>
-              </a:spcBef>
-              <a:spcAft>
-                <a:spcPct val="0"/>
-              </a:spcAft>
-            </a:pPr>
-            <a:endParaRPr kumimoji="0" lang="fr-BE" altLang="fr-FR" sz="2400" b="0" i="0" u="none" strike="noStrike" cap="none" normalizeH="0" baseline="0" dirty="0">
-              <a:ln>
-                <a:noFill/>
-              </a:ln>
-              <a:solidFill>
-                <a:schemeClr val="accent1">
-                  <a:lumMod val="50000"/>
-                </a:schemeClr>
-              </a:solidFill>
-              <a:effectLst/>
-              <a:latin typeface="Arial" panose="020B0604020202020204" pitchFamily="34" charset="0"/>
-            </a:endParaRPr>
-          </a:p>
-          <a:p>
-            <a:pPr lvl="1" eaLnBrk="0" fontAlgn="base" hangingPunct="0">
-              <a:spcBef>
-                <a:spcPct val="0"/>
-              </a:spcBef>
-              <a:spcAft>
-                <a:spcPct val="0"/>
-              </a:spcAft>
-            </a:pPr>
-            <a:r>
-              <a:rPr kumimoji="0" lang="fr-BE" altLang="fr-FR" sz="2400" b="0" i="0" u="none" strike="noStrike" cap="none" normalizeH="0" baseline="0" dirty="0">
-                <a:ln>
-                  <a:noFill/>
-                </a:ln>
-                <a:solidFill>
-                  <a:schemeClr val="accent1">
-                    <a:lumMod val="50000"/>
-                  </a:schemeClr>
-                </a:solidFill>
-                <a:effectLst/>
-                <a:latin typeface="Arial" panose="020B0604020202020204" pitchFamily="34" charset="0"/>
-              </a:rPr>
-              <a:t>À partir d’un input (</a:t>
-            </a:r>
-            <a:r>
-              <a:rPr kumimoji="0" lang="fr-BE" altLang="fr-FR" sz="2400" b="0" i="0" u="none" strike="noStrike" cap="none" normalizeH="0" baseline="0" dirty="0" err="1">
-                <a:ln>
-                  <a:noFill/>
-                </a:ln>
-                <a:solidFill>
-                  <a:schemeClr val="accent1">
-                    <a:lumMod val="50000"/>
-                  </a:schemeClr>
-                </a:solidFill>
-                <a:effectLst/>
-                <a:latin typeface="Arial" panose="020B0604020202020204" pitchFamily="34" charset="0"/>
-              </a:rPr>
-              <a:t>Random</a:t>
-            </a:r>
-            <a:r>
-              <a:rPr kumimoji="0" lang="fr-BE" altLang="fr-FR" sz="2400" b="0" i="0" u="none" strike="noStrike" cap="none" normalizeH="0" baseline="0" dirty="0">
-                <a:ln>
-                  <a:noFill/>
-                </a:ln>
-                <a:solidFill>
-                  <a:schemeClr val="accent1">
-                    <a:lumMod val="50000"/>
-                  </a:schemeClr>
-                </a:solidFill>
-                <a:effectLst/>
-                <a:latin typeface="Arial" panose="020B0604020202020204" pitchFamily="34" charset="0"/>
-              </a:rPr>
-              <a:t> Noise)</a:t>
-            </a:r>
-          </a:p>
-          <a:p>
-            <a:pPr lvl="1" eaLnBrk="0" fontAlgn="base" hangingPunct="0">
-              <a:spcBef>
-                <a:spcPct val="0"/>
-              </a:spcBef>
-              <a:spcAft>
-                <a:spcPct val="0"/>
-              </a:spcAft>
-            </a:pPr>
-            <a:endParaRPr lang="fr-BE" altLang="fr-FR" sz="2400" dirty="0">
-              <a:solidFill>
-                <a:schemeClr val="accent1">
-                  <a:lumMod val="50000"/>
-                </a:schemeClr>
-              </a:solidFill>
-              <a:latin typeface="Arial" panose="020B0604020202020204" pitchFamily="34" charset="0"/>
-            </a:endParaRPr>
-          </a:p>
-          <a:p>
-            <a:pPr marL="800100" lvl="1" indent="-342900" eaLnBrk="0" fontAlgn="base" hangingPunct="0">
-              <a:spcBef>
-                <a:spcPct val="0"/>
-              </a:spcBef>
-              <a:spcAft>
-                <a:spcPct val="0"/>
-              </a:spcAft>
-              <a:buFont typeface="Wingdings" panose="05000000000000000000" pitchFamily="2" charset="2"/>
-              <a:buChar char="§"/>
-            </a:pPr>
-            <a:r>
-              <a:rPr kumimoji="0" lang="fr-BE" altLang="fr-FR" sz="2400" b="0" i="0" u="none" strike="noStrike" cap="none" normalizeH="0" baseline="0" dirty="0">
-                <a:ln>
-                  <a:noFill/>
-                </a:ln>
-                <a:solidFill>
-                  <a:schemeClr val="accent1">
-                    <a:lumMod val="50000"/>
-                  </a:schemeClr>
-                </a:solidFill>
-                <a:effectLst/>
-                <a:latin typeface="Arial" panose="020B0604020202020204" pitchFamily="34" charset="0"/>
-              </a:rPr>
-              <a:t>Bruit blanc gaussien </a:t>
-            </a:r>
-          </a:p>
-          <a:p>
-            <a:pPr marL="800100" lvl="1" indent="-342900" eaLnBrk="0" fontAlgn="base" hangingPunct="0">
-              <a:spcBef>
-                <a:spcPct val="0"/>
-              </a:spcBef>
-              <a:spcAft>
-                <a:spcPct val="0"/>
-              </a:spcAft>
-              <a:buFont typeface="Wingdings" panose="05000000000000000000" pitchFamily="2" charset="2"/>
-              <a:buChar char="§"/>
-            </a:pPr>
-            <a:r>
-              <a:rPr kumimoji="0" lang="fr-BE" altLang="fr-FR" sz="2400" b="0" i="0" u="none" strike="noStrike" cap="none" normalizeH="0" baseline="0" dirty="0">
-                <a:ln>
-                  <a:noFill/>
-                </a:ln>
-                <a:solidFill>
-                  <a:schemeClr val="accent1">
-                    <a:lumMod val="50000"/>
-                  </a:schemeClr>
-                </a:solidFill>
-                <a:effectLst/>
-                <a:latin typeface="Arial" panose="020B0604020202020204" pitchFamily="34" charset="0"/>
-              </a:rPr>
-              <a:t>Permet une entrée aléatoire structurée</a:t>
-            </a:r>
-          </a:p>
-          <a:p>
-            <a:pPr marL="800100" lvl="1" indent="-342900" eaLnBrk="0" fontAlgn="base" hangingPunct="0">
-              <a:spcBef>
-                <a:spcPct val="0"/>
-              </a:spcBef>
-              <a:spcAft>
-                <a:spcPct val="0"/>
-              </a:spcAft>
-              <a:buFont typeface="Wingdings" panose="05000000000000000000" pitchFamily="2" charset="2"/>
-              <a:buChar char="§"/>
-            </a:pPr>
-            <a:r>
-              <a:rPr lang="fr-BE" altLang="fr-FR" sz="2400" dirty="0">
-                <a:solidFill>
-                  <a:schemeClr val="accent1">
-                    <a:lumMod val="50000"/>
-                  </a:schemeClr>
-                </a:solidFill>
-                <a:latin typeface="Arial" panose="020B0604020202020204" pitchFamily="34" charset="0"/>
-              </a:rPr>
-              <a:t>Input différent</a:t>
-            </a:r>
-          </a:p>
-          <a:p>
-            <a:pPr marL="800100" lvl="1" indent="-342900" eaLnBrk="0" fontAlgn="base" hangingPunct="0">
-              <a:spcBef>
-                <a:spcPct val="0"/>
-              </a:spcBef>
-              <a:spcAft>
-                <a:spcPct val="0"/>
-              </a:spcAft>
-              <a:buFont typeface="Wingdings" panose="05000000000000000000" pitchFamily="2" charset="2"/>
-              <a:buChar char="§"/>
-            </a:pPr>
-            <a:r>
-              <a:rPr lang="fr-BE" altLang="fr-FR" sz="2400" dirty="0">
-                <a:solidFill>
-                  <a:schemeClr val="accent1">
-                    <a:lumMod val="50000"/>
-                  </a:schemeClr>
-                </a:solidFill>
-                <a:latin typeface="Arial" panose="020B0604020202020204" pitchFamily="34" charset="0"/>
-              </a:rPr>
-              <a:t>Générateur non déterministe </a:t>
-            </a:r>
-            <a:endParaRPr kumimoji="0" lang="fr-BE" altLang="fr-FR" sz="2400" b="0" i="0" u="none" strike="noStrike" cap="none" normalizeH="0" baseline="0" dirty="0">
-              <a:ln>
-                <a:noFill/>
-              </a:ln>
-              <a:solidFill>
-                <a:schemeClr val="accent1">
-                  <a:lumMod val="50000"/>
-                </a:schemeClr>
-              </a:solidFill>
-              <a:effectLst/>
-              <a:latin typeface="Arial" panose="020B0604020202020204" pitchFamily="34" charset="0"/>
-            </a:endParaRPr>
-          </a:p>
-        </p:txBody>
-      </p:sp>
-      <p:pic>
-        <p:nvPicPr>
-          <p:cNvPr id="2" name="Image 1">
-            <a:extLst>
-              <a:ext uri="{FF2B5EF4-FFF2-40B4-BE49-F238E27FC236}">
-                <a16:creationId xmlns:a16="http://schemas.microsoft.com/office/drawing/2014/main" id="{BFF5B44F-96FF-4904-9CF2-74EB4AC15A35}"/>
-              </a:ext>
-            </a:extLst>
-          </p:cNvPr>
-          <p:cNvPicPr>
-            <a:picLocks noChangeAspect="1"/>
-          </p:cNvPicPr>
+            <a:endParaRPr lang="fr-BE"/>
+          </a:p>
+        </p:txBody>
+      </p:sp>
+      <p:sp>
+        <p:nvSpPr>
+          <p:cNvPr id="28" name="ZoneTexte 27">
+            <a:extLst>
+              <a:ext uri="{FF2B5EF4-FFF2-40B4-BE49-F238E27FC236}">
+                <a16:creationId xmlns:a16="http://schemas.microsoft.com/office/drawing/2014/main" id="{F5A71331-0FB2-4218-B940-0688DE28F288}"/>
+              </a:ext>
+            </a:extLst>
+          </p:cNvPr>
+          <p:cNvSpPr txBox="1"/>
           <p:nvPr/>
-        </p:nvPicPr>
-        <p:blipFill>
-          <a:blip r:embed="rId3"/>
-          <a:stretch>
-            <a:fillRect/>
-          </a:stretch>
-        </p:blipFill>
+        </p:nvSpPr>
         <p:spPr>
           <a:xfrm>
-            <a:off x="8734426" y="2249785"/>
-            <a:ext cx="2081212" cy="2036294"/>
+            <a:off x="206950" y="5398444"/>
+            <a:ext cx="5166049" cy="646331"/>
           </a:xfrm>
           <a:prstGeom prst="rect">
             <a:avLst/>
           </a:prstGeom>
+          <a:solidFill>
+            <a:srgbClr val="FFFFFF">
+              <a:alpha val="66000"/>
+            </a:srgbClr>
+          </a:solidFill>
+          <a:ln>
+            <a:solidFill>
+              <a:srgbClr val="000000"/>
+            </a:solidFill>
+          </a:ln>
+          <a:effectLst>
+            <a:outerShdw blurRad="50800" dist="50800" dir="5400000" algn="ctr" rotWithShape="0">
+              <a:schemeClr val="accent1">
+                <a:lumMod val="75000"/>
+              </a:schemeClr>
+            </a:outerShdw>
+          </a:effectLst>
         </p:spPr>
-      </p:pic>
-      <p:pic>
-        <p:nvPicPr>
-          <p:cNvPr id="3" name="Image 2">
-            <a:extLst>
-              <a:ext uri="{FF2B5EF4-FFF2-40B4-BE49-F238E27FC236}">
-                <a16:creationId xmlns:a16="http://schemas.microsoft.com/office/drawing/2014/main" id="{84082E7E-8B96-48D1-8087-CC0EED4A865E}"/>
-              </a:ext>
-            </a:extLst>
-          </p:cNvPr>
-          <p:cNvPicPr>
-            <a:picLocks noChangeAspect="1"/>
-          </p:cNvPicPr>
+        <p:txBody>
+          <a:bodyPr wrap="square" rtlCol="0">
+            <a:spAutoFit/>
+          </a:bodyPr>
+          <a:lstStyle/>
+          <a:p>
+            <a:r>
+              <a:rPr lang="fr-BE" dirty="0"/>
+              <a:t>Objectif : Produire des outputs aussi réaliste que possible à partir de zéro</a:t>
+            </a:r>
+          </a:p>
+        </p:txBody>
+      </p:sp>
+      <p:sp>
+        <p:nvSpPr>
+          <p:cNvPr id="29" name="ZoneTexte 28">
+            <a:extLst>
+              <a:ext uri="{FF2B5EF4-FFF2-40B4-BE49-F238E27FC236}">
+                <a16:creationId xmlns:a16="http://schemas.microsoft.com/office/drawing/2014/main" id="{9E2D5DF1-20C8-4614-B32A-02E424E4B7BA}"/>
+              </a:ext>
+            </a:extLst>
+          </p:cNvPr>
+          <p:cNvSpPr txBox="1"/>
           <p:nvPr/>
-        </p:nvPicPr>
-        <p:blipFill>
-          <a:blip r:embed="rId4"/>
-          <a:stretch>
-            <a:fillRect/>
-          </a:stretch>
-        </p:blipFill>
+        </p:nvSpPr>
         <p:spPr>
           <a:xfrm>
-            <a:off x="6257924" y="3738342"/>
-            <a:ext cx="2352675" cy="1689648"/>
+            <a:off x="7335168" y="3756946"/>
+            <a:ext cx="2152650" cy="923330"/>
           </a:xfrm>
           <a:prstGeom prst="rect">
             <a:avLst/>
           </a:prstGeom>
+          <a:solidFill>
+            <a:srgbClr val="FFFFFF">
+              <a:alpha val="66000"/>
+            </a:srgbClr>
+          </a:solidFill>
+          <a:ln>
+            <a:solidFill>
+              <a:srgbClr val="000000"/>
+            </a:solidFill>
+          </a:ln>
+          <a:effectLst>
+            <a:outerShdw blurRad="50800" dist="50800" dir="5400000" algn="ctr" rotWithShape="0">
+              <a:schemeClr val="accent6">
+                <a:lumMod val="75000"/>
+              </a:schemeClr>
+            </a:outerShdw>
+          </a:effectLst>
         </p:spPr>
-      </p:pic>
+        <p:txBody>
+          <a:bodyPr wrap="square" rtlCol="0">
+            <a:spAutoFit/>
+          </a:bodyPr>
+          <a:lstStyle/>
+          <a:p>
+            <a:r>
+              <a:rPr lang="fr-BE" dirty="0"/>
+              <a:t>Objectif : Identifier les vraies et fausses images</a:t>
+            </a:r>
+          </a:p>
+        </p:txBody>
+      </p:sp>
+      <p:sp>
+        <p:nvSpPr>
+          <p:cNvPr id="3" name="Flèche : double flèche horizontale 2">
+            <a:extLst>
+              <a:ext uri="{FF2B5EF4-FFF2-40B4-BE49-F238E27FC236}">
+                <a16:creationId xmlns:a16="http://schemas.microsoft.com/office/drawing/2014/main" id="{D02C0623-3B61-4505-8BA2-6CA8513B4057}"/>
+              </a:ext>
+            </a:extLst>
+          </p:cNvPr>
+          <p:cNvSpPr/>
+          <p:nvPr/>
+        </p:nvSpPr>
+        <p:spPr>
+          <a:xfrm>
+            <a:off x="4038185" y="3833909"/>
+            <a:ext cx="1699885" cy="646331"/>
+          </a:xfrm>
+          <a:prstGeom prst="leftRightArrow">
+            <a:avLst/>
+          </a:prstGeom>
+          <a:solidFill>
+            <a:schemeClr val="accent1">
+              <a:lumMod val="75000"/>
+            </a:schemeClr>
+          </a:solidFill>
+        </p:spPr>
+        <p:style>
+          <a:lnRef idx="2">
+            <a:schemeClr val="accent1">
+              <a:shade val="50000"/>
+            </a:schemeClr>
+          </a:lnRef>
+          <a:fillRef idx="1">
+            <a:schemeClr val="accent1"/>
+          </a:fillRef>
+          <a:effectRef idx="0">
+            <a:schemeClr val="accent1"/>
+          </a:effectRef>
+          <a:fontRef idx="minor">
+            <a:schemeClr val="lt1"/>
+          </a:fontRef>
+        </p:style>
+        <p:txBody>
+          <a:bodyPr rtlCol="0" anchor="ctr"/>
+          <a:lstStyle/>
+          <a:p>
+            <a:pPr algn="ctr"/>
+            <a:endParaRPr lang="fr-BE"/>
+          </a:p>
+        </p:txBody>
+      </p:sp>
+      <p:sp>
+        <p:nvSpPr>
+          <p:cNvPr id="33" name="ZoneTexte 32">
+            <a:extLst>
+              <a:ext uri="{FF2B5EF4-FFF2-40B4-BE49-F238E27FC236}">
+                <a16:creationId xmlns:a16="http://schemas.microsoft.com/office/drawing/2014/main" id="{AFA5850B-7315-4F30-9C12-95064C597588}"/>
+              </a:ext>
+            </a:extLst>
+          </p:cNvPr>
+          <p:cNvSpPr txBox="1"/>
+          <p:nvPr/>
+        </p:nvSpPr>
+        <p:spPr>
+          <a:xfrm>
+            <a:off x="3294932" y="2397678"/>
+            <a:ext cx="2152650" cy="923330"/>
+          </a:xfrm>
+          <a:prstGeom prst="rect">
+            <a:avLst/>
+          </a:prstGeom>
+          <a:solidFill>
+            <a:srgbClr val="FFFFFF">
+              <a:alpha val="66000"/>
+            </a:srgbClr>
+          </a:solidFill>
+          <a:ln>
+            <a:solidFill>
+              <a:srgbClr val="000000"/>
+            </a:solidFill>
+          </a:ln>
+          <a:effectLst>
+            <a:outerShdw blurRad="50800" dist="50800" dir="5400000" algn="ctr" rotWithShape="0">
+              <a:schemeClr val="accent1">
+                <a:lumMod val="75000"/>
+              </a:schemeClr>
+            </a:outerShdw>
+          </a:effectLst>
+        </p:spPr>
+        <p:txBody>
+          <a:bodyPr wrap="square" rtlCol="0">
+            <a:spAutoFit/>
+          </a:bodyPr>
+          <a:lstStyle/>
+          <a:p>
+            <a:r>
+              <a:rPr lang="fr-BE" dirty="0"/>
+              <a:t>Rétropropagation : Permet d’obtenir les gradients</a:t>
+            </a:r>
+          </a:p>
+        </p:txBody>
+      </p:sp>
     </p:spTree>
     <p:extLst>
       <p:ext uri="{BB962C8B-B14F-4D97-AF65-F5344CB8AC3E}">
-        <p14:creationId xmlns:p14="http://schemas.microsoft.com/office/powerpoint/2010/main" val="1276381390"/>
+        <p14:creationId xmlns:p14="http://schemas.microsoft.com/office/powerpoint/2010/main" val="996159910"/>
       </p:ext>
     </p:extLst>
   </p:cSld>
@@ -7260,41 +7232,11 @@
                   </a:outerShdw>
                 </a:effectLst>
               </a:rPr>
-              <a:t>Les réseaux de neurones - GAN</a:t>
-            </a:r>
-          </a:p>
-        </p:txBody>
-      </p:sp>
-      <p:pic>
-        <p:nvPicPr>
-          <p:cNvPr id="9" name="Image 8">
-            <a:extLst>
-              <a:ext uri="{FF2B5EF4-FFF2-40B4-BE49-F238E27FC236}">
-                <a16:creationId xmlns:a16="http://schemas.microsoft.com/office/drawing/2014/main" id="{FAB98676-BCE6-4123-9A28-08DF59A94B06}"/>
-              </a:ext>
-            </a:extLst>
-          </p:cNvPr>
-          <p:cNvPicPr>
-            <a:picLocks noChangeAspect="1"/>
-          </p:cNvPicPr>
-          <p:nvPr/>
-        </p:nvPicPr>
-        <p:blipFill>
-          <a:blip r:embed="rId2"/>
-          <a:stretch>
-            <a:fillRect/>
-          </a:stretch>
-        </p:blipFill>
-        <p:spPr>
-          <a:xfrm>
-            <a:off x="9856237" y="0"/>
-            <a:ext cx="2335763" cy="848539"/>
-          </a:xfrm>
-          <a:prstGeom prst="rect">
-            <a:avLst/>
-          </a:prstGeom>
-        </p:spPr>
-      </p:pic>
+              <a:t>Les réseaux de neurones - CGAN</a:t>
+            </a:r>
+          </a:p>
+        </p:txBody>
+      </p:sp>
       <p:cxnSp>
         <p:nvCxnSpPr>
           <p:cNvPr id="11" name="Connecteur droit 10">
@@ -7452,178 +7394,6 @@
       </p:sp>
       <p:sp>
         <p:nvSpPr>
-          <p:cNvPr id="2053" name="AutoShape 9">
-            <a:extLst>
-              <a:ext uri="{FF2B5EF4-FFF2-40B4-BE49-F238E27FC236}">
-                <a16:creationId xmlns:a16="http://schemas.microsoft.com/office/drawing/2014/main" id="{FEDD03D1-9358-4E6C-A351-846825F53309}"/>
-              </a:ext>
-            </a:extLst>
-          </p:cNvPr>
-          <p:cNvSpPr>
-            <a:spLocks noChangeArrowheads="1"/>
-          </p:cNvSpPr>
-          <p:nvPr/>
-        </p:nvSpPr>
-        <p:spPr bwMode="auto">
-          <a:xfrm>
-            <a:off x="1871098" y="4025614"/>
-            <a:ext cx="1837755" cy="1695996"/>
-          </a:xfrm>
-          <a:prstGeom prst="flowChartMultidocument">
-            <a:avLst/>
-          </a:prstGeom>
-          <a:solidFill>
-            <a:srgbClr val="FFFFFF"/>
-          </a:solidFill>
-          <a:ln w="9525">
-            <a:solidFill>
-              <a:srgbClr val="000000"/>
-            </a:solidFill>
-            <a:miter lim="800000"/>
-            <a:headEnd/>
-            <a:tailEnd/>
-          </a:ln>
-        </p:spPr>
-        <p:txBody>
-          <a:bodyPr vert="horz" wrap="square" lIns="91440" tIns="45720" rIns="91440" bIns="45720" numCol="1" anchor="ctr" anchorCtr="0" compatLnSpc="1">
-            <a:prstTxWarp prst="textNoShape">
-              <a:avLst/>
-            </a:prstTxWarp>
-          </a:bodyPr>
-          <a:lstStyle/>
-          <a:p>
-            <a:pPr marL="0" marR="0" lvl="0" indent="0" algn="ctr" defTabSz="914400" rtl="0" eaLnBrk="0" fontAlgn="base" latinLnBrk="0" hangingPunct="0">
-              <a:lnSpc>
-                <a:spcPct val="100000"/>
-              </a:lnSpc>
-              <a:spcBef>
-                <a:spcPct val="0"/>
-              </a:spcBef>
-              <a:spcAft>
-                <a:spcPct val="0"/>
-              </a:spcAft>
-              <a:buClrTx/>
-              <a:buSzTx/>
-              <a:buFontTx/>
-              <a:buNone/>
-              <a:tabLst/>
-            </a:pPr>
-            <a:r>
-              <a:rPr kumimoji="0" lang="fr-FR" altLang="fr-FR" sz="1600" b="0" i="0" u="none" strike="noStrike" cap="none" normalizeH="0" baseline="0" dirty="0">
-                <a:ln>
-                  <a:noFill/>
-                </a:ln>
-                <a:solidFill>
-                  <a:schemeClr val="tx1"/>
-                </a:solidFill>
-                <a:effectLst/>
-                <a:latin typeface="Verdana" panose="020B0604030504040204" pitchFamily="34" charset="0"/>
-                <a:ea typeface="Times New Roman" panose="02020603050405020304" pitchFamily="18" charset="0"/>
-                <a:cs typeface="Times New Roman" panose="02020603050405020304" pitchFamily="18" charset="0"/>
-              </a:rPr>
-              <a:t>Générateur</a:t>
-            </a:r>
-            <a:endParaRPr kumimoji="0" lang="fr-FR" altLang="fr-FR" sz="1600" b="0" i="0" u="none" strike="noStrike" cap="none" normalizeH="0" baseline="0" dirty="0">
-              <a:ln>
-                <a:noFill/>
-              </a:ln>
-              <a:solidFill>
-                <a:schemeClr val="tx1"/>
-              </a:solidFill>
-              <a:effectLst/>
-              <a:latin typeface="Arial" panose="020B0604020202020204" pitchFamily="34" charset="0"/>
-            </a:endParaRPr>
-          </a:p>
-        </p:txBody>
-      </p:sp>
-      <p:sp>
-        <p:nvSpPr>
-          <p:cNvPr id="2054" name="AutoShape 15">
-            <a:extLst>
-              <a:ext uri="{FF2B5EF4-FFF2-40B4-BE49-F238E27FC236}">
-                <a16:creationId xmlns:a16="http://schemas.microsoft.com/office/drawing/2014/main" id="{E9E2F534-A802-42BA-B32E-2D808471AA87}"/>
-              </a:ext>
-            </a:extLst>
-          </p:cNvPr>
-          <p:cNvSpPr>
-            <a:spLocks noChangeArrowheads="1"/>
-          </p:cNvSpPr>
-          <p:nvPr/>
-        </p:nvSpPr>
-        <p:spPr bwMode="auto">
-          <a:xfrm>
-            <a:off x="5941567" y="2585461"/>
-            <a:ext cx="1975941" cy="1721918"/>
-          </a:xfrm>
-          <a:prstGeom prst="flowChartMultidocument">
-            <a:avLst/>
-          </a:prstGeom>
-          <a:solidFill>
-            <a:srgbClr val="FFFFFF"/>
-          </a:solidFill>
-          <a:ln w="9525">
-            <a:solidFill>
-              <a:srgbClr val="000000"/>
-            </a:solidFill>
-            <a:miter lim="800000"/>
-            <a:headEnd/>
-            <a:tailEnd/>
-          </a:ln>
-        </p:spPr>
-        <p:txBody>
-          <a:bodyPr vert="horz" wrap="square" lIns="91440" tIns="45720" rIns="91440" bIns="45720" numCol="1" anchor="ctr" anchorCtr="0" compatLnSpc="1">
-            <a:prstTxWarp prst="textNoShape">
-              <a:avLst/>
-            </a:prstTxWarp>
-          </a:bodyPr>
-          <a:lstStyle/>
-          <a:p>
-            <a:pPr marL="0" marR="0" lvl="0" indent="0" algn="l" defTabSz="914400" rtl="0" eaLnBrk="0" fontAlgn="base" latinLnBrk="0" hangingPunct="0">
-              <a:lnSpc>
-                <a:spcPct val="100000"/>
-              </a:lnSpc>
-              <a:spcBef>
-                <a:spcPct val="0"/>
-              </a:spcBef>
-              <a:spcAft>
-                <a:spcPct val="0"/>
-              </a:spcAft>
-              <a:buClrTx/>
-              <a:buSzTx/>
-              <a:buFontTx/>
-              <a:buNone/>
-              <a:tabLst/>
-            </a:pPr>
-            <a:r>
-              <a:rPr kumimoji="0" lang="fr-FR" altLang="fr-FR" sz="1600" b="0" i="0" u="none" strike="noStrike" cap="none" normalizeH="0" baseline="0" dirty="0">
-                <a:ln>
-                  <a:noFill/>
-                </a:ln>
-                <a:solidFill>
-                  <a:schemeClr val="tx1"/>
-                </a:solidFill>
-                <a:effectLst/>
-                <a:latin typeface="Verdana" panose="020B0604030504040204" pitchFamily="34" charset="0"/>
-                <a:ea typeface="Times New Roman" panose="02020603050405020304" pitchFamily="18" charset="0"/>
-                <a:cs typeface="Times New Roman" panose="02020603050405020304" pitchFamily="18" charset="0"/>
-              </a:rPr>
-              <a:t>Discriminateur</a:t>
-            </a:r>
-            <a:endParaRPr kumimoji="0" lang="fr-FR" altLang="fr-FR" sz="1600" b="0" i="0" u="none" strike="noStrike" cap="none" normalizeH="0" baseline="0" dirty="0">
-              <a:ln>
-                <a:noFill/>
-              </a:ln>
-              <a:solidFill>
-                <a:schemeClr val="tx1"/>
-              </a:solidFill>
-              <a:effectLst/>
-              <a:latin typeface="Arial" panose="020B0604020202020204" pitchFamily="34" charset="0"/>
-            </a:endParaRPr>
-          </a:p>
-        </p:txBody>
-      </p:sp>
-      <p:sp>
-        <p:nvSpPr>
           <p:cNvPr id="2057" name="Rectangle 54">
             <a:extLst>
               <a:ext uri="{FF2B5EF4-FFF2-40B4-BE49-F238E27FC236}">
@@ -7923,10 +7693,10 @@
       </p:sp>
       <p:sp>
         <p:nvSpPr>
-          <p:cNvPr id="2063" name="Rectangle 62">
-            <a:extLst>
-              <a:ext uri="{FF2B5EF4-FFF2-40B4-BE49-F238E27FC236}">
-                <a16:creationId xmlns:a16="http://schemas.microsoft.com/office/drawing/2014/main" id="{8A8127A7-2EA5-462F-BF78-FAC7186D57A2}"/>
+          <p:cNvPr id="2064" name="Rectangle 64">
+            <a:extLst>
+              <a:ext uri="{FF2B5EF4-FFF2-40B4-BE49-F238E27FC236}">
+                <a16:creationId xmlns:a16="http://schemas.microsoft.com/office/drawing/2014/main" id="{D196A0E6-8D88-4CF9-9FF7-FFB2A9AE6C0B}"/>
               </a:ext>
             </a:extLst>
           </p:cNvPr>
@@ -7937,8 +7707,8 @@
         </p:nvSpPr>
         <p:spPr bwMode="auto">
           <a:xfrm>
-            <a:off x="304800" y="2315647"/>
-            <a:ext cx="12192000" cy="457200"/>
+            <a:off x="304800" y="1529188"/>
+            <a:ext cx="11080101" cy="4154984"/>
           </a:xfrm>
           <a:prstGeom prst="rect">
             <a:avLst/>
@@ -7978,7 +7748,7 @@
           </a:extLst>
         </p:spPr>
         <p:txBody>
-          <a:bodyPr vert="horz" wrap="none" lIns="91440" tIns="45720" rIns="91440" bIns="45720" numCol="1" anchor="ctr" anchorCtr="0" compatLnSpc="1">
+          <a:bodyPr vert="horz" wrap="square" lIns="91440" tIns="45720" rIns="91440" bIns="45720" numCol="1" anchor="t" anchorCtr="0" compatLnSpc="1">
             <a:prstTxWarp prst="textNoShape">
               <a:avLst/>
             </a:prstTxWarp>
@@ -7986,218 +7756,255 @@
           </a:bodyPr>
           <a:lstStyle/>
           <a:p>
-            <a:endParaRPr lang="fr-BE"/>
-          </a:p>
-        </p:txBody>
-      </p:sp>
-      <p:sp>
-        <p:nvSpPr>
-          <p:cNvPr id="28" name="ZoneTexte 27">
-            <a:extLst>
-              <a:ext uri="{FF2B5EF4-FFF2-40B4-BE49-F238E27FC236}">
-                <a16:creationId xmlns:a16="http://schemas.microsoft.com/office/drawing/2014/main" id="{F5A71331-0FB2-4218-B940-0688DE28F288}"/>
-              </a:ext>
-            </a:extLst>
-          </p:cNvPr>
-          <p:cNvSpPr txBox="1"/>
-          <p:nvPr/>
-        </p:nvSpPr>
-        <p:spPr>
-          <a:xfrm>
-            <a:off x="206950" y="5398444"/>
-            <a:ext cx="5166049" cy="646331"/>
-          </a:xfrm>
-          <a:prstGeom prst="rect">
-            <a:avLst/>
-          </a:prstGeom>
-          <a:solidFill>
-            <a:srgbClr val="FFFFFF">
-              <a:alpha val="66000"/>
-            </a:srgbClr>
-          </a:solidFill>
-          <a:ln>
-            <a:solidFill>
-              <a:srgbClr val="000000"/>
-            </a:solidFill>
-          </a:ln>
-          <a:effectLst>
-            <a:outerShdw blurRad="50800" dist="50800" dir="5400000" algn="ctr" rotWithShape="0">
-              <a:schemeClr val="accent1">
-                <a:lumMod val="75000"/>
-              </a:schemeClr>
-            </a:outerShdw>
-          </a:effectLst>
-        </p:spPr>
-        <p:txBody>
-          <a:bodyPr wrap="square" rtlCol="0">
-            <a:spAutoFit/>
-          </a:bodyPr>
-          <a:lstStyle/>
-          <a:p>
-            <a:r>
-              <a:rPr lang="fr-BE" dirty="0"/>
-              <a:t>Objectif : Produire des outputs aussi réaliste que possible</a:t>
-            </a:r>
-          </a:p>
-        </p:txBody>
-      </p:sp>
-      <p:sp>
-        <p:nvSpPr>
-          <p:cNvPr id="29" name="ZoneTexte 28">
-            <a:extLst>
-              <a:ext uri="{FF2B5EF4-FFF2-40B4-BE49-F238E27FC236}">
-                <a16:creationId xmlns:a16="http://schemas.microsoft.com/office/drawing/2014/main" id="{9E2D5DF1-20C8-4614-B32A-02E424E4B7BA}"/>
-              </a:ext>
-            </a:extLst>
-          </p:cNvPr>
-          <p:cNvSpPr txBox="1"/>
-          <p:nvPr/>
-        </p:nvSpPr>
-        <p:spPr>
-          <a:xfrm>
-            <a:off x="7335168" y="3756946"/>
-            <a:ext cx="2152650" cy="923330"/>
-          </a:xfrm>
-          <a:prstGeom prst="rect">
-            <a:avLst/>
-          </a:prstGeom>
-          <a:solidFill>
-            <a:srgbClr val="FFFFFF">
-              <a:alpha val="66000"/>
-            </a:srgbClr>
-          </a:solidFill>
-          <a:ln>
-            <a:solidFill>
-              <a:srgbClr val="000000"/>
-            </a:solidFill>
-          </a:ln>
-          <a:effectLst>
-            <a:outerShdw blurRad="50800" dist="50800" dir="5400000" algn="ctr" rotWithShape="0">
-              <a:schemeClr val="accent6">
-                <a:lumMod val="75000"/>
-              </a:schemeClr>
-            </a:outerShdw>
-          </a:effectLst>
-        </p:spPr>
-        <p:txBody>
-          <a:bodyPr wrap="square" rtlCol="0">
-            <a:spAutoFit/>
-          </a:bodyPr>
-          <a:lstStyle/>
-          <a:p>
-            <a:r>
-              <a:rPr lang="fr-BE" dirty="0"/>
-              <a:t>Objectif : Identifier les vraies et fausses images</a:t>
-            </a:r>
-          </a:p>
-        </p:txBody>
-      </p:sp>
-      <p:sp>
-        <p:nvSpPr>
-          <p:cNvPr id="3" name="Flèche : double flèche horizontale 2">
-            <a:extLst>
-              <a:ext uri="{FF2B5EF4-FFF2-40B4-BE49-F238E27FC236}">
-                <a16:creationId xmlns:a16="http://schemas.microsoft.com/office/drawing/2014/main" id="{D02C0623-3B61-4505-8BA2-6CA8513B4057}"/>
-              </a:ext>
-            </a:extLst>
-          </p:cNvPr>
-          <p:cNvSpPr/>
-          <p:nvPr/>
-        </p:nvSpPr>
-        <p:spPr>
-          <a:xfrm>
-            <a:off x="4038185" y="3833909"/>
-            <a:ext cx="1699885" cy="646331"/>
-          </a:xfrm>
-          <a:prstGeom prst="leftRightArrow">
-            <a:avLst/>
-          </a:prstGeom>
-          <a:solidFill>
-            <a:schemeClr val="accent1">
-              <a:lumMod val="75000"/>
-            </a:schemeClr>
-          </a:solidFill>
-        </p:spPr>
-        <p:style>
-          <a:lnRef idx="2">
-            <a:schemeClr val="accent1">
-              <a:shade val="50000"/>
-            </a:schemeClr>
-          </a:lnRef>
-          <a:fillRef idx="1">
-            <a:schemeClr val="accent1"/>
-          </a:fillRef>
-          <a:effectRef idx="0">
-            <a:schemeClr val="accent1"/>
-          </a:effectRef>
-          <a:fontRef idx="minor">
-            <a:schemeClr val="lt1"/>
-          </a:fontRef>
-        </p:style>
-        <p:txBody>
-          <a:bodyPr rtlCol="0" anchor="ctr"/>
-          <a:lstStyle/>
-          <a:p>
-            <a:pPr algn="ctr"/>
-            <a:endParaRPr lang="fr-BE"/>
-          </a:p>
-        </p:txBody>
-      </p:sp>
-      <p:sp>
-        <p:nvSpPr>
-          <p:cNvPr id="33" name="ZoneTexte 32">
-            <a:extLst>
-              <a:ext uri="{FF2B5EF4-FFF2-40B4-BE49-F238E27FC236}">
-                <a16:creationId xmlns:a16="http://schemas.microsoft.com/office/drawing/2014/main" id="{AFA5850B-7315-4F30-9C12-95064C597588}"/>
-              </a:ext>
-            </a:extLst>
-          </p:cNvPr>
-          <p:cNvSpPr txBox="1"/>
-          <p:nvPr/>
-        </p:nvSpPr>
-        <p:spPr>
-          <a:xfrm>
-            <a:off x="3294932" y="2397678"/>
-            <a:ext cx="2152650" cy="923330"/>
-          </a:xfrm>
-          <a:prstGeom prst="rect">
-            <a:avLst/>
-          </a:prstGeom>
-          <a:solidFill>
-            <a:srgbClr val="FFFFFF">
-              <a:alpha val="66000"/>
-            </a:srgbClr>
-          </a:solidFill>
-          <a:ln>
-            <a:solidFill>
-              <a:srgbClr val="000000"/>
-            </a:solidFill>
-          </a:ln>
-          <a:effectLst>
-            <a:outerShdw blurRad="50800" dist="50800" dir="5400000" algn="ctr" rotWithShape="0">
-              <a:schemeClr val="accent1">
-                <a:lumMod val="75000"/>
-              </a:schemeClr>
-            </a:outerShdw>
-          </a:effectLst>
-        </p:spPr>
-        <p:txBody>
-          <a:bodyPr wrap="square" rtlCol="0">
-            <a:spAutoFit/>
-          </a:bodyPr>
-          <a:lstStyle/>
-          <a:p>
-            <a:r>
-              <a:rPr lang="fr-BE" dirty="0"/>
-              <a:t>Rétropropagation : Permet d’obtenir les gradients</a:t>
-            </a:r>
+            <a:pPr marL="342900" indent="-342900" eaLnBrk="0" fontAlgn="base" hangingPunct="0">
+              <a:spcBef>
+                <a:spcPct val="0"/>
+              </a:spcBef>
+              <a:spcAft>
+                <a:spcPct val="0"/>
+              </a:spcAft>
+              <a:buFont typeface="Wingdings" panose="05000000000000000000" pitchFamily="2" charset="2"/>
+              <a:buChar char="Ø"/>
+            </a:pPr>
+            <a:r>
+              <a:rPr lang="fr-BE" altLang="fr-FR" sz="2400" dirty="0">
+                <a:solidFill>
+                  <a:schemeClr val="accent1">
+                    <a:lumMod val="50000"/>
+                  </a:schemeClr>
+                </a:solidFill>
+                <a:latin typeface="Verdana" panose="020B0604030504040204" pitchFamily="34" charset="0"/>
+                <a:ea typeface="Times New Roman" panose="02020603050405020304" pitchFamily="18" charset="0"/>
+                <a:cs typeface="Times New Roman" panose="02020603050405020304" pitchFamily="18" charset="0"/>
+              </a:rPr>
+              <a:t> Réseau conçu pour faire des imitations des données ou d’images</a:t>
+            </a:r>
+          </a:p>
+          <a:p>
+            <a:pPr marL="342900" indent="-342900" eaLnBrk="0" fontAlgn="base" hangingPunct="0">
+              <a:spcBef>
+                <a:spcPct val="0"/>
+              </a:spcBef>
+              <a:spcAft>
+                <a:spcPct val="0"/>
+              </a:spcAft>
+              <a:buFont typeface="Wingdings" panose="05000000000000000000" pitchFamily="2" charset="2"/>
+              <a:buChar char="Ø"/>
+            </a:pPr>
+            <a:endParaRPr lang="fr-BE" altLang="fr-FR" sz="2400" dirty="0">
+              <a:solidFill>
+                <a:schemeClr val="accent1">
+                  <a:lumMod val="50000"/>
+                </a:schemeClr>
+              </a:solidFill>
+              <a:latin typeface="Verdana" panose="020B0604030504040204" pitchFamily="34" charset="0"/>
+              <a:ea typeface="Times New Roman" panose="02020603050405020304" pitchFamily="18" charset="0"/>
+              <a:cs typeface="Times New Roman" panose="02020603050405020304" pitchFamily="18" charset="0"/>
+            </a:endParaRPr>
+          </a:p>
+          <a:p>
+            <a:pPr marL="342900" indent="-342900" eaLnBrk="0" fontAlgn="base" hangingPunct="0">
+              <a:spcBef>
+                <a:spcPct val="0"/>
+              </a:spcBef>
+              <a:spcAft>
+                <a:spcPct val="0"/>
+              </a:spcAft>
+              <a:buFont typeface="Wingdings" panose="05000000000000000000" pitchFamily="2" charset="2"/>
+              <a:buChar char="Ø"/>
+            </a:pPr>
+            <a:r>
+              <a:rPr lang="fr-BE" altLang="fr-FR" sz="2400" dirty="0">
+                <a:solidFill>
+                  <a:schemeClr val="accent1">
+                    <a:lumMod val="50000"/>
+                  </a:schemeClr>
+                </a:solidFill>
+                <a:latin typeface="Verdana" panose="020B0604030504040204" pitchFamily="34" charset="0"/>
+                <a:ea typeface="Times New Roman" panose="02020603050405020304" pitchFamily="18" charset="0"/>
+                <a:cs typeface="Times New Roman" panose="02020603050405020304" pitchFamily="18" charset="0"/>
+              </a:rPr>
+              <a:t> Apprentissage supervisé</a:t>
+            </a:r>
+          </a:p>
+          <a:p>
+            <a:pPr marL="342900" lvl="0" indent="-342900" eaLnBrk="0" fontAlgn="base" hangingPunct="0">
+              <a:spcBef>
+                <a:spcPct val="0"/>
+              </a:spcBef>
+              <a:spcAft>
+                <a:spcPct val="0"/>
+              </a:spcAft>
+              <a:buFont typeface="Wingdings" panose="05000000000000000000" pitchFamily="2" charset="2"/>
+              <a:buChar char="Ø"/>
+            </a:pPr>
+            <a:endParaRPr lang="fr-BE" altLang="fr-FR" sz="2400" dirty="0">
+              <a:solidFill>
+                <a:schemeClr val="accent1">
+                  <a:lumMod val="50000"/>
+                </a:schemeClr>
+              </a:solidFill>
+              <a:latin typeface="Verdana" panose="020B0604030504040204" pitchFamily="34" charset="0"/>
+              <a:ea typeface="Times New Roman" panose="02020603050405020304" pitchFamily="18" charset="0"/>
+              <a:cs typeface="Times New Roman" panose="02020603050405020304" pitchFamily="18" charset="0"/>
+            </a:endParaRPr>
+          </a:p>
+          <a:p>
+            <a:pPr marL="342900" lvl="0" indent="-342900" eaLnBrk="0" fontAlgn="base" hangingPunct="0">
+              <a:spcBef>
+                <a:spcPct val="0"/>
+              </a:spcBef>
+              <a:spcAft>
+                <a:spcPct val="0"/>
+              </a:spcAft>
+              <a:buFont typeface="Wingdings" panose="05000000000000000000" pitchFamily="2" charset="2"/>
+              <a:buChar char="Ø"/>
+            </a:pPr>
+            <a:r>
+              <a:rPr lang="fr-BE" altLang="fr-FR" sz="2400" dirty="0">
+                <a:solidFill>
+                  <a:schemeClr val="accent1">
+                    <a:lumMod val="50000"/>
+                  </a:schemeClr>
+                </a:solidFill>
+                <a:latin typeface="Verdana" panose="020B0604030504040204" pitchFamily="34" charset="0"/>
+                <a:ea typeface="Times New Roman" panose="02020603050405020304" pitchFamily="18" charset="0"/>
+                <a:cs typeface="Times New Roman" panose="02020603050405020304" pitchFamily="18" charset="0"/>
+              </a:rPr>
+              <a:t> Principe d’une compétition entre 1 discriminateur et 1 générateur</a:t>
+            </a:r>
+          </a:p>
+          <a:p>
+            <a:pPr marL="342900" lvl="0" indent="-342900" eaLnBrk="0" fontAlgn="base" hangingPunct="0">
+              <a:spcBef>
+                <a:spcPct val="0"/>
+              </a:spcBef>
+              <a:spcAft>
+                <a:spcPct val="0"/>
+              </a:spcAft>
+              <a:buFont typeface="Wingdings" panose="05000000000000000000" pitchFamily="2" charset="2"/>
+              <a:buChar char="Ø"/>
+            </a:pPr>
+            <a:endParaRPr lang="fr-BE" sz="2400" dirty="0"/>
+          </a:p>
+          <a:p>
+            <a:pPr marL="1257300" lvl="2" indent="-342900" eaLnBrk="0" fontAlgn="base" hangingPunct="0">
+              <a:spcBef>
+                <a:spcPct val="0"/>
+              </a:spcBef>
+              <a:spcAft>
+                <a:spcPct val="0"/>
+              </a:spcAft>
+              <a:buFont typeface="Wingdings" panose="05000000000000000000" pitchFamily="2" charset="2"/>
+              <a:buChar char="ü"/>
+            </a:pPr>
+            <a:r>
+              <a:rPr lang="fr-BE" sz="2400" dirty="0">
+                <a:solidFill>
+                  <a:schemeClr val="accent1">
+                    <a:lumMod val="50000"/>
+                  </a:schemeClr>
+                </a:solidFill>
+                <a:latin typeface="Verdana" panose="020B0604030504040204" pitchFamily="34" charset="0"/>
+                <a:cs typeface="Times New Roman" panose="02020603050405020304" pitchFamily="18" charset="0"/>
+              </a:rPr>
+              <a:t> Principe de rétropropagation</a:t>
+            </a:r>
+          </a:p>
+          <a:p>
+            <a:pPr marL="1257300" lvl="2" indent="-342900" eaLnBrk="0" fontAlgn="base" hangingPunct="0">
+              <a:spcBef>
+                <a:spcPct val="0"/>
+              </a:spcBef>
+              <a:spcAft>
+                <a:spcPct val="0"/>
+              </a:spcAft>
+              <a:buFont typeface="Wingdings" panose="05000000000000000000" pitchFamily="2" charset="2"/>
+              <a:buChar char="ü"/>
+            </a:pPr>
+            <a:endParaRPr lang="fr-BE" altLang="fr-FR" sz="2400" dirty="0">
+              <a:solidFill>
+                <a:schemeClr val="accent1">
+                  <a:lumMod val="50000"/>
+                </a:schemeClr>
+              </a:solidFill>
+              <a:latin typeface="Verdana" panose="020B0604030504040204" pitchFamily="34" charset="0"/>
+              <a:cs typeface="Times New Roman" panose="02020603050405020304" pitchFamily="18" charset="0"/>
+            </a:endParaRPr>
+          </a:p>
+          <a:p>
+            <a:pPr marL="342900" indent="-342900" eaLnBrk="0" fontAlgn="base" hangingPunct="0">
+              <a:spcBef>
+                <a:spcPct val="0"/>
+              </a:spcBef>
+              <a:spcAft>
+                <a:spcPct val="0"/>
+              </a:spcAft>
+              <a:buFont typeface="Wingdings" panose="05000000000000000000" pitchFamily="2" charset="2"/>
+              <a:buChar char="Ø"/>
+            </a:pPr>
+            <a:r>
+              <a:rPr lang="fr-BE" altLang="fr-FR" sz="2400" dirty="0">
+                <a:solidFill>
+                  <a:schemeClr val="accent1">
+                    <a:lumMod val="50000"/>
+                  </a:schemeClr>
+                </a:solidFill>
+                <a:latin typeface="Verdana" panose="020B0604030504040204" pitchFamily="34" charset="0"/>
+                <a:cs typeface="Times New Roman" panose="02020603050405020304" pitchFamily="18" charset="0"/>
+              </a:rPr>
+              <a:t> Information supplémentaire (label – y)</a:t>
+            </a:r>
+          </a:p>
+          <a:p>
+            <a:pPr marL="1257300" lvl="2" indent="-342900" eaLnBrk="0" fontAlgn="base" hangingPunct="0">
+              <a:spcBef>
+                <a:spcPct val="0"/>
+              </a:spcBef>
+              <a:spcAft>
+                <a:spcPct val="0"/>
+              </a:spcAft>
+              <a:buFont typeface="Wingdings" panose="05000000000000000000" pitchFamily="2" charset="2"/>
+              <a:buChar char="ü"/>
+            </a:pPr>
+            <a:endParaRPr lang="fr-BE" altLang="fr-FR" sz="2400" dirty="0">
+              <a:solidFill>
+                <a:schemeClr val="accent1">
+                  <a:lumMod val="50000"/>
+                </a:schemeClr>
+              </a:solidFill>
+              <a:latin typeface="Verdana" panose="020B0604030504040204" pitchFamily="34" charset="0"/>
+              <a:cs typeface="Times New Roman" panose="02020603050405020304" pitchFamily="18" charset="0"/>
+            </a:endParaRPr>
+          </a:p>
+          <a:p>
+            <a:pPr lvl="0" eaLnBrk="0" fontAlgn="base" hangingPunct="0">
+              <a:spcBef>
+                <a:spcPct val="0"/>
+              </a:spcBef>
+              <a:spcAft>
+                <a:spcPct val="0"/>
+              </a:spcAft>
+            </a:pPr>
+            <a:endParaRPr kumimoji="0" lang="fr-BE" altLang="fr-FR" sz="2400" b="0" i="0" u="none" strike="noStrike" cap="none" normalizeH="0" baseline="0" dirty="0">
+              <a:ln>
+                <a:noFill/>
+              </a:ln>
+              <a:solidFill>
+                <a:schemeClr val="accent1">
+                  <a:lumMod val="50000"/>
+                </a:schemeClr>
+              </a:solidFill>
+              <a:effectLst/>
+              <a:latin typeface="Arial" panose="020B0604020202020204" pitchFamily="34" charset="0"/>
+            </a:endParaRPr>
           </a:p>
         </p:txBody>
       </p:sp>
     </p:spTree>
     <p:extLst>
       <p:ext uri="{BB962C8B-B14F-4D97-AF65-F5344CB8AC3E}">
-        <p14:creationId xmlns:p14="http://schemas.microsoft.com/office/powerpoint/2010/main" val="996159910"/>
+        <p14:creationId xmlns:p14="http://schemas.microsoft.com/office/powerpoint/2010/main" val="1203402913"/>
       </p:ext>
     </p:extLst>
   </p:cSld>
@@ -8243,7 +8050,7 @@
         <p:spPr>
           <a:xfrm>
             <a:off x="755779" y="1"/>
-            <a:ext cx="8976049" cy="1642180"/>
+            <a:ext cx="9118080" cy="1642180"/>
           </a:xfrm>
           <a:noFill/>
           <a:effectLst>
@@ -8271,41 +8078,11 @@
                   </a:outerShdw>
                 </a:effectLst>
               </a:rPr>
-              <a:t>Les réseaux de neurones - GAN</a:t>
-            </a:r>
-          </a:p>
-        </p:txBody>
-      </p:sp>
-      <p:pic>
-        <p:nvPicPr>
-          <p:cNvPr id="9" name="Image 8">
-            <a:extLst>
-              <a:ext uri="{FF2B5EF4-FFF2-40B4-BE49-F238E27FC236}">
-                <a16:creationId xmlns:a16="http://schemas.microsoft.com/office/drawing/2014/main" id="{FAB98676-BCE6-4123-9A28-08DF59A94B06}"/>
-              </a:ext>
-            </a:extLst>
-          </p:cNvPr>
-          <p:cNvPicPr>
-            <a:picLocks noChangeAspect="1"/>
-          </p:cNvPicPr>
-          <p:nvPr/>
-        </p:nvPicPr>
-        <p:blipFill>
-          <a:blip r:embed="rId2"/>
-          <a:stretch>
-            <a:fillRect/>
-          </a:stretch>
-        </p:blipFill>
-        <p:spPr>
-          <a:xfrm>
-            <a:off x="9856237" y="0"/>
-            <a:ext cx="2335763" cy="848539"/>
-          </a:xfrm>
-          <a:prstGeom prst="rect">
-            <a:avLst/>
-          </a:prstGeom>
-        </p:spPr>
-      </p:pic>
+              <a:t>Les réseaux de neurones – CGAN</a:t>
+            </a:r>
+          </a:p>
+        </p:txBody>
+      </p:sp>
       <p:cxnSp>
         <p:nvCxnSpPr>
           <p:cNvPr id="11" name="Connecteur droit 10">
@@ -8461,12 +8238,1714 @@
           </a:p>
         </p:txBody>
       </p:sp>
+      <p:sp>
+        <p:nvSpPr>
+          <p:cNvPr id="2060" name="Rectangle 57">
+            <a:extLst>
+              <a:ext uri="{FF2B5EF4-FFF2-40B4-BE49-F238E27FC236}">
+                <a16:creationId xmlns:a16="http://schemas.microsoft.com/office/drawing/2014/main" id="{90B5CCA3-A1A8-4B43-BEBD-E500C68F3F81}"/>
+              </a:ext>
+            </a:extLst>
+          </p:cNvPr>
+          <p:cNvSpPr>
+            <a:spLocks noChangeArrowheads="1"/>
+          </p:cNvSpPr>
+          <p:nvPr/>
+        </p:nvSpPr>
+        <p:spPr bwMode="auto">
+          <a:xfrm>
+            <a:off x="304800" y="2315647"/>
+            <a:ext cx="12192000" cy="0"/>
+          </a:xfrm>
+          <a:prstGeom prst="rect">
+            <a:avLst/>
+          </a:prstGeom>
+          <a:noFill/>
+          <a:ln>
+            <a:noFill/>
+          </a:ln>
+          <a:effectLst/>
+          <a:extLst>
+            <a:ext uri="{909E8E84-426E-40DD-AFC4-6F175D3DCCD1}">
+              <a14:hiddenFill xmlns:a14="http://schemas.microsoft.com/office/drawing/2010/main">
+                <a:solidFill>
+                  <a:schemeClr val="accent1"/>
+                </a:solidFill>
+              </a14:hiddenFill>
+            </a:ext>
+            <a:ext uri="{91240B29-F687-4F45-9708-019B960494DF}">
+              <a14:hiddenLine xmlns:a14="http://schemas.microsoft.com/office/drawing/2010/main" w="9525">
+                <a:solidFill>
+                  <a:schemeClr val="tx1"/>
+                </a:solidFill>
+                <a:miter lim="800000"/>
+                <a:headEnd/>
+                <a:tailEnd/>
+              </a14:hiddenLine>
+            </a:ext>
+            <a:ext uri="{AF507438-7753-43E0-B8FC-AC1667EBCBE1}">
+              <a14:hiddenEffects xmlns:a14="http://schemas.microsoft.com/office/drawing/2010/main">
+                <a:effectLst>
+                  <a:outerShdw dist="35921" dir="2700000" algn="ctr" rotWithShape="0">
+                    <a:schemeClr val="bg2"/>
+                  </a:outerShdw>
+                </a:effectLst>
+              </a14:hiddenEffects>
+            </a:ext>
+          </a:extLst>
+        </p:spPr>
+        <p:txBody>
+          <a:bodyPr vert="horz" wrap="none" lIns="91440" tIns="45720" rIns="91440" bIns="45720" numCol="1" anchor="ctr" anchorCtr="0" compatLnSpc="1">
+            <a:prstTxWarp prst="textNoShape">
+              <a:avLst/>
+            </a:prstTxWarp>
+            <a:spAutoFit/>
+          </a:bodyPr>
+          <a:lstStyle/>
+          <a:p>
+            <a:pPr marL="0" marR="0" lvl="0" indent="0" algn="l" defTabSz="914400" rtl="0" eaLnBrk="0" fontAlgn="base" latinLnBrk="0" hangingPunct="0">
+              <a:lnSpc>
+                <a:spcPct val="100000"/>
+              </a:lnSpc>
+              <a:spcBef>
+                <a:spcPct val="0"/>
+              </a:spcBef>
+              <a:spcAft>
+                <a:spcPct val="0"/>
+              </a:spcAft>
+              <a:buClrTx/>
+              <a:buSzTx/>
+              <a:buFontTx/>
+              <a:buNone/>
+              <a:tabLst/>
+            </a:pPr>
+            <a:endParaRPr kumimoji="0" lang="fr-BE" altLang="fr-FR" sz="800" b="0" i="0" u="none" strike="noStrike" cap="none" normalizeH="0" baseline="0">
+              <a:ln>
+                <a:noFill/>
+              </a:ln>
+              <a:solidFill>
+                <a:schemeClr val="tx1"/>
+              </a:solidFill>
+              <a:effectLst/>
+            </a:endParaRPr>
+          </a:p>
+          <a:p>
+            <a:pPr marL="0" marR="0" lvl="0" indent="0" algn="l" defTabSz="914400" rtl="0" eaLnBrk="0" fontAlgn="base" latinLnBrk="0" hangingPunct="0">
+              <a:lnSpc>
+                <a:spcPct val="100000"/>
+              </a:lnSpc>
+              <a:spcBef>
+                <a:spcPct val="0"/>
+              </a:spcBef>
+              <a:spcAft>
+                <a:spcPct val="0"/>
+              </a:spcAft>
+              <a:buClrTx/>
+              <a:buSzTx/>
+              <a:buFontTx/>
+              <a:buNone/>
+              <a:tabLst/>
+            </a:pPr>
+            <a:br>
+              <a:rPr kumimoji="0" lang="fr-BE" altLang="fr-FR" sz="1800" b="0" i="0" u="none" strike="noStrike" cap="none" normalizeH="0" baseline="0">
+                <a:ln>
+                  <a:noFill/>
+                </a:ln>
+                <a:solidFill>
+                  <a:schemeClr val="tx1"/>
+                </a:solidFill>
+                <a:effectLst/>
+                <a:latin typeface="Arial" panose="020B0604020202020204" pitchFamily="34" charset="0"/>
+              </a:rPr>
+            </a:br>
+            <a:endParaRPr kumimoji="0" lang="fr-BE" altLang="fr-FR" sz="1800" b="0" i="0" u="none" strike="noStrike" cap="none" normalizeH="0" baseline="0">
+              <a:ln>
+                <a:noFill/>
+              </a:ln>
+              <a:solidFill>
+                <a:schemeClr val="tx1"/>
+              </a:solidFill>
+              <a:effectLst/>
+              <a:latin typeface="Arial" panose="020B0604020202020204" pitchFamily="34" charset="0"/>
+            </a:endParaRPr>
+          </a:p>
+          <a:p>
+            <a:pPr marL="0" marR="0" lvl="0" indent="0" algn="l" defTabSz="914400" rtl="0" eaLnBrk="0" fontAlgn="base" latinLnBrk="0" hangingPunct="0">
+              <a:lnSpc>
+                <a:spcPct val="100000"/>
+              </a:lnSpc>
+              <a:spcBef>
+                <a:spcPct val="0"/>
+              </a:spcBef>
+              <a:spcAft>
+                <a:spcPct val="0"/>
+              </a:spcAft>
+              <a:buClrTx/>
+              <a:buSzTx/>
+              <a:buFontTx/>
+              <a:buNone/>
+              <a:tabLst/>
+            </a:pPr>
+            <a:endParaRPr kumimoji="0" lang="fr-BE" altLang="fr-FR" sz="1800" b="0" i="0" u="none" strike="noStrike" cap="none" normalizeH="0" baseline="0">
+              <a:ln>
+                <a:noFill/>
+              </a:ln>
+              <a:solidFill>
+                <a:schemeClr val="tx1"/>
+              </a:solidFill>
+              <a:effectLst/>
+              <a:latin typeface="Arial" panose="020B0604020202020204" pitchFamily="34" charset="0"/>
+            </a:endParaRPr>
+          </a:p>
+        </p:txBody>
+      </p:sp>
+      <p:sp>
+        <p:nvSpPr>
+          <p:cNvPr id="2063" name="Rectangle 62">
+            <a:extLst>
+              <a:ext uri="{FF2B5EF4-FFF2-40B4-BE49-F238E27FC236}">
+                <a16:creationId xmlns:a16="http://schemas.microsoft.com/office/drawing/2014/main" id="{8A8127A7-2EA5-462F-BF78-FAC7186D57A2}"/>
+              </a:ext>
+            </a:extLst>
+          </p:cNvPr>
+          <p:cNvSpPr>
+            <a:spLocks noChangeArrowheads="1"/>
+          </p:cNvSpPr>
+          <p:nvPr/>
+        </p:nvSpPr>
+        <p:spPr bwMode="auto">
+          <a:xfrm>
+            <a:off x="304800" y="2315647"/>
+            <a:ext cx="12192000" cy="457200"/>
+          </a:xfrm>
+          <a:prstGeom prst="rect">
+            <a:avLst/>
+          </a:prstGeom>
+          <a:noFill/>
+          <a:ln>
+            <a:noFill/>
+          </a:ln>
+          <a:effectLst/>
+          <a:extLst>
+            <a:ext uri="{909E8E84-426E-40DD-AFC4-6F175D3DCCD1}">
+              <a14:hiddenFill xmlns:a14="http://schemas.microsoft.com/office/drawing/2010/main">
+                <a:solidFill>
+                  <a:schemeClr val="accent1"/>
+                </a:solidFill>
+              </a14:hiddenFill>
+            </a:ext>
+            <a:ext uri="{91240B29-F687-4F45-9708-019B960494DF}">
+              <a14:hiddenLine xmlns:a14="http://schemas.microsoft.com/office/drawing/2010/main" w="9525">
+                <a:solidFill>
+                  <a:schemeClr val="tx1"/>
+                </a:solidFill>
+                <a:miter lim="800000"/>
+                <a:headEnd/>
+                <a:tailEnd/>
+              </a14:hiddenLine>
+            </a:ext>
+            <a:ext uri="{AF507438-7753-43E0-B8FC-AC1667EBCBE1}">
+              <a14:hiddenEffects xmlns:a14="http://schemas.microsoft.com/office/drawing/2010/main">
+                <a:effectLst>
+                  <a:outerShdw dist="35921" dir="2700000" algn="ctr" rotWithShape="0">
+                    <a:schemeClr val="bg2"/>
+                  </a:outerShdw>
+                </a:effectLst>
+              </a14:hiddenEffects>
+            </a:ext>
+          </a:extLst>
+        </p:spPr>
+        <p:txBody>
+          <a:bodyPr vert="horz" wrap="none" lIns="91440" tIns="45720" rIns="91440" bIns="45720" numCol="1" anchor="ctr" anchorCtr="0" compatLnSpc="1">
+            <a:prstTxWarp prst="textNoShape">
+              <a:avLst/>
+            </a:prstTxWarp>
+            <a:spAutoFit/>
+          </a:bodyPr>
+          <a:lstStyle/>
+          <a:p>
+            <a:endParaRPr lang="fr-BE"/>
+          </a:p>
+        </p:txBody>
+      </p:sp>
+      <mc:AlternateContent xmlns:mc="http://schemas.openxmlformats.org/markup-compatibility/2006">
+        <mc:Choice xmlns:a14="http://schemas.microsoft.com/office/drawing/2010/main" Requires="a14">
+          <p:sp>
+            <p:nvSpPr>
+              <p:cNvPr id="27" name="Rectangle 64">
+                <a:extLst>
+                  <a:ext uri="{FF2B5EF4-FFF2-40B4-BE49-F238E27FC236}">
+                    <a16:creationId xmlns:a16="http://schemas.microsoft.com/office/drawing/2014/main" id="{A28C567E-59BE-4C9F-8D4A-012663E22DDD}"/>
+                  </a:ext>
+                </a:extLst>
+              </p:cNvPr>
+              <p:cNvSpPr>
+                <a:spLocks noChangeArrowheads="1"/>
+              </p:cNvSpPr>
+              <p:nvPr/>
+            </p:nvSpPr>
+            <p:spPr bwMode="auto">
+              <a:xfrm>
+                <a:off x="304800" y="1529188"/>
+                <a:ext cx="11582400" cy="1984967"/>
+              </a:xfrm>
+              <a:prstGeom prst="rect">
+                <a:avLst/>
+              </a:prstGeom>
+              <a:noFill/>
+              <a:ln>
+                <a:noFill/>
+              </a:ln>
+              <a:effectLst/>
+              <a:extLst>
+                <a:ext uri="{909E8E84-426E-40DD-AFC4-6F175D3DCCD1}">
+                  <a14:hiddenFill>
+                    <a:solidFill>
+                      <a:schemeClr val="accent1"/>
+                    </a:solidFill>
+                  </a14:hiddenFill>
+                </a:ext>
+                <a:ext uri="{91240B29-F687-4F45-9708-019B960494DF}">
+                  <a14:hiddenLine w="9525">
+                    <a:solidFill>
+                      <a:schemeClr val="tx1"/>
+                    </a:solidFill>
+                    <a:miter lim="800000"/>
+                    <a:headEnd/>
+                    <a:tailEnd/>
+                  </a14:hiddenLine>
+                </a:ext>
+                <a:ext uri="{AF507438-7753-43E0-B8FC-AC1667EBCBE1}">
+                  <a14:hiddenEffects>
+                    <a:effectLst>
+                      <a:outerShdw dist="35921" dir="2700000" algn="ctr" rotWithShape="0">
+                        <a:schemeClr val="bg2"/>
+                      </a:outerShdw>
+                    </a:effectLst>
+                  </a14:hiddenEffects>
+                </a:ext>
+              </a:extLst>
+            </p:spPr>
+            <p:txBody>
+              <a:bodyPr vert="horz" wrap="square" lIns="91440" tIns="45720" rIns="91440" bIns="45720" numCol="1" anchor="t" anchorCtr="0" compatLnSpc="1">
+                <a:prstTxWarp prst="textNoShape">
+                  <a:avLst/>
+                </a:prstTxWarp>
+                <a:spAutoFit/>
+              </a:bodyPr>
+              <a:lstStyle/>
+              <a:p>
+                <a:pPr marL="342900" indent="-342900" eaLnBrk="0" fontAlgn="base" hangingPunct="0">
+                  <a:spcBef>
+                    <a:spcPct val="0"/>
+                  </a:spcBef>
+                  <a:spcAft>
+                    <a:spcPct val="0"/>
+                  </a:spcAft>
+                  <a:buFont typeface="Wingdings" panose="05000000000000000000" pitchFamily="2" charset="2"/>
+                  <a:buChar char="Ø"/>
+                </a:pPr>
+                <a:r>
+                  <a:rPr lang="fr-BE" altLang="fr-FR" sz="2400" dirty="0">
+                    <a:solidFill>
+                      <a:schemeClr val="accent1">
+                        <a:lumMod val="50000"/>
+                      </a:schemeClr>
+                    </a:solidFill>
+                    <a:latin typeface="Verdana" panose="020B0604030504040204" pitchFamily="34" charset="0"/>
+                    <a:ea typeface="Times New Roman" panose="02020603050405020304" pitchFamily="18" charset="0"/>
+                    <a:cs typeface="Times New Roman" panose="02020603050405020304" pitchFamily="18" charset="0"/>
+                  </a:rPr>
+                  <a:t>Jeu minimax à 2 joueurs</a:t>
+                </a:r>
+              </a:p>
+              <a:p>
+                <a:pPr eaLnBrk="0" fontAlgn="base" hangingPunct="0">
+                  <a:spcBef>
+                    <a:spcPct val="0"/>
+                  </a:spcBef>
+                  <a:spcAft>
+                    <a:spcPct val="0"/>
+                  </a:spcAft>
+                </a:pPr>
+                <a:endParaRPr lang="fr-BE" i="1" dirty="0"/>
+              </a:p>
+              <a:p>
+                <a:pPr eaLnBrk="0" fontAlgn="base" hangingPunct="0">
+                  <a:spcBef>
+                    <a:spcPct val="0"/>
+                  </a:spcBef>
+                  <a:spcAft>
+                    <a:spcPct val="0"/>
+                  </a:spcAft>
+                </a:pPr>
+                <a14:m>
+                  <m:oMathPara xmlns:m="http://schemas.openxmlformats.org/officeDocument/2006/math">
+                    <m:oMathParaPr>
+                      <m:jc m:val="centerGroup"/>
+                    </m:oMathParaPr>
+                    <m:oMath xmlns:m="http://schemas.openxmlformats.org/officeDocument/2006/math">
+                      <m:func>
+                        <m:funcPr>
+                          <m:ctrlPr>
+                            <a:rPr lang="fr-BE" sz="2400" i="1" smtClean="0">
+                              <a:solidFill>
+                                <a:schemeClr val="accent1">
+                                  <a:lumMod val="50000"/>
+                                </a:schemeClr>
+                              </a:solidFill>
+                            </a:rPr>
+                          </m:ctrlPr>
+                        </m:funcPr>
+                        <m:fName>
+                          <m:limLow>
+                            <m:limLowPr>
+                              <m:ctrlPr>
+                                <a:rPr lang="fr-BE" sz="2400" i="1">
+                                  <a:solidFill>
+                                    <a:schemeClr val="accent1">
+                                      <a:lumMod val="50000"/>
+                                    </a:schemeClr>
+                                  </a:solidFill>
+                                </a:rPr>
+                              </m:ctrlPr>
+                            </m:limLowPr>
+                            <m:e>
+                              <m:r>
+                                <m:rPr>
+                                  <m:sty m:val="p"/>
+                                </m:rPr>
+                                <a:rPr lang="fr-BE" sz="2400">
+                                  <a:solidFill>
+                                    <a:schemeClr val="accent1">
+                                      <a:lumMod val="50000"/>
+                                    </a:schemeClr>
+                                  </a:solidFill>
+                                </a:rPr>
+                                <m:t>min</m:t>
+                              </m:r>
+                            </m:e>
+                            <m:lim>
+                              <m:r>
+                                <a:rPr lang="fr-BE" sz="2400" i="1">
+                                  <a:solidFill>
+                                    <a:schemeClr val="accent1">
+                                      <a:lumMod val="50000"/>
+                                    </a:schemeClr>
+                                  </a:solidFill>
+                                </a:rPr>
+                                <m:t>𝐺</m:t>
+                              </m:r>
+                            </m:lim>
+                          </m:limLow>
+                          <m:r>
+                            <a:rPr lang="fr-BE" sz="2400" i="1">
+                              <a:solidFill>
+                                <a:schemeClr val="accent1">
+                                  <a:lumMod val="50000"/>
+                                </a:schemeClr>
+                              </a:solidFill>
+                            </a:rPr>
+                            <m:t> </m:t>
+                          </m:r>
+                          <m:limLow>
+                            <m:limLowPr>
+                              <m:ctrlPr>
+                                <a:rPr lang="fr-BE" sz="2400" i="1">
+                                  <a:solidFill>
+                                    <a:schemeClr val="accent1">
+                                      <a:lumMod val="50000"/>
+                                    </a:schemeClr>
+                                  </a:solidFill>
+                                </a:rPr>
+                              </m:ctrlPr>
+                            </m:limLowPr>
+                            <m:e>
+                              <m:r>
+                                <m:rPr>
+                                  <m:sty m:val="p"/>
+                                </m:rPr>
+                                <a:rPr lang="fr-BE" sz="2400">
+                                  <a:solidFill>
+                                    <a:schemeClr val="accent1">
+                                      <a:lumMod val="50000"/>
+                                    </a:schemeClr>
+                                  </a:solidFill>
+                                </a:rPr>
+                                <m:t>max</m:t>
+                              </m:r>
+                            </m:e>
+                            <m:lim>
+                              <m:r>
+                                <a:rPr lang="fr-BE" sz="2400" i="1">
+                                  <a:solidFill>
+                                    <a:schemeClr val="accent1">
+                                      <a:lumMod val="50000"/>
+                                    </a:schemeClr>
+                                  </a:solidFill>
+                                </a:rPr>
+                                <m:t>𝐷</m:t>
+                              </m:r>
+                            </m:lim>
+                          </m:limLow>
+                        </m:fName>
+                        <m:e>
+                          <m:r>
+                            <a:rPr lang="fr-BE" sz="2400" i="1">
+                              <a:solidFill>
+                                <a:schemeClr val="accent1">
+                                  <a:lumMod val="50000"/>
+                                </a:schemeClr>
+                              </a:solidFill>
+                            </a:rPr>
+                            <m:t>𝑉</m:t>
+                          </m:r>
+                          <m:d>
+                            <m:dPr>
+                              <m:ctrlPr>
+                                <a:rPr lang="fr-BE" sz="2400" i="1">
+                                  <a:solidFill>
+                                    <a:schemeClr val="accent1">
+                                      <a:lumMod val="50000"/>
+                                    </a:schemeClr>
+                                  </a:solidFill>
+                                </a:rPr>
+                              </m:ctrlPr>
+                            </m:dPr>
+                            <m:e>
+                              <m:r>
+                                <a:rPr lang="fr-BE" sz="2400" i="1">
+                                  <a:solidFill>
+                                    <a:schemeClr val="accent1">
+                                      <a:lumMod val="50000"/>
+                                    </a:schemeClr>
+                                  </a:solidFill>
+                                </a:rPr>
+                                <m:t>𝐷</m:t>
+                              </m:r>
+                              <m:r>
+                                <a:rPr lang="fr-BE" sz="2400" i="1">
+                                  <a:solidFill>
+                                    <a:schemeClr val="accent1">
+                                      <a:lumMod val="50000"/>
+                                    </a:schemeClr>
+                                  </a:solidFill>
+                                </a:rPr>
+                                <m:t>,</m:t>
+                              </m:r>
+                              <m:r>
+                                <a:rPr lang="fr-BE" sz="2400" i="1">
+                                  <a:solidFill>
+                                    <a:schemeClr val="accent1">
+                                      <a:lumMod val="50000"/>
+                                    </a:schemeClr>
+                                  </a:solidFill>
+                                </a:rPr>
+                                <m:t>𝐺</m:t>
+                              </m:r>
+                            </m:e>
+                          </m:d>
+                          <m:r>
+                            <a:rPr lang="fr-BE" sz="2400" i="1">
+                              <a:solidFill>
+                                <a:schemeClr val="accent1">
+                                  <a:lumMod val="50000"/>
+                                </a:schemeClr>
+                              </a:solidFill>
+                            </a:rPr>
+                            <m:t>=</m:t>
+                          </m:r>
+                          <m:sSub>
+                            <m:sSubPr>
+                              <m:ctrlPr>
+                                <a:rPr lang="fr-BE" sz="2400" i="1">
+                                  <a:solidFill>
+                                    <a:schemeClr val="accent1">
+                                      <a:lumMod val="50000"/>
+                                    </a:schemeClr>
+                                  </a:solidFill>
+                                </a:rPr>
+                              </m:ctrlPr>
+                            </m:sSubPr>
+                            <m:e>
+                              <m:r>
+                                <a:rPr lang="fr-BE" sz="2400" i="1">
+                                  <a:solidFill>
+                                    <a:schemeClr val="accent1">
+                                      <a:lumMod val="50000"/>
+                                    </a:schemeClr>
+                                  </a:solidFill>
+                                </a:rPr>
+                                <m:t>𝔼</m:t>
+                              </m:r>
+                            </m:e>
+                            <m:sub>
+                              <m:r>
+                                <a:rPr lang="fr-BE" sz="2400" i="1">
+                                  <a:solidFill>
+                                    <a:schemeClr val="accent1">
+                                      <a:lumMod val="50000"/>
+                                    </a:schemeClr>
+                                  </a:solidFill>
+                                </a:rPr>
+                                <m:t>𝑥</m:t>
+                              </m:r>
+                              <m:r>
+                                <a:rPr lang="fr-BE" sz="2400" i="1">
+                                  <a:solidFill>
+                                    <a:schemeClr val="accent1">
+                                      <a:lumMod val="50000"/>
+                                    </a:schemeClr>
+                                  </a:solidFill>
+                                </a:rPr>
+                                <m:t>~</m:t>
+                              </m:r>
+                              <m:sSub>
+                                <m:sSubPr>
+                                  <m:ctrlPr>
+                                    <a:rPr lang="fr-BE" sz="2400" i="1">
+                                      <a:solidFill>
+                                        <a:schemeClr val="accent1">
+                                          <a:lumMod val="50000"/>
+                                        </a:schemeClr>
+                                      </a:solidFill>
+                                    </a:rPr>
+                                  </m:ctrlPr>
+                                </m:sSubPr>
+                                <m:e>
+                                  <m:r>
+                                    <a:rPr lang="fr-BE" sz="2400" i="1">
+                                      <a:solidFill>
+                                        <a:schemeClr val="accent1">
+                                          <a:lumMod val="50000"/>
+                                        </a:schemeClr>
+                                      </a:solidFill>
+                                    </a:rPr>
+                                    <m:t>𝑝</m:t>
+                                  </m:r>
+                                </m:e>
+                                <m:sub>
+                                  <m:r>
+                                    <a:rPr lang="fr-BE" sz="2400" i="1">
+                                      <a:solidFill>
+                                        <a:schemeClr val="accent1">
+                                          <a:lumMod val="50000"/>
+                                        </a:schemeClr>
+                                      </a:solidFill>
+                                    </a:rPr>
+                                    <m:t>𝑑𝑎𝑡𝑎</m:t>
+                                  </m:r>
+                                </m:sub>
+                              </m:sSub>
+                              <m:r>
+                                <a:rPr lang="fr-BE" sz="2400" i="1">
+                                  <a:solidFill>
+                                    <a:schemeClr val="accent1">
+                                      <a:lumMod val="50000"/>
+                                    </a:schemeClr>
+                                  </a:solidFill>
+                                </a:rPr>
+                                <m:t>(</m:t>
+                              </m:r>
+                              <m:r>
+                                <a:rPr lang="fr-BE" sz="2400" i="1">
+                                  <a:solidFill>
+                                    <a:schemeClr val="accent1">
+                                      <a:lumMod val="50000"/>
+                                    </a:schemeClr>
+                                  </a:solidFill>
+                                </a:rPr>
+                                <m:t>𝑥</m:t>
+                              </m:r>
+                              <m:r>
+                                <a:rPr lang="fr-BE" sz="2400" i="1">
+                                  <a:solidFill>
+                                    <a:schemeClr val="accent1">
+                                      <a:lumMod val="50000"/>
+                                    </a:schemeClr>
+                                  </a:solidFill>
+                                </a:rPr>
+                                <m:t>)</m:t>
+                              </m:r>
+                            </m:sub>
+                          </m:sSub>
+                          <m:d>
+                            <m:dPr>
+                              <m:begChr m:val="["/>
+                              <m:endChr m:val="]"/>
+                              <m:ctrlPr>
+                                <a:rPr lang="fr-BE" sz="2400" i="1">
+                                  <a:solidFill>
+                                    <a:schemeClr val="accent1">
+                                      <a:lumMod val="50000"/>
+                                    </a:schemeClr>
+                                  </a:solidFill>
+                                </a:rPr>
+                              </m:ctrlPr>
+                            </m:dPr>
+                            <m:e>
+                              <m:r>
+                                <a:rPr lang="fr-BE" sz="2400" i="1">
+                                  <a:solidFill>
+                                    <a:schemeClr val="accent1">
+                                      <a:lumMod val="50000"/>
+                                    </a:schemeClr>
+                                  </a:solidFill>
+                                </a:rPr>
+                                <m:t>𝑙𝑜𝑔𝐷</m:t>
+                              </m:r>
+                              <m:r>
+                                <a:rPr lang="fr-BE" sz="2400" i="1">
+                                  <a:solidFill>
+                                    <a:schemeClr val="accent1">
+                                      <a:lumMod val="50000"/>
+                                    </a:schemeClr>
+                                  </a:solidFill>
+                                </a:rPr>
+                                <m:t>(</m:t>
+                              </m:r>
+                              <m:r>
+                                <a:rPr lang="fr-BE" sz="2400" i="1">
+                                  <a:solidFill>
+                                    <a:schemeClr val="accent1">
+                                      <a:lumMod val="50000"/>
+                                    </a:schemeClr>
+                                  </a:solidFill>
+                                </a:rPr>
+                                <m:t>𝑥</m:t>
+                              </m:r>
+                              <m:r>
+                                <a:rPr lang="fr-BE" sz="2400" i="1">
+                                  <a:solidFill>
+                                    <a:schemeClr val="accent1">
+                                      <a:lumMod val="50000"/>
+                                    </a:schemeClr>
+                                  </a:solidFill>
+                                </a:rPr>
+                                <m:t>|</m:t>
+                              </m:r>
+                              <m:r>
+                                <a:rPr lang="fr-BE" sz="2400" i="1">
+                                  <a:solidFill>
+                                    <a:schemeClr val="accent1">
+                                      <a:lumMod val="50000"/>
+                                    </a:schemeClr>
+                                  </a:solidFill>
+                                </a:rPr>
+                                <m:t>𝑦</m:t>
+                              </m:r>
+                              <m:r>
+                                <a:rPr lang="fr-BE" sz="2400" i="1">
+                                  <a:solidFill>
+                                    <a:schemeClr val="accent1">
+                                      <a:lumMod val="50000"/>
+                                    </a:schemeClr>
+                                  </a:solidFill>
+                                </a:rPr>
+                                <m:t>)</m:t>
+                              </m:r>
+                            </m:e>
+                          </m:d>
+                          <m:r>
+                            <a:rPr lang="fr-BE" sz="2400" i="1">
+                              <a:solidFill>
+                                <a:schemeClr val="accent1">
+                                  <a:lumMod val="50000"/>
+                                </a:schemeClr>
+                              </a:solidFill>
+                            </a:rPr>
+                            <m:t>+</m:t>
+                          </m:r>
+                          <m:sSub>
+                            <m:sSubPr>
+                              <m:ctrlPr>
+                                <a:rPr lang="fr-BE" sz="2400" i="1">
+                                  <a:solidFill>
+                                    <a:schemeClr val="accent1">
+                                      <a:lumMod val="50000"/>
+                                    </a:schemeClr>
+                                  </a:solidFill>
+                                </a:rPr>
+                              </m:ctrlPr>
+                            </m:sSubPr>
+                            <m:e>
+                              <m:r>
+                                <a:rPr lang="fr-BE" sz="2400" i="1">
+                                  <a:solidFill>
+                                    <a:schemeClr val="accent1">
+                                      <a:lumMod val="50000"/>
+                                    </a:schemeClr>
+                                  </a:solidFill>
+                                </a:rPr>
+                                <m:t>𝔼</m:t>
+                              </m:r>
+                            </m:e>
+                            <m:sub>
+                              <m:r>
+                                <a:rPr lang="fr-BE" sz="2400" i="1">
+                                  <a:solidFill>
+                                    <a:schemeClr val="accent1">
+                                      <a:lumMod val="50000"/>
+                                    </a:schemeClr>
+                                  </a:solidFill>
+                                </a:rPr>
+                                <m:t>𝑧</m:t>
+                              </m:r>
+                              <m:r>
+                                <a:rPr lang="fr-BE" sz="2400" i="1">
+                                  <a:solidFill>
+                                    <a:schemeClr val="accent1">
+                                      <a:lumMod val="50000"/>
+                                    </a:schemeClr>
+                                  </a:solidFill>
+                                </a:rPr>
+                                <m:t>~</m:t>
+                              </m:r>
+                              <m:sSub>
+                                <m:sSubPr>
+                                  <m:ctrlPr>
+                                    <a:rPr lang="fr-BE" sz="2400" i="1">
+                                      <a:solidFill>
+                                        <a:schemeClr val="accent1">
+                                          <a:lumMod val="50000"/>
+                                        </a:schemeClr>
+                                      </a:solidFill>
+                                    </a:rPr>
+                                  </m:ctrlPr>
+                                </m:sSubPr>
+                                <m:e>
+                                  <m:r>
+                                    <a:rPr lang="fr-BE" sz="2400" i="1">
+                                      <a:solidFill>
+                                        <a:schemeClr val="accent1">
+                                          <a:lumMod val="50000"/>
+                                        </a:schemeClr>
+                                      </a:solidFill>
+                                    </a:rPr>
+                                    <m:t>𝑝</m:t>
+                                  </m:r>
+                                </m:e>
+                                <m:sub>
+                                  <m:r>
+                                    <a:rPr lang="fr-BE" sz="2400" i="1">
+                                      <a:solidFill>
+                                        <a:schemeClr val="accent1">
+                                          <a:lumMod val="50000"/>
+                                        </a:schemeClr>
+                                      </a:solidFill>
+                                    </a:rPr>
+                                    <m:t>𝑧</m:t>
+                                  </m:r>
+                                </m:sub>
+                              </m:sSub>
+                              <m:r>
+                                <a:rPr lang="fr-BE" sz="2400" i="1">
+                                  <a:solidFill>
+                                    <a:schemeClr val="accent1">
+                                      <a:lumMod val="50000"/>
+                                    </a:schemeClr>
+                                  </a:solidFill>
+                                </a:rPr>
+                                <m:t>(</m:t>
+                              </m:r>
+                              <m:r>
+                                <a:rPr lang="fr-BE" sz="2400" i="1">
+                                  <a:solidFill>
+                                    <a:schemeClr val="accent1">
+                                      <a:lumMod val="50000"/>
+                                    </a:schemeClr>
+                                  </a:solidFill>
+                                </a:rPr>
+                                <m:t>𝑧</m:t>
+                              </m:r>
+                              <m:r>
+                                <a:rPr lang="fr-BE" sz="2400" i="1">
+                                  <a:solidFill>
+                                    <a:schemeClr val="accent1">
+                                      <a:lumMod val="50000"/>
+                                    </a:schemeClr>
+                                  </a:solidFill>
+                                </a:rPr>
+                                <m:t>)</m:t>
+                              </m:r>
+                            </m:sub>
+                          </m:sSub>
+                          <m:d>
+                            <m:dPr>
+                              <m:begChr m:val="["/>
+                              <m:endChr m:val="]"/>
+                              <m:ctrlPr>
+                                <a:rPr lang="fr-BE" sz="2400" i="1">
+                                  <a:solidFill>
+                                    <a:schemeClr val="accent1">
+                                      <a:lumMod val="50000"/>
+                                    </a:schemeClr>
+                                  </a:solidFill>
+                                </a:rPr>
+                              </m:ctrlPr>
+                            </m:dPr>
+                            <m:e>
+                              <m:r>
+                                <m:rPr>
+                                  <m:sty m:val="p"/>
+                                </m:rPr>
+                                <a:rPr lang="fr-BE" sz="2400">
+                                  <a:solidFill>
+                                    <a:schemeClr val="accent1">
+                                      <a:lumMod val="50000"/>
+                                    </a:schemeClr>
+                                  </a:solidFill>
+                                </a:rPr>
+                                <m:t>log</m:t>
+                              </m:r>
+                              <m:r>
+                                <a:rPr lang="fr-BE" sz="2400" i="1">
+                                  <a:solidFill>
+                                    <a:schemeClr val="accent1">
+                                      <a:lumMod val="50000"/>
+                                    </a:schemeClr>
+                                  </a:solidFill>
+                                </a:rPr>
+                                <m:t>(1−</m:t>
+                              </m:r>
+                              <m:r>
+                                <a:rPr lang="fr-BE" sz="2400" i="1">
+                                  <a:solidFill>
+                                    <a:schemeClr val="accent1">
+                                      <a:lumMod val="50000"/>
+                                    </a:schemeClr>
+                                  </a:solidFill>
+                                </a:rPr>
+                                <m:t>𝐷</m:t>
+                              </m:r>
+                              <m:d>
+                                <m:dPr>
+                                  <m:ctrlPr>
+                                    <a:rPr lang="fr-BE" sz="2400" i="1">
+                                      <a:solidFill>
+                                        <a:schemeClr val="accent1">
+                                          <a:lumMod val="50000"/>
+                                        </a:schemeClr>
+                                      </a:solidFill>
+                                    </a:rPr>
+                                  </m:ctrlPr>
+                                </m:dPr>
+                                <m:e>
+                                  <m:r>
+                                    <a:rPr lang="fr-BE" sz="2400" i="1">
+                                      <a:solidFill>
+                                        <a:schemeClr val="accent1">
+                                          <a:lumMod val="50000"/>
+                                        </a:schemeClr>
+                                      </a:solidFill>
+                                    </a:rPr>
+                                    <m:t>𝐺</m:t>
+                                  </m:r>
+                                  <m:d>
+                                    <m:dPr>
+                                      <m:ctrlPr>
+                                        <a:rPr lang="fr-BE" sz="2400" i="1">
+                                          <a:solidFill>
+                                            <a:schemeClr val="accent1">
+                                              <a:lumMod val="50000"/>
+                                            </a:schemeClr>
+                                          </a:solidFill>
+                                        </a:rPr>
+                                      </m:ctrlPr>
+                                    </m:dPr>
+                                    <m:e>
+                                      <m:r>
+                                        <a:rPr lang="fr-BE" sz="2400" i="1">
+                                          <a:solidFill>
+                                            <a:schemeClr val="accent1">
+                                              <a:lumMod val="50000"/>
+                                            </a:schemeClr>
+                                          </a:solidFill>
+                                        </a:rPr>
+                                        <m:t>𝑧</m:t>
+                                      </m:r>
+                                      <m:r>
+                                        <a:rPr lang="fr-BE" sz="2400" i="1">
+                                          <a:solidFill>
+                                            <a:schemeClr val="accent1">
+                                              <a:lumMod val="50000"/>
+                                            </a:schemeClr>
+                                          </a:solidFill>
+                                        </a:rPr>
+                                        <m:t>|</m:t>
+                                      </m:r>
+                                      <m:r>
+                                        <a:rPr lang="fr-BE" sz="2400" i="1">
+                                          <a:solidFill>
+                                            <a:schemeClr val="accent1">
+                                              <a:lumMod val="50000"/>
+                                            </a:schemeClr>
+                                          </a:solidFill>
+                                        </a:rPr>
+                                        <m:t>𝑦</m:t>
+                                      </m:r>
+                                    </m:e>
+                                  </m:d>
+                                </m:e>
+                              </m:d>
+                              <m:r>
+                                <a:rPr lang="fr-BE" sz="2400" i="1">
+                                  <a:solidFill>
+                                    <a:schemeClr val="accent1">
+                                      <a:lumMod val="50000"/>
+                                    </a:schemeClr>
+                                  </a:solidFill>
+                                </a:rPr>
+                                <m:t>)</m:t>
+                              </m:r>
+                            </m:e>
+                          </m:d>
+                        </m:e>
+                      </m:func>
+                    </m:oMath>
+                  </m:oMathPara>
+                </a14:m>
+                <a:endParaRPr lang="fr-BE" sz="2400" dirty="0"/>
+              </a:p>
+              <a:p>
+                <a:pPr marL="342900" indent="-342900" eaLnBrk="0" fontAlgn="base" hangingPunct="0">
+                  <a:spcBef>
+                    <a:spcPct val="0"/>
+                  </a:spcBef>
+                  <a:spcAft>
+                    <a:spcPct val="0"/>
+                  </a:spcAft>
+                  <a:buFont typeface="Wingdings" panose="05000000000000000000" pitchFamily="2" charset="2"/>
+                  <a:buChar char="Ø"/>
+                </a:pPr>
+                <a:endParaRPr kumimoji="0" lang="fr-BE" altLang="fr-FR" sz="2400" b="0" i="0" u="none" strike="noStrike" cap="none" normalizeH="0" baseline="0" dirty="0">
+                  <a:ln>
+                    <a:noFill/>
+                  </a:ln>
+                  <a:solidFill>
+                    <a:schemeClr val="accent1">
+                      <a:lumMod val="50000"/>
+                    </a:schemeClr>
+                  </a:solidFill>
+                  <a:effectLst/>
+                  <a:latin typeface="Arial" panose="020B0604020202020204" pitchFamily="34" charset="0"/>
+                </a:endParaRPr>
+              </a:p>
+              <a:p>
+                <a:pPr marL="342900" indent="-342900" eaLnBrk="0" fontAlgn="base" hangingPunct="0">
+                  <a:spcBef>
+                    <a:spcPct val="0"/>
+                  </a:spcBef>
+                  <a:spcAft>
+                    <a:spcPct val="0"/>
+                  </a:spcAft>
+                  <a:buFont typeface="Wingdings" panose="05000000000000000000" pitchFamily="2" charset="2"/>
+                  <a:buChar char="Ø"/>
+                </a:pPr>
+                <a:endParaRPr kumimoji="0" lang="fr-BE" altLang="fr-FR" sz="2400" b="0" i="0" u="none" strike="noStrike" cap="none" normalizeH="0" baseline="0" dirty="0">
+                  <a:ln>
+                    <a:noFill/>
+                  </a:ln>
+                  <a:solidFill>
+                    <a:schemeClr val="accent1">
+                      <a:lumMod val="50000"/>
+                    </a:schemeClr>
+                  </a:solidFill>
+                  <a:effectLst/>
+                  <a:latin typeface="Arial" panose="020B0604020202020204" pitchFamily="34" charset="0"/>
+                </a:endParaRPr>
+              </a:p>
+            </p:txBody>
+          </p:sp>
+        </mc:Choice>
+        <mc:Fallback>
+          <p:sp>
+            <p:nvSpPr>
+              <p:cNvPr id="27" name="Rectangle 64">
+                <a:extLst>
+                  <a:ext uri="{FF2B5EF4-FFF2-40B4-BE49-F238E27FC236}">
+                    <a16:creationId xmlns:a16="http://schemas.microsoft.com/office/drawing/2014/main" id="{A28C567E-59BE-4C9F-8D4A-012663E22DDD}"/>
+                  </a:ext>
+                </a:extLst>
+              </p:cNvPr>
+              <p:cNvSpPr>
+                <a:spLocks noRot="1" noChangeAspect="1" noMove="1" noResize="1" noEditPoints="1" noAdjustHandles="1" noChangeArrowheads="1" noChangeShapeType="1" noTextEdit="1"/>
+              </p:cNvSpPr>
+              <p:nvPr/>
+            </p:nvSpPr>
+            <p:spPr bwMode="auto">
+              <a:xfrm>
+                <a:off x="304800" y="1529188"/>
+                <a:ext cx="11582400" cy="1984967"/>
+              </a:xfrm>
+              <a:prstGeom prst="rect">
+                <a:avLst/>
+              </a:prstGeom>
+              <a:blipFill>
+                <a:blip r:embed="rId2"/>
+                <a:stretch>
+                  <a:fillRect l="-684" t="-2462"/>
+                </a:stretch>
+              </a:blipFill>
+              <a:ln>
+                <a:noFill/>
+              </a:ln>
+              <a:effectLst/>
+              <a:extLst>
+                <a:ext uri="{909E8E84-426E-40DD-AFC4-6F175D3DCCD1}">
+                  <a14:hiddenFill xmlns:a14="http://schemas.microsoft.com/office/drawing/2010/main">
+                    <a:solidFill>
+                      <a:schemeClr val="accent1"/>
+                    </a:solidFill>
+                  </a14:hiddenFill>
+                </a:ext>
+                <a:ext uri="{91240B29-F687-4F45-9708-019B960494DF}">
+                  <a14:hiddenLine xmlns:a14="http://schemas.microsoft.com/office/drawing/2010/main" w="9525">
+                    <a:solidFill>
+                      <a:schemeClr val="tx1"/>
+                    </a:solidFill>
+                    <a:miter lim="800000"/>
+                    <a:headEnd/>
+                    <a:tailEnd/>
+                  </a14:hiddenLine>
+                </a:ext>
+                <a:ext uri="{AF507438-7753-43E0-B8FC-AC1667EBCBE1}">
+                  <a14:hiddenEffects xmlns:a14="http://schemas.microsoft.com/office/drawing/2010/main">
+                    <a:effectLst>
+                      <a:outerShdw dist="35921" dir="2700000" algn="ctr" rotWithShape="0">
+                        <a:schemeClr val="bg2"/>
+                      </a:outerShdw>
+                    </a:effectLst>
+                  </a14:hiddenEffects>
+                </a:ext>
+              </a:extLst>
+            </p:spPr>
+            <p:txBody>
+              <a:bodyPr/>
+              <a:lstStyle/>
+              <a:p>
+                <a:r>
+                  <a:rPr lang="fr-BE">
+                    <a:noFill/>
+                  </a:rPr>
+                  <a:t> </a:t>
+                </a:r>
+              </a:p>
+            </p:txBody>
+          </p:sp>
+        </mc:Fallback>
+      </mc:AlternateContent>
+    </p:spTree>
+    <p:extLst>
+      <p:ext uri="{BB962C8B-B14F-4D97-AF65-F5344CB8AC3E}">
+        <p14:creationId xmlns:p14="http://schemas.microsoft.com/office/powerpoint/2010/main" val="1018795941"/>
+      </p:ext>
+    </p:extLst>
+  </p:cSld>
+  <p:clrMapOvr>
+    <a:masterClrMapping/>
+  </p:clrMapOvr>
+</p:sld>
+</file>
+
+<file path=ppt/slides/slide15.xml><?xml version="1.0" encoding="utf-8"?>
+<p:sld xmlns:a="http://schemas.openxmlformats.org/drawingml/2006/main" xmlns:r="http://schemas.openxmlformats.org/officeDocument/2006/relationships" xmlns:p="http://schemas.openxmlformats.org/presentationml/2006/main">
+  <p:cSld>
+    <p:spTree>
+      <p:nvGrpSpPr>
+        <p:cNvPr id="1" name=""/>
+        <p:cNvGrpSpPr/>
+        <p:nvPr/>
+      </p:nvGrpSpPr>
+      <p:grpSpPr>
+        <a:xfrm>
+          <a:off x="0" y="0"/>
+          <a:ext cx="0" cy="0"/>
+          <a:chOff x="0" y="0"/>
+          <a:chExt cx="0" cy="0"/>
+        </a:xfrm>
+      </p:grpSpPr>
+      <p:sp>
+        <p:nvSpPr>
+          <p:cNvPr id="4" name="Titre 3">
+            <a:extLst>
+              <a:ext uri="{FF2B5EF4-FFF2-40B4-BE49-F238E27FC236}">
+                <a16:creationId xmlns:a16="http://schemas.microsoft.com/office/drawing/2014/main" id="{8AF22030-B7A1-4F30-B03D-001C6BF94932}"/>
+              </a:ext>
+            </a:extLst>
+          </p:cNvPr>
+          <p:cNvSpPr>
+            <a:spLocks noGrp="1"/>
+          </p:cNvSpPr>
+          <p:nvPr>
+            <p:ph type="title"/>
+          </p:nvPr>
+        </p:nvSpPr>
+        <p:spPr>
+          <a:xfrm>
+            <a:off x="755779" y="1"/>
+            <a:ext cx="8976049" cy="1642180"/>
+          </a:xfrm>
+          <a:noFill/>
+          <a:effectLst>
+            <a:softEdge rad="12700"/>
+          </a:effectLst>
+        </p:spPr>
+        <p:txBody>
+          <a:bodyPr>
+            <a:noAutofit/>
+          </a:bodyPr>
+          <a:lstStyle/>
+          <a:p>
+            <a:r>
+              <a:rPr lang="fr-BE" sz="5400" b="1" u="sng" dirty="0">
+                <a:solidFill>
+                  <a:schemeClr val="accent1">
+                    <a:lumMod val="75000"/>
+                  </a:schemeClr>
+                </a:solidFill>
+                <a:effectLst>
+                  <a:outerShdw blurRad="38100" dist="38100" dir="2700000" algn="tl">
+                    <a:srgbClr val="000000">
+                      <a:alpha val="43137"/>
+                    </a:srgbClr>
+                  </a:outerShdw>
+                </a:effectLst>
+              </a:rPr>
+              <a:t>Les réseaux de neurones - CGAN</a:t>
+            </a:r>
+          </a:p>
+        </p:txBody>
+      </p:sp>
+      <p:cxnSp>
+        <p:nvCxnSpPr>
+          <p:cNvPr id="11" name="Connecteur droit 10">
+            <a:extLst>
+              <a:ext uri="{FF2B5EF4-FFF2-40B4-BE49-F238E27FC236}">
+                <a16:creationId xmlns:a16="http://schemas.microsoft.com/office/drawing/2014/main" id="{53B3DD2F-AE09-4031-828A-B4E8961CE168}"/>
+              </a:ext>
+            </a:extLst>
+          </p:cNvPr>
+          <p:cNvCxnSpPr/>
+          <p:nvPr/>
+        </p:nvCxnSpPr>
+        <p:spPr>
+          <a:xfrm>
+            <a:off x="157065" y="5803641"/>
+            <a:ext cx="11877869" cy="0"/>
+          </a:xfrm>
+          <a:prstGeom prst="line">
+            <a:avLst/>
+          </a:prstGeom>
+          <a:ln w="50800">
+            <a:gradFill flip="none" rotWithShape="1">
+              <a:gsLst>
+                <a:gs pos="0">
+                  <a:schemeClr val="bg1">
+                    <a:lumMod val="50000"/>
+                  </a:schemeClr>
+                </a:gs>
+                <a:gs pos="38000">
+                  <a:schemeClr val="accent1">
+                    <a:lumMod val="45000"/>
+                    <a:lumOff val="55000"/>
+                  </a:schemeClr>
+                </a:gs>
+                <a:gs pos="77000">
+                  <a:schemeClr val="accent1">
+                    <a:lumMod val="45000"/>
+                    <a:lumOff val="55000"/>
+                  </a:schemeClr>
+                </a:gs>
+                <a:gs pos="100000">
+                  <a:schemeClr val="accent1">
+                    <a:lumMod val="30000"/>
+                    <a:lumOff val="70000"/>
+                  </a:schemeClr>
+                </a:gs>
+              </a:gsLst>
+              <a:lin ang="0" scaled="1"/>
+              <a:tileRect/>
+            </a:gradFill>
+          </a:ln>
+        </p:spPr>
+        <p:style>
+          <a:lnRef idx="1">
+            <a:schemeClr val="accent1"/>
+          </a:lnRef>
+          <a:fillRef idx="0">
+            <a:schemeClr val="accent1"/>
+          </a:fillRef>
+          <a:effectRef idx="0">
+            <a:schemeClr val="accent1"/>
+          </a:effectRef>
+          <a:fontRef idx="minor">
+            <a:schemeClr val="tx1"/>
+          </a:fontRef>
+        </p:style>
+      </p:cxnSp>
+      <p:sp>
+        <p:nvSpPr>
+          <p:cNvPr id="19" name="Espace réservé de la date 18">
+            <a:extLst>
+              <a:ext uri="{FF2B5EF4-FFF2-40B4-BE49-F238E27FC236}">
+                <a16:creationId xmlns:a16="http://schemas.microsoft.com/office/drawing/2014/main" id="{4D364CB2-C5F9-46FD-A1AD-163AAAD6398B}"/>
+              </a:ext>
+            </a:extLst>
+          </p:cNvPr>
+          <p:cNvSpPr>
+            <a:spLocks noGrp="1"/>
+          </p:cNvSpPr>
+          <p:nvPr>
+            <p:ph type="dt" sz="half" idx="10"/>
+          </p:nvPr>
+        </p:nvSpPr>
+        <p:spPr/>
+        <p:txBody>
+          <a:bodyPr/>
+          <a:lstStyle/>
+          <a:p>
+            <a:r>
+              <a:rPr lang="fr-FR"/>
+              <a:t>28-08-2019</a:t>
+            </a:r>
+            <a:endParaRPr lang="fr-BE" dirty="0"/>
+          </a:p>
+        </p:txBody>
+      </p:sp>
+      <p:sp>
+        <p:nvSpPr>
+          <p:cNvPr id="20" name="Espace réservé du pied de page 19">
+            <a:extLst>
+              <a:ext uri="{FF2B5EF4-FFF2-40B4-BE49-F238E27FC236}">
+                <a16:creationId xmlns:a16="http://schemas.microsoft.com/office/drawing/2014/main" id="{4BB74D9F-54C9-4F0C-85B8-8EBEFADB43F1}"/>
+              </a:ext>
+            </a:extLst>
+          </p:cNvPr>
+          <p:cNvSpPr>
+            <a:spLocks noGrp="1"/>
+          </p:cNvSpPr>
+          <p:nvPr>
+            <p:ph type="ftr" sz="quarter" idx="11"/>
+          </p:nvPr>
+        </p:nvSpPr>
+        <p:spPr/>
+        <p:txBody>
+          <a:bodyPr/>
+          <a:lstStyle/>
+          <a:p>
+            <a:r>
+              <a:rPr lang="fr-BE"/>
+              <a:t>ROMBAUX Michaël - IG CHARLEROI</a:t>
+            </a:r>
+            <a:endParaRPr lang="fr-BE" dirty="0"/>
+          </a:p>
+        </p:txBody>
+      </p:sp>
+      <p:sp>
+        <p:nvSpPr>
+          <p:cNvPr id="21" name="Espace réservé du numéro de diapositive 20">
+            <a:extLst>
+              <a:ext uri="{FF2B5EF4-FFF2-40B4-BE49-F238E27FC236}">
+                <a16:creationId xmlns:a16="http://schemas.microsoft.com/office/drawing/2014/main" id="{11AB67D5-8970-4C6C-80C9-DFD76459B0A2}"/>
+              </a:ext>
+            </a:extLst>
+          </p:cNvPr>
+          <p:cNvSpPr>
+            <a:spLocks noGrp="1"/>
+          </p:cNvSpPr>
+          <p:nvPr>
+            <p:ph type="sldNum" sz="quarter" idx="12"/>
+          </p:nvPr>
+        </p:nvSpPr>
+        <p:spPr/>
+        <p:txBody>
+          <a:bodyPr/>
+          <a:lstStyle/>
+          <a:p>
+            <a:fld id="{9350655B-B394-4670-AE82-A64F671D6FCB}" type="slidenum">
+              <a:rPr lang="fr-BE" smtClean="0"/>
+              <a:pPr/>
+              <a:t>15</a:t>
+            </a:fld>
+            <a:endParaRPr lang="fr-BE" dirty="0"/>
+          </a:p>
+        </p:txBody>
+      </p:sp>
+      <p:sp>
+        <p:nvSpPr>
+          <p:cNvPr id="2057" name="Rectangle 54">
+            <a:extLst>
+              <a:ext uri="{FF2B5EF4-FFF2-40B4-BE49-F238E27FC236}">
+                <a16:creationId xmlns:a16="http://schemas.microsoft.com/office/drawing/2014/main" id="{D601683B-98A2-4199-BFCC-2A84D41164D5}"/>
+              </a:ext>
+            </a:extLst>
+          </p:cNvPr>
+          <p:cNvSpPr>
+            <a:spLocks noChangeArrowheads="1"/>
+          </p:cNvSpPr>
+          <p:nvPr/>
+        </p:nvSpPr>
+        <p:spPr bwMode="auto">
+          <a:xfrm>
+            <a:off x="304800" y="1401247"/>
+            <a:ext cx="12192000" cy="457200"/>
+          </a:xfrm>
+          <a:prstGeom prst="rect">
+            <a:avLst/>
+          </a:prstGeom>
+          <a:noFill/>
+          <a:ln>
+            <a:noFill/>
+          </a:ln>
+          <a:effectLst/>
+          <a:extLst>
+            <a:ext uri="{909E8E84-426E-40DD-AFC4-6F175D3DCCD1}">
+              <a14:hiddenFill xmlns:a14="http://schemas.microsoft.com/office/drawing/2010/main">
+                <a:solidFill>
+                  <a:schemeClr val="accent1"/>
+                </a:solidFill>
+              </a14:hiddenFill>
+            </a:ext>
+            <a:ext uri="{91240B29-F687-4F45-9708-019B960494DF}">
+              <a14:hiddenLine xmlns:a14="http://schemas.microsoft.com/office/drawing/2010/main" w="9525">
+                <a:solidFill>
+                  <a:schemeClr val="tx1"/>
+                </a:solidFill>
+                <a:miter lim="800000"/>
+                <a:headEnd/>
+                <a:tailEnd/>
+              </a14:hiddenLine>
+            </a:ext>
+            <a:ext uri="{AF507438-7753-43E0-B8FC-AC1667EBCBE1}">
+              <a14:hiddenEffects xmlns:a14="http://schemas.microsoft.com/office/drawing/2010/main">
+                <a:effectLst>
+                  <a:outerShdw dist="35921" dir="2700000" algn="ctr" rotWithShape="0">
+                    <a:schemeClr val="bg2"/>
+                  </a:outerShdw>
+                </a:effectLst>
+              </a14:hiddenEffects>
+            </a:ext>
+          </a:extLst>
+        </p:spPr>
+        <p:txBody>
+          <a:bodyPr vert="horz" wrap="none" lIns="91440" tIns="45720" rIns="91440" bIns="45720" numCol="1" anchor="ctr" anchorCtr="0" compatLnSpc="1">
+            <a:prstTxWarp prst="textNoShape">
+              <a:avLst/>
+            </a:prstTxWarp>
+            <a:spAutoFit/>
+          </a:bodyPr>
+          <a:lstStyle/>
+          <a:p>
+            <a:endParaRPr lang="fr-BE"/>
+          </a:p>
+        </p:txBody>
+      </p:sp>
+      <p:sp>
+        <p:nvSpPr>
+          <p:cNvPr id="2058" name="Rectangle 55">
+            <a:extLst>
+              <a:ext uri="{FF2B5EF4-FFF2-40B4-BE49-F238E27FC236}">
+                <a16:creationId xmlns:a16="http://schemas.microsoft.com/office/drawing/2014/main" id="{A78158CE-C9E9-4808-B773-C01D500E742C}"/>
+              </a:ext>
+            </a:extLst>
+          </p:cNvPr>
+          <p:cNvSpPr>
+            <a:spLocks noChangeArrowheads="1"/>
+          </p:cNvSpPr>
+          <p:nvPr/>
+        </p:nvSpPr>
+        <p:spPr bwMode="auto">
+          <a:xfrm>
+            <a:off x="304800" y="1858447"/>
+            <a:ext cx="12192000" cy="457200"/>
+          </a:xfrm>
+          <a:prstGeom prst="rect">
+            <a:avLst/>
+          </a:prstGeom>
+          <a:noFill/>
+          <a:ln>
+            <a:noFill/>
+          </a:ln>
+          <a:effectLst/>
+          <a:extLst>
+            <a:ext uri="{909E8E84-426E-40DD-AFC4-6F175D3DCCD1}">
+              <a14:hiddenFill xmlns:a14="http://schemas.microsoft.com/office/drawing/2010/main">
+                <a:solidFill>
+                  <a:schemeClr val="accent1"/>
+                </a:solidFill>
+              </a14:hiddenFill>
+            </a:ext>
+            <a:ext uri="{91240B29-F687-4F45-9708-019B960494DF}">
+              <a14:hiddenLine xmlns:a14="http://schemas.microsoft.com/office/drawing/2010/main" w="9525">
+                <a:solidFill>
+                  <a:schemeClr val="tx1"/>
+                </a:solidFill>
+                <a:miter lim="800000"/>
+                <a:headEnd/>
+                <a:tailEnd/>
+              </a14:hiddenLine>
+            </a:ext>
+            <a:ext uri="{AF507438-7753-43E0-B8FC-AC1667EBCBE1}">
+              <a14:hiddenEffects xmlns:a14="http://schemas.microsoft.com/office/drawing/2010/main">
+                <a:effectLst>
+                  <a:outerShdw dist="35921" dir="2700000" algn="ctr" rotWithShape="0">
+                    <a:schemeClr val="bg2"/>
+                  </a:outerShdw>
+                </a:effectLst>
+              </a14:hiddenEffects>
+            </a:ext>
+          </a:extLst>
+        </p:spPr>
+        <p:txBody>
+          <a:bodyPr vert="horz" wrap="none" lIns="91440" tIns="45720" rIns="91440" bIns="45720" numCol="1" anchor="ctr" anchorCtr="0" compatLnSpc="1">
+            <a:prstTxWarp prst="textNoShape">
+              <a:avLst/>
+            </a:prstTxWarp>
+            <a:spAutoFit/>
+          </a:bodyPr>
+          <a:lstStyle/>
+          <a:p>
+            <a:endParaRPr lang="fr-BE"/>
+          </a:p>
+        </p:txBody>
+      </p:sp>
+      <p:sp>
+        <p:nvSpPr>
+          <p:cNvPr id="2060" name="Rectangle 57">
+            <a:extLst>
+              <a:ext uri="{FF2B5EF4-FFF2-40B4-BE49-F238E27FC236}">
+                <a16:creationId xmlns:a16="http://schemas.microsoft.com/office/drawing/2014/main" id="{90B5CCA3-A1A8-4B43-BEBD-E500C68F3F81}"/>
+              </a:ext>
+            </a:extLst>
+          </p:cNvPr>
+          <p:cNvSpPr>
+            <a:spLocks noChangeArrowheads="1"/>
+          </p:cNvSpPr>
+          <p:nvPr/>
+        </p:nvSpPr>
+        <p:spPr bwMode="auto">
+          <a:xfrm>
+            <a:off x="304800" y="2315647"/>
+            <a:ext cx="12192000" cy="0"/>
+          </a:xfrm>
+          <a:prstGeom prst="rect">
+            <a:avLst/>
+          </a:prstGeom>
+          <a:noFill/>
+          <a:ln>
+            <a:noFill/>
+          </a:ln>
+          <a:effectLst/>
+          <a:extLst>
+            <a:ext uri="{909E8E84-426E-40DD-AFC4-6F175D3DCCD1}">
+              <a14:hiddenFill xmlns:a14="http://schemas.microsoft.com/office/drawing/2010/main">
+                <a:solidFill>
+                  <a:schemeClr val="accent1"/>
+                </a:solidFill>
+              </a14:hiddenFill>
+            </a:ext>
+            <a:ext uri="{91240B29-F687-4F45-9708-019B960494DF}">
+              <a14:hiddenLine xmlns:a14="http://schemas.microsoft.com/office/drawing/2010/main" w="9525">
+                <a:solidFill>
+                  <a:schemeClr val="tx1"/>
+                </a:solidFill>
+                <a:miter lim="800000"/>
+                <a:headEnd/>
+                <a:tailEnd/>
+              </a14:hiddenLine>
+            </a:ext>
+            <a:ext uri="{AF507438-7753-43E0-B8FC-AC1667EBCBE1}">
+              <a14:hiddenEffects xmlns:a14="http://schemas.microsoft.com/office/drawing/2010/main">
+                <a:effectLst>
+                  <a:outerShdw dist="35921" dir="2700000" algn="ctr" rotWithShape="0">
+                    <a:schemeClr val="bg2"/>
+                  </a:outerShdw>
+                </a:effectLst>
+              </a14:hiddenEffects>
+            </a:ext>
+          </a:extLst>
+        </p:spPr>
+        <p:txBody>
+          <a:bodyPr vert="horz" wrap="none" lIns="91440" tIns="45720" rIns="91440" bIns="45720" numCol="1" anchor="ctr" anchorCtr="0" compatLnSpc="1">
+            <a:prstTxWarp prst="textNoShape">
+              <a:avLst/>
+            </a:prstTxWarp>
+            <a:spAutoFit/>
+          </a:bodyPr>
+          <a:lstStyle/>
+          <a:p>
+            <a:pPr marL="0" marR="0" lvl="0" indent="0" algn="l" defTabSz="914400" rtl="0" eaLnBrk="0" fontAlgn="base" latinLnBrk="0" hangingPunct="0">
+              <a:lnSpc>
+                <a:spcPct val="100000"/>
+              </a:lnSpc>
+              <a:spcBef>
+                <a:spcPct val="0"/>
+              </a:spcBef>
+              <a:spcAft>
+                <a:spcPct val="0"/>
+              </a:spcAft>
+              <a:buClrTx/>
+              <a:buSzTx/>
+              <a:buFontTx/>
+              <a:buNone/>
+              <a:tabLst/>
+            </a:pPr>
+            <a:endParaRPr kumimoji="0" lang="fr-BE" altLang="fr-FR" sz="800" b="0" i="0" u="none" strike="noStrike" cap="none" normalizeH="0" baseline="0">
+              <a:ln>
+                <a:noFill/>
+              </a:ln>
+              <a:solidFill>
+                <a:schemeClr val="tx1"/>
+              </a:solidFill>
+              <a:effectLst/>
+            </a:endParaRPr>
+          </a:p>
+          <a:p>
+            <a:pPr marL="0" marR="0" lvl="0" indent="0" algn="l" defTabSz="914400" rtl="0" eaLnBrk="0" fontAlgn="base" latinLnBrk="0" hangingPunct="0">
+              <a:lnSpc>
+                <a:spcPct val="100000"/>
+              </a:lnSpc>
+              <a:spcBef>
+                <a:spcPct val="0"/>
+              </a:spcBef>
+              <a:spcAft>
+                <a:spcPct val="0"/>
+              </a:spcAft>
+              <a:buClrTx/>
+              <a:buSzTx/>
+              <a:buFontTx/>
+              <a:buNone/>
+              <a:tabLst/>
+            </a:pPr>
+            <a:br>
+              <a:rPr kumimoji="0" lang="fr-BE" altLang="fr-FR" sz="1800" b="0" i="0" u="none" strike="noStrike" cap="none" normalizeH="0" baseline="0">
+                <a:ln>
+                  <a:noFill/>
+                </a:ln>
+                <a:solidFill>
+                  <a:schemeClr val="tx1"/>
+                </a:solidFill>
+                <a:effectLst/>
+                <a:latin typeface="Arial" panose="020B0604020202020204" pitchFamily="34" charset="0"/>
+              </a:rPr>
+            </a:br>
+            <a:endParaRPr kumimoji="0" lang="fr-BE" altLang="fr-FR" sz="1800" b="0" i="0" u="none" strike="noStrike" cap="none" normalizeH="0" baseline="0">
+              <a:ln>
+                <a:noFill/>
+              </a:ln>
+              <a:solidFill>
+                <a:schemeClr val="tx1"/>
+              </a:solidFill>
+              <a:effectLst/>
+              <a:latin typeface="Arial" panose="020B0604020202020204" pitchFamily="34" charset="0"/>
+            </a:endParaRPr>
+          </a:p>
+          <a:p>
+            <a:pPr marL="0" marR="0" lvl="0" indent="0" algn="l" defTabSz="914400" rtl="0" eaLnBrk="0" fontAlgn="base" latinLnBrk="0" hangingPunct="0">
+              <a:lnSpc>
+                <a:spcPct val="100000"/>
+              </a:lnSpc>
+              <a:spcBef>
+                <a:spcPct val="0"/>
+              </a:spcBef>
+              <a:spcAft>
+                <a:spcPct val="0"/>
+              </a:spcAft>
+              <a:buClrTx/>
+              <a:buSzTx/>
+              <a:buFontTx/>
+              <a:buNone/>
+              <a:tabLst/>
+            </a:pPr>
+            <a:endParaRPr kumimoji="0" lang="fr-BE" altLang="fr-FR" sz="1800" b="0" i="0" u="none" strike="noStrike" cap="none" normalizeH="0" baseline="0">
+              <a:ln>
+                <a:noFill/>
+              </a:ln>
+              <a:solidFill>
+                <a:schemeClr val="tx1"/>
+              </a:solidFill>
+              <a:effectLst/>
+              <a:latin typeface="Arial" panose="020B0604020202020204" pitchFamily="34" charset="0"/>
+            </a:endParaRPr>
+          </a:p>
+        </p:txBody>
+      </p:sp>
+      <p:sp>
+        <p:nvSpPr>
+          <p:cNvPr id="2063" name="Rectangle 62">
+            <a:extLst>
+              <a:ext uri="{FF2B5EF4-FFF2-40B4-BE49-F238E27FC236}">
+                <a16:creationId xmlns:a16="http://schemas.microsoft.com/office/drawing/2014/main" id="{8A8127A7-2EA5-462F-BF78-FAC7186D57A2}"/>
+              </a:ext>
+            </a:extLst>
+          </p:cNvPr>
+          <p:cNvSpPr>
+            <a:spLocks noChangeArrowheads="1"/>
+          </p:cNvSpPr>
+          <p:nvPr/>
+        </p:nvSpPr>
+        <p:spPr bwMode="auto">
+          <a:xfrm>
+            <a:off x="304800" y="2315647"/>
+            <a:ext cx="12192000" cy="457200"/>
+          </a:xfrm>
+          <a:prstGeom prst="rect">
+            <a:avLst/>
+          </a:prstGeom>
+          <a:noFill/>
+          <a:ln>
+            <a:noFill/>
+          </a:ln>
+          <a:effectLst/>
+          <a:extLst>
+            <a:ext uri="{909E8E84-426E-40DD-AFC4-6F175D3DCCD1}">
+              <a14:hiddenFill xmlns:a14="http://schemas.microsoft.com/office/drawing/2010/main">
+                <a:solidFill>
+                  <a:schemeClr val="accent1"/>
+                </a:solidFill>
+              </a14:hiddenFill>
+            </a:ext>
+            <a:ext uri="{91240B29-F687-4F45-9708-019B960494DF}">
+              <a14:hiddenLine xmlns:a14="http://schemas.microsoft.com/office/drawing/2010/main" w="9525">
+                <a:solidFill>
+                  <a:schemeClr val="tx1"/>
+                </a:solidFill>
+                <a:miter lim="800000"/>
+                <a:headEnd/>
+                <a:tailEnd/>
+              </a14:hiddenLine>
+            </a:ext>
+            <a:ext uri="{AF507438-7753-43E0-B8FC-AC1667EBCBE1}">
+              <a14:hiddenEffects xmlns:a14="http://schemas.microsoft.com/office/drawing/2010/main">
+                <a:effectLst>
+                  <a:outerShdw dist="35921" dir="2700000" algn="ctr" rotWithShape="0">
+                    <a:schemeClr val="bg2"/>
+                  </a:outerShdw>
+                </a:effectLst>
+              </a14:hiddenEffects>
+            </a:ext>
+          </a:extLst>
+        </p:spPr>
+        <p:txBody>
+          <a:bodyPr vert="horz" wrap="none" lIns="91440" tIns="45720" rIns="91440" bIns="45720" numCol="1" anchor="ctr" anchorCtr="0" compatLnSpc="1">
+            <a:prstTxWarp prst="textNoShape">
+              <a:avLst/>
+            </a:prstTxWarp>
+            <a:spAutoFit/>
+          </a:bodyPr>
+          <a:lstStyle/>
+          <a:p>
+            <a:endParaRPr lang="fr-BE"/>
+          </a:p>
+        </p:txBody>
+      </p:sp>
       <p:pic>
         <p:nvPicPr>
-          <p:cNvPr id="2101" name="Image 1">
-            <a:extLst>
-              <a:ext uri="{FF2B5EF4-FFF2-40B4-BE49-F238E27FC236}">
-                <a16:creationId xmlns:a16="http://schemas.microsoft.com/office/drawing/2014/main" id="{1444118B-4645-48DB-AEEA-F7E00F50F1C3}"/>
+          <p:cNvPr id="2" name="Image 25">
+            <a:extLst>
+              <a:ext uri="{FF2B5EF4-FFF2-40B4-BE49-F238E27FC236}">
+                <a16:creationId xmlns:a16="http://schemas.microsoft.com/office/drawing/2014/main" id="{08ABE021-4068-4D03-BC12-7829ED4C998D}"/>
               </a:ext>
             </a:extLst>
           </p:cNvPr>
@@ -8476,7 +9955,7 @@
           <p:nvPr/>
         </p:nvPicPr>
         <p:blipFill>
-          <a:blip r:embed="rId3">
+          <a:blip r:embed="rId2">
             <a:extLst>
               <a:ext uri="{28A0092B-C50C-407E-A947-70E740481C1C}">
                 <a14:useLocalDpi xmlns:a14="http://schemas.microsoft.com/office/drawing/2010/main" val="0"/>
@@ -8490,8 +9969,8 @@
         </p:blipFill>
         <p:spPr bwMode="auto">
           <a:xfrm>
-            <a:off x="4206136" y="1231976"/>
-            <a:ext cx="1029826" cy="988547"/>
+            <a:off x="4868340" y="4288354"/>
+            <a:ext cx="811213" cy="793750"/>
           </a:xfrm>
           <a:prstGeom prst="rect">
             <a:avLst/>
@@ -8508,71 +9987,24 @@
           </a:extLst>
         </p:spPr>
       </p:pic>
-      <p:pic>
-        <p:nvPicPr>
-          <p:cNvPr id="2094" name="Image 13">
-            <a:extLst>
-              <a:ext uri="{FF2B5EF4-FFF2-40B4-BE49-F238E27FC236}">
-                <a16:creationId xmlns:a16="http://schemas.microsoft.com/office/drawing/2014/main" id="{A0425122-0E51-4D56-A9B8-08183D752776}"/>
-              </a:ext>
-            </a:extLst>
-          </p:cNvPr>
-          <p:cNvPicPr>
-            <a:picLocks noChangeAspect="1" noChangeArrowheads="1"/>
-          </p:cNvPicPr>
+      <p:sp>
+        <p:nvSpPr>
+          <p:cNvPr id="3" name="AutoShape 22">
+            <a:extLst>
+              <a:ext uri="{FF2B5EF4-FFF2-40B4-BE49-F238E27FC236}">
+                <a16:creationId xmlns:a16="http://schemas.microsoft.com/office/drawing/2014/main" id="{2A79132A-73D4-4287-9F6A-44BEE909F9A1}"/>
+              </a:ext>
+            </a:extLst>
+          </p:cNvPr>
+          <p:cNvSpPr>
+            <a:spLocks noChangeArrowheads="1"/>
+          </p:cNvSpPr>
           <p:nvPr/>
-        </p:nvPicPr>
-        <p:blipFill>
-          <a:blip r:embed="rId4">
-            <a:extLst>
-              <a:ext uri="{28A0092B-C50C-407E-A947-70E740481C1C}">
-                <a14:useLocalDpi xmlns:a14="http://schemas.microsoft.com/office/drawing/2010/main" val="0"/>
-              </a:ext>
-            </a:extLst>
-          </a:blip>
-          <a:srcRect/>
-          <a:stretch>
-            <a:fillRect/>
-          </a:stretch>
-        </p:blipFill>
+        </p:nvSpPr>
         <p:spPr bwMode="auto">
           <a:xfrm>
-            <a:off x="4111628" y="4321039"/>
-            <a:ext cx="941488" cy="922054"/>
-          </a:xfrm>
-          <a:prstGeom prst="rect">
-            <a:avLst/>
-          </a:prstGeom>
-          <a:noFill/>
-          <a:extLst>
-            <a:ext uri="{909E8E84-426E-40DD-AFC4-6F175D3DCCD1}">
-              <a14:hiddenFill xmlns:a14="http://schemas.microsoft.com/office/drawing/2010/main">
-                <a:solidFill>
-                  <a:srgbClr val="FFFFFF"/>
-                </a:solidFill>
-              </a14:hiddenFill>
-            </a:ext>
-          </a:extLst>
-        </p:spPr>
-      </p:pic>
-      <p:sp>
-        <p:nvSpPr>
-          <p:cNvPr id="2053" name="AutoShape 9">
-            <a:extLst>
-              <a:ext uri="{FF2B5EF4-FFF2-40B4-BE49-F238E27FC236}">
-                <a16:creationId xmlns:a16="http://schemas.microsoft.com/office/drawing/2014/main" id="{FEDD03D1-9358-4E6C-A351-846825F53309}"/>
-              </a:ext>
-            </a:extLst>
-          </p:cNvPr>
-          <p:cNvSpPr>
-            <a:spLocks noChangeArrowheads="1"/>
-          </p:cNvSpPr>
-          <p:nvPr/>
-        </p:nvSpPr>
-        <p:spPr bwMode="auto">
-          <a:xfrm>
-            <a:off x="1871098" y="4025614"/>
-            <a:ext cx="1837755" cy="1695996"/>
+            <a:off x="2822644" y="3897256"/>
+            <a:ext cx="1552575" cy="1501775"/>
           </a:xfrm>
           <a:prstGeom prst="flowChartMultidocument">
             <a:avLst/>
@@ -8643,10 +10075,10 @@
       </p:sp>
       <p:pic>
         <p:nvPicPr>
-          <p:cNvPr id="2093" name="Picture 45">
-            <a:extLst>
-              <a:ext uri="{FF2B5EF4-FFF2-40B4-BE49-F238E27FC236}">
-                <a16:creationId xmlns:a16="http://schemas.microsoft.com/office/drawing/2014/main" id="{198D92BC-C7A4-4F5B-864B-F71C0B14AB6A}"/>
+          <p:cNvPr id="5" name="Image 1">
+            <a:extLst>
+              <a:ext uri="{FF2B5EF4-FFF2-40B4-BE49-F238E27FC236}">
+                <a16:creationId xmlns:a16="http://schemas.microsoft.com/office/drawing/2014/main" id="{E7CF3BEB-EDF6-42DE-85DC-A6226C5EC49F}"/>
               </a:ext>
             </a:extLst>
           </p:cNvPr>
@@ -8656,7 +10088,7 @@
           <p:nvPr/>
         </p:nvPicPr>
         <p:blipFill>
-          <a:blip r:embed="rId5">
+          <a:blip r:embed="rId3">
             <a:lum bright="36000"/>
             <a:extLst>
               <a:ext uri="{28A0092B-C50C-407E-A947-70E740481C1C}">
@@ -8671,7 +10103,7 @@
         </p:blipFill>
         <p:spPr bwMode="auto">
           <a:xfrm>
-            <a:off x="401055" y="4400033"/>
+            <a:off x="961232" y="3792590"/>
             <a:ext cx="901700" cy="850900"/>
           </a:xfrm>
           <a:prstGeom prst="rect">
@@ -8699,10 +10131,10 @@
       </p:pic>
       <p:sp>
         <p:nvSpPr>
-          <p:cNvPr id="2054" name="AutoShape 15">
-            <a:extLst>
-              <a:ext uri="{FF2B5EF4-FFF2-40B4-BE49-F238E27FC236}">
-                <a16:creationId xmlns:a16="http://schemas.microsoft.com/office/drawing/2014/main" id="{E9E2F534-A802-42BA-B32E-2D808471AA87}"/>
+          <p:cNvPr id="30" name="AutoShape 24">
+            <a:extLst>
+              <a:ext uri="{FF2B5EF4-FFF2-40B4-BE49-F238E27FC236}">
+                <a16:creationId xmlns:a16="http://schemas.microsoft.com/office/drawing/2014/main" id="{A740566D-93B9-4DA2-A74E-A99C2B77981C}"/>
               </a:ext>
             </a:extLst>
           </p:cNvPr>
@@ -8713,8 +10145,65 @@
         </p:nvSpPr>
         <p:spPr bwMode="auto">
           <a:xfrm>
-            <a:off x="5941567" y="2585461"/>
-            <a:ext cx="1975941" cy="1721918"/>
+            <a:off x="1874362" y="4221343"/>
+            <a:ext cx="1022985" cy="189865"/>
+          </a:xfrm>
+          <a:prstGeom prst="rightArrow">
+            <a:avLst>
+              <a:gd name="adj1" fmla="val 50000"/>
+              <a:gd name="adj2" fmla="val 134699"/>
+            </a:avLst>
+          </a:prstGeom>
+          <a:solidFill>
+            <a:schemeClr val="accent5">
+              <a:lumMod val="100000"/>
+              <a:lumOff val="0"/>
+            </a:schemeClr>
+          </a:solidFill>
+          <a:ln>
+            <a:noFill/>
+          </a:ln>
+          <a:extLst>
+            <a:ext uri="{91240B29-F687-4F45-9708-019B960494DF}">
+              <a14:hiddenLine xmlns:a14="http://schemas.microsoft.com/office/drawing/2010/main" w="9525">
+                <a:solidFill>
+                  <a:srgbClr val="000000"/>
+                </a:solidFill>
+                <a:miter lim="800000"/>
+                <a:headEnd/>
+                <a:tailEnd/>
+              </a14:hiddenLine>
+            </a:ext>
+          </a:extLst>
+        </p:spPr>
+        <p:txBody>
+          <a:bodyPr rot="0" vert="horz" wrap="square" lIns="91440" tIns="45720" rIns="91440" bIns="45720" anchor="t" anchorCtr="0" upright="1">
+            <a:noAutofit/>
+          </a:bodyPr>
+          <a:lstStyle/>
+          <a:p>
+            <a:endParaRPr lang="fr-BE"/>
+          </a:p>
+        </p:txBody>
+      </p:sp>
+      <p:sp>
+        <p:nvSpPr>
+          <p:cNvPr id="6" name="AutoShape 27">
+            <a:extLst>
+              <a:ext uri="{FF2B5EF4-FFF2-40B4-BE49-F238E27FC236}">
+                <a16:creationId xmlns:a16="http://schemas.microsoft.com/office/drawing/2014/main" id="{310DA7F0-2376-47B1-80EF-9D26A51AB4EE}"/>
+              </a:ext>
+            </a:extLst>
+          </p:cNvPr>
+          <p:cNvSpPr>
+            <a:spLocks noChangeArrowheads="1"/>
+          </p:cNvSpPr>
+          <p:nvPr/>
+        </p:nvSpPr>
+        <p:spPr bwMode="auto">
+          <a:xfrm>
+            <a:off x="7112310" y="2501179"/>
+            <a:ext cx="1944071" cy="1611806"/>
           </a:xfrm>
           <a:prstGeom prst="flowChartMultidocument">
             <a:avLst/>
@@ -8785,10 +10274,10 @@
       </p:sp>
       <p:sp>
         <p:nvSpPr>
-          <p:cNvPr id="49" name="AutoShape 17">
-            <a:extLst>
-              <a:ext uri="{FF2B5EF4-FFF2-40B4-BE49-F238E27FC236}">
-                <a16:creationId xmlns:a16="http://schemas.microsoft.com/office/drawing/2014/main" id="{BCB9E9DB-2368-4C2F-85B5-520E8D1F5C56}"/>
+          <p:cNvPr id="32" name="AutoShape 28">
+            <a:extLst>
+              <a:ext uri="{FF2B5EF4-FFF2-40B4-BE49-F238E27FC236}">
+                <a16:creationId xmlns:a16="http://schemas.microsoft.com/office/drawing/2014/main" id="{15D7484A-49BF-4417-A3A1-570F72C77F7E}"/>
               </a:ext>
             </a:extLst>
           </p:cNvPr>
@@ -8799,8 +10288,8 @@
         </p:nvSpPr>
         <p:spPr bwMode="auto">
           <a:xfrm rot="5400000">
-            <a:off x="4826005" y="2388821"/>
-            <a:ext cx="584777" cy="1428854"/>
+            <a:off x="5950901" y="2399229"/>
+            <a:ext cx="535940" cy="1430655"/>
           </a:xfrm>
           <a:custGeom>
             <a:avLst/>
@@ -8925,10 +10414,611 @@
       </p:sp>
       <p:sp>
         <p:nvSpPr>
-          <p:cNvPr id="50" name="AutoShape 18">
-            <a:extLst>
-              <a:ext uri="{FF2B5EF4-FFF2-40B4-BE49-F238E27FC236}">
-                <a16:creationId xmlns:a16="http://schemas.microsoft.com/office/drawing/2014/main" id="{77FE9C67-3BA8-4FFB-ABDB-471C6DA7CC99}"/>
+          <p:cNvPr id="33" name="AutoShape 30">
+            <a:extLst>
+              <a:ext uri="{FF2B5EF4-FFF2-40B4-BE49-F238E27FC236}">
+                <a16:creationId xmlns:a16="http://schemas.microsoft.com/office/drawing/2014/main" id="{4C524912-7206-4B66-8684-C6E2BA10D80B}"/>
+              </a:ext>
+            </a:extLst>
+          </p:cNvPr>
+          <p:cNvSpPr>
+            <a:spLocks noChangeArrowheads="1"/>
+          </p:cNvSpPr>
+          <p:nvPr/>
+        </p:nvSpPr>
+        <p:spPr bwMode="auto">
+          <a:xfrm>
+            <a:off x="9097753" y="3094472"/>
+            <a:ext cx="664210" cy="294005"/>
+          </a:xfrm>
+          <a:prstGeom prst="stripedRightArrow">
+            <a:avLst>
+              <a:gd name="adj1" fmla="val 50000"/>
+              <a:gd name="adj2" fmla="val 56479"/>
+            </a:avLst>
+          </a:prstGeom>
+          <a:solidFill>
+            <a:srgbClr val="FFFFFF"/>
+          </a:solidFill>
+          <a:ln w="9525">
+            <a:solidFill>
+              <a:srgbClr val="000000"/>
+            </a:solidFill>
+            <a:miter lim="800000"/>
+            <a:headEnd/>
+            <a:tailEnd/>
+          </a:ln>
+        </p:spPr>
+        <p:txBody>
+          <a:bodyPr rot="0" vert="horz" wrap="square" lIns="91440" tIns="45720" rIns="91440" bIns="45720" anchor="t" anchorCtr="0" upright="1">
+            <a:noAutofit/>
+          </a:bodyPr>
+          <a:lstStyle/>
+          <a:p>
+            <a:endParaRPr lang="fr-BE"/>
+          </a:p>
+        </p:txBody>
+      </p:sp>
+      <p:sp>
+        <p:nvSpPr>
+          <p:cNvPr id="7" name="AutoShape 31">
+            <a:extLst>
+              <a:ext uri="{FF2B5EF4-FFF2-40B4-BE49-F238E27FC236}">
+                <a16:creationId xmlns:a16="http://schemas.microsoft.com/office/drawing/2014/main" id="{6675FC07-7754-4490-98EC-544AC04D7ED8}"/>
+              </a:ext>
+            </a:extLst>
+          </p:cNvPr>
+          <p:cNvSpPr>
+            <a:spLocks noChangeArrowheads="1"/>
+          </p:cNvSpPr>
+          <p:nvPr/>
+        </p:nvSpPr>
+        <p:spPr bwMode="auto">
+          <a:xfrm>
+            <a:off x="9877443" y="2698694"/>
+            <a:ext cx="1000125" cy="1198562"/>
+          </a:xfrm>
+          <a:prstGeom prst="flowChartPredefinedProcess">
+            <a:avLst/>
+          </a:prstGeom>
+          <a:solidFill>
+            <a:srgbClr val="FFFFFF"/>
+          </a:solidFill>
+          <a:ln w="9525">
+            <a:solidFill>
+              <a:srgbClr val="000000"/>
+            </a:solidFill>
+            <a:miter lim="800000"/>
+            <a:headEnd/>
+            <a:tailEnd/>
+          </a:ln>
+        </p:spPr>
+        <p:txBody>
+          <a:bodyPr vert="horz" wrap="square" lIns="91440" tIns="45720" rIns="91440" bIns="45720" numCol="1" anchor="ctr" anchorCtr="0" compatLnSpc="1">
+            <a:prstTxWarp prst="textNoShape">
+              <a:avLst/>
+            </a:prstTxWarp>
+          </a:bodyPr>
+          <a:lstStyle/>
+          <a:p>
+            <a:pPr marL="0" marR="0" lvl="0" indent="0" algn="ctr" defTabSz="914400" rtl="0" eaLnBrk="0" fontAlgn="base" latinLnBrk="0" hangingPunct="0">
+              <a:lnSpc>
+                <a:spcPct val="100000"/>
+              </a:lnSpc>
+              <a:spcBef>
+                <a:spcPct val="0"/>
+              </a:spcBef>
+              <a:spcAft>
+                <a:spcPct val="0"/>
+              </a:spcAft>
+              <a:buClrTx/>
+              <a:buSzTx/>
+              <a:buFontTx/>
+              <a:buNone/>
+              <a:tabLst/>
+            </a:pPr>
+            <a:r>
+              <a:rPr kumimoji="0" lang="fr-FR" altLang="fr-FR" sz="1100" b="0" i="0" u="none" strike="noStrike" cap="none" normalizeH="0" baseline="0" dirty="0">
+                <a:ln>
+                  <a:noFill/>
+                </a:ln>
+                <a:solidFill>
+                  <a:schemeClr val="tx1"/>
+                </a:solidFill>
+                <a:effectLst/>
+                <a:latin typeface="Verdana" panose="020B0604030504040204" pitchFamily="34" charset="0"/>
+                <a:ea typeface="Times New Roman" panose="02020603050405020304" pitchFamily="18" charset="0"/>
+                <a:cs typeface="Times New Roman" panose="02020603050405020304" pitchFamily="18" charset="0"/>
+              </a:rPr>
+              <a:t>VRAIE</a:t>
+            </a:r>
+            <a:endParaRPr kumimoji="0" lang="fr-FR" altLang="fr-FR" sz="800" b="0" i="0" u="none" strike="noStrike" cap="none" normalizeH="0" baseline="0" dirty="0">
+              <a:ln>
+                <a:noFill/>
+              </a:ln>
+              <a:solidFill>
+                <a:schemeClr val="tx1"/>
+              </a:solidFill>
+              <a:effectLst/>
+            </a:endParaRPr>
+          </a:p>
+          <a:p>
+            <a:pPr marL="0" marR="0" lvl="0" indent="0" algn="ctr" defTabSz="914400" rtl="0" eaLnBrk="0" fontAlgn="base" latinLnBrk="0" hangingPunct="0">
+              <a:lnSpc>
+                <a:spcPct val="100000"/>
+              </a:lnSpc>
+              <a:spcBef>
+                <a:spcPct val="0"/>
+              </a:spcBef>
+              <a:spcAft>
+                <a:spcPct val="0"/>
+              </a:spcAft>
+              <a:buClrTx/>
+              <a:buSzTx/>
+              <a:buFontTx/>
+              <a:buNone/>
+              <a:tabLst/>
+            </a:pPr>
+            <a:r>
+              <a:rPr kumimoji="0" lang="fr-FR" altLang="fr-FR" sz="1100" b="0" i="0" u="none" strike="noStrike" cap="none" normalizeH="0" baseline="0" dirty="0">
+                <a:ln>
+                  <a:noFill/>
+                </a:ln>
+                <a:solidFill>
+                  <a:schemeClr val="tx1"/>
+                </a:solidFill>
+                <a:effectLst/>
+                <a:latin typeface="Verdana" panose="020B0604030504040204" pitchFamily="34" charset="0"/>
+                <a:ea typeface="Times New Roman" panose="02020603050405020304" pitchFamily="18" charset="0"/>
+                <a:cs typeface="Times New Roman" panose="02020603050405020304" pitchFamily="18" charset="0"/>
+              </a:rPr>
+              <a:t>OU</a:t>
+            </a:r>
+            <a:endParaRPr kumimoji="0" lang="fr-FR" altLang="fr-FR" sz="800" b="0" i="0" u="none" strike="noStrike" cap="none" normalizeH="0" baseline="0" dirty="0">
+              <a:ln>
+                <a:noFill/>
+              </a:ln>
+              <a:solidFill>
+                <a:schemeClr val="tx1"/>
+              </a:solidFill>
+              <a:effectLst/>
+            </a:endParaRPr>
+          </a:p>
+          <a:p>
+            <a:pPr marL="0" marR="0" lvl="0" indent="0" algn="ctr" defTabSz="914400" rtl="0" eaLnBrk="0" fontAlgn="base" latinLnBrk="0" hangingPunct="0">
+              <a:lnSpc>
+                <a:spcPct val="100000"/>
+              </a:lnSpc>
+              <a:spcBef>
+                <a:spcPct val="0"/>
+              </a:spcBef>
+              <a:spcAft>
+                <a:spcPct val="0"/>
+              </a:spcAft>
+              <a:buClrTx/>
+              <a:buSzTx/>
+              <a:buFontTx/>
+              <a:buNone/>
+              <a:tabLst/>
+            </a:pPr>
+            <a:r>
+              <a:rPr kumimoji="0" lang="fr-FR" altLang="fr-FR" sz="1100" b="0" i="0" u="none" strike="noStrike" cap="none" normalizeH="0" baseline="0" dirty="0">
+                <a:ln>
+                  <a:noFill/>
+                </a:ln>
+                <a:solidFill>
+                  <a:schemeClr val="tx1"/>
+                </a:solidFill>
+                <a:effectLst/>
+                <a:latin typeface="Verdana" panose="020B0604030504040204" pitchFamily="34" charset="0"/>
+                <a:ea typeface="Times New Roman" panose="02020603050405020304" pitchFamily="18" charset="0"/>
+                <a:cs typeface="Times New Roman" panose="02020603050405020304" pitchFamily="18" charset="0"/>
+              </a:rPr>
+              <a:t>FAUSSE</a:t>
+            </a:r>
+            <a:endParaRPr kumimoji="0" lang="fr-FR" altLang="fr-FR" sz="1800" b="0" i="0" u="none" strike="noStrike" cap="none" normalizeH="0" baseline="0" dirty="0">
+              <a:ln>
+                <a:noFill/>
+              </a:ln>
+              <a:solidFill>
+                <a:schemeClr val="tx1"/>
+              </a:solidFill>
+              <a:effectLst/>
+              <a:latin typeface="Arial" panose="020B0604020202020204" pitchFamily="34" charset="0"/>
+            </a:endParaRPr>
+          </a:p>
+        </p:txBody>
+      </p:sp>
+      <p:pic>
+        <p:nvPicPr>
+          <p:cNvPr id="2068" name="Picture 20">
+            <a:extLst>
+              <a:ext uri="{FF2B5EF4-FFF2-40B4-BE49-F238E27FC236}">
+                <a16:creationId xmlns:a16="http://schemas.microsoft.com/office/drawing/2014/main" id="{FCC547CD-95FD-42A0-BA48-0D9C2D9D7DE1}"/>
+              </a:ext>
+            </a:extLst>
+          </p:cNvPr>
+          <p:cNvPicPr>
+            <a:picLocks noChangeAspect="1" noChangeArrowheads="1"/>
+          </p:cNvPicPr>
+          <p:nvPr/>
+        </p:nvPicPr>
+        <p:blipFill>
+          <a:blip r:embed="rId4">
+            <a:extLst>
+              <a:ext uri="{28A0092B-C50C-407E-A947-70E740481C1C}">
+                <a14:useLocalDpi xmlns:a14="http://schemas.microsoft.com/office/drawing/2010/main" val="0"/>
+              </a:ext>
+            </a:extLst>
+          </a:blip>
+          <a:srcRect/>
+          <a:stretch>
+            <a:fillRect/>
+          </a:stretch>
+        </p:blipFill>
+        <p:spPr bwMode="auto">
+          <a:xfrm>
+            <a:off x="5917972" y="1283914"/>
+            <a:ext cx="811213" cy="777875"/>
+          </a:xfrm>
+          <a:prstGeom prst="rect">
+            <a:avLst/>
+          </a:prstGeom>
+          <a:noFill/>
+          <a:extLst>
+            <a:ext uri="{909E8E84-426E-40DD-AFC4-6F175D3DCCD1}">
+              <a14:hiddenFill xmlns:a14="http://schemas.microsoft.com/office/drawing/2010/main">
+                <a:solidFill>
+                  <a:srgbClr val="FFFFFF"/>
+                </a:solidFill>
+              </a14:hiddenFill>
+            </a:ext>
+          </a:extLst>
+        </p:spPr>
+      </p:pic>
+      <p:sp>
+        <p:nvSpPr>
+          <p:cNvPr id="8" name="AutoShape 34">
+            <a:extLst>
+              <a:ext uri="{FF2B5EF4-FFF2-40B4-BE49-F238E27FC236}">
+                <a16:creationId xmlns:a16="http://schemas.microsoft.com/office/drawing/2014/main" id="{C25B9A13-B423-4817-88A7-7FBFF0DFBC6D}"/>
+              </a:ext>
+            </a:extLst>
+          </p:cNvPr>
+          <p:cNvSpPr>
+            <a:spLocks noChangeArrowheads="1"/>
+          </p:cNvSpPr>
+          <p:nvPr/>
+        </p:nvSpPr>
+        <p:spPr bwMode="auto">
+          <a:xfrm>
+            <a:off x="4720923" y="1282830"/>
+            <a:ext cx="849313" cy="717550"/>
+          </a:xfrm>
+          <a:prstGeom prst="flowChartInternalStorage">
+            <a:avLst/>
+          </a:prstGeom>
+          <a:solidFill>
+            <a:srgbClr val="FFFFFF"/>
+          </a:solidFill>
+          <a:ln w="9525">
+            <a:solidFill>
+              <a:srgbClr val="000000"/>
+            </a:solidFill>
+            <a:miter lim="800000"/>
+            <a:headEnd/>
+            <a:tailEnd/>
+          </a:ln>
+        </p:spPr>
+        <p:txBody>
+          <a:bodyPr vert="horz" wrap="square" lIns="91440" tIns="45720" rIns="91440" bIns="45720" numCol="1" anchor="t" anchorCtr="0" compatLnSpc="1">
+            <a:prstTxWarp prst="textNoShape">
+              <a:avLst/>
+            </a:prstTxWarp>
+          </a:bodyPr>
+          <a:lstStyle/>
+          <a:p>
+            <a:pPr marL="0" marR="0" lvl="0" indent="0" algn="ctr" defTabSz="914400" rtl="0" eaLnBrk="0" fontAlgn="base" latinLnBrk="0" hangingPunct="0">
+              <a:lnSpc>
+                <a:spcPct val="100000"/>
+              </a:lnSpc>
+              <a:spcBef>
+                <a:spcPct val="0"/>
+              </a:spcBef>
+              <a:spcAft>
+                <a:spcPct val="0"/>
+              </a:spcAft>
+              <a:buClrTx/>
+              <a:buSzTx/>
+              <a:buFontTx/>
+              <a:buNone/>
+              <a:tabLst/>
+            </a:pPr>
+            <a:r>
+              <a:rPr kumimoji="0" lang="fr-FR" altLang="fr-FR" sz="1600" b="0" i="0" u="none" strike="noStrike" cap="none" normalizeH="0" baseline="0" dirty="0">
+                <a:ln>
+                  <a:noFill/>
+                </a:ln>
+                <a:solidFill>
+                  <a:schemeClr val="tx1"/>
+                </a:solidFill>
+                <a:effectLst/>
+                <a:latin typeface="Verdana" panose="020B0604030504040204" pitchFamily="34" charset="0"/>
+                <a:ea typeface="Times New Roman" panose="02020603050405020304" pitchFamily="18" charset="0"/>
+                <a:cs typeface="Times New Roman" panose="02020603050405020304" pitchFamily="18" charset="0"/>
+              </a:rPr>
+              <a:t>Label</a:t>
+            </a:r>
+            <a:endParaRPr kumimoji="0" lang="fr-FR" altLang="fr-FR" sz="1600" b="0" i="0" u="none" strike="noStrike" cap="none" normalizeH="0" baseline="0" dirty="0">
+              <a:ln>
+                <a:noFill/>
+              </a:ln>
+              <a:solidFill>
+                <a:schemeClr val="tx1"/>
+              </a:solidFill>
+              <a:effectLst/>
+            </a:endParaRPr>
+          </a:p>
+          <a:p>
+            <a:pPr marL="0" marR="0" lvl="0" indent="0" algn="ctr" defTabSz="914400" rtl="0" eaLnBrk="0" fontAlgn="base" latinLnBrk="0" hangingPunct="0">
+              <a:lnSpc>
+                <a:spcPct val="100000"/>
+              </a:lnSpc>
+              <a:spcBef>
+                <a:spcPct val="0"/>
+              </a:spcBef>
+              <a:spcAft>
+                <a:spcPct val="0"/>
+              </a:spcAft>
+              <a:buClrTx/>
+              <a:buSzTx/>
+              <a:buFontTx/>
+              <a:buNone/>
+              <a:tabLst/>
+            </a:pPr>
+            <a:r>
+              <a:rPr kumimoji="0" lang="fr-FR" altLang="fr-FR" sz="1600" b="0" i="1" u="none" strike="noStrike" cap="none" normalizeH="0" baseline="0" dirty="0">
+                <a:ln>
+                  <a:noFill/>
+                </a:ln>
+                <a:solidFill>
+                  <a:schemeClr val="tx1"/>
+                </a:solidFill>
+                <a:effectLst/>
+                <a:latin typeface="Cambria Math" panose="02040503050406030204" pitchFamily="18" charset="0"/>
+                <a:ea typeface="Times New Roman" panose="02020603050405020304" pitchFamily="18" charset="0"/>
+                <a:cs typeface="Times New Roman" panose="02020603050405020304" pitchFamily="18" charset="0"/>
+              </a:rPr>
+              <a:t>y</a:t>
+            </a:r>
+            <a:endParaRPr kumimoji="0" lang="fr-FR" altLang="fr-FR" sz="1600" b="0" i="0" u="none" strike="noStrike" cap="none" normalizeH="0" baseline="0" dirty="0">
+              <a:ln>
+                <a:noFill/>
+              </a:ln>
+              <a:solidFill>
+                <a:schemeClr val="tx1"/>
+              </a:solidFill>
+              <a:effectLst/>
+            </a:endParaRPr>
+          </a:p>
+          <a:p>
+            <a:pPr marL="0" marR="0" lvl="0" indent="0" algn="l" defTabSz="914400" rtl="0" eaLnBrk="0" fontAlgn="base" latinLnBrk="0" hangingPunct="0">
+              <a:lnSpc>
+                <a:spcPct val="100000"/>
+              </a:lnSpc>
+              <a:spcBef>
+                <a:spcPct val="0"/>
+              </a:spcBef>
+              <a:spcAft>
+                <a:spcPct val="0"/>
+              </a:spcAft>
+              <a:buClrTx/>
+              <a:buSzTx/>
+              <a:buFontTx/>
+              <a:buNone/>
+              <a:tabLst/>
+            </a:pPr>
+            <a:endParaRPr kumimoji="0" lang="fr-FR" altLang="fr-FR" sz="1800" b="0" i="0" u="none" strike="noStrike" cap="none" normalizeH="0" baseline="0" dirty="0">
+              <a:ln>
+                <a:noFill/>
+              </a:ln>
+              <a:solidFill>
+                <a:schemeClr val="tx1"/>
+              </a:solidFill>
+              <a:effectLst/>
+              <a:latin typeface="Arial" panose="020B0604020202020204" pitchFamily="34" charset="0"/>
+            </a:endParaRPr>
+          </a:p>
+        </p:txBody>
+      </p:sp>
+      <p:sp>
+        <p:nvSpPr>
+          <p:cNvPr id="37" name="AutoShape 35">
+            <a:extLst>
+              <a:ext uri="{FF2B5EF4-FFF2-40B4-BE49-F238E27FC236}">
+                <a16:creationId xmlns:a16="http://schemas.microsoft.com/office/drawing/2014/main" id="{F74E7CD8-B9D4-4F91-B13C-A5DBAFE84516}"/>
+              </a:ext>
+            </a:extLst>
+          </p:cNvPr>
+          <p:cNvSpPr>
+            <a:spLocks/>
+          </p:cNvSpPr>
+          <p:nvPr/>
+        </p:nvSpPr>
+        <p:spPr bwMode="auto">
+          <a:xfrm rot="16200000">
+            <a:off x="5460979" y="2039674"/>
+            <a:ext cx="314325" cy="1133475"/>
+          </a:xfrm>
+          <a:prstGeom prst="leftBrace">
+            <a:avLst>
+              <a:gd name="adj1" fmla="val 30051"/>
+              <a:gd name="adj2" fmla="val 50000"/>
+            </a:avLst>
+          </a:prstGeom>
+          <a:noFill/>
+          <a:ln w="9525">
+            <a:solidFill>
+              <a:srgbClr val="000000"/>
+            </a:solidFill>
+            <a:round/>
+            <a:headEnd/>
+            <a:tailEnd/>
+          </a:ln>
+          <a:extLst>
+            <a:ext uri="{909E8E84-426E-40DD-AFC4-6F175D3DCCD1}">
+              <a14:hiddenFill xmlns:a14="http://schemas.microsoft.com/office/drawing/2010/main">
+                <a:solidFill>
+                  <a:srgbClr val="FFFFFF"/>
+                </a:solidFill>
+              </a14:hiddenFill>
+            </a:ext>
+          </a:extLst>
+        </p:spPr>
+        <p:txBody>
+          <a:bodyPr rot="0" vert="horz" wrap="square" lIns="91440" tIns="45720" rIns="91440" bIns="45720" anchor="t" anchorCtr="0" upright="1">
+            <a:noAutofit/>
+          </a:bodyPr>
+          <a:lstStyle/>
+          <a:p>
+            <a:endParaRPr lang="fr-BE"/>
+          </a:p>
+        </p:txBody>
+      </p:sp>
+      <p:sp>
+        <p:nvSpPr>
+          <p:cNvPr id="10" name="AutoShape 36">
+            <a:extLst>
+              <a:ext uri="{FF2B5EF4-FFF2-40B4-BE49-F238E27FC236}">
+                <a16:creationId xmlns:a16="http://schemas.microsoft.com/office/drawing/2014/main" id="{44E4394F-C957-45C7-A557-A79D9C061325}"/>
+              </a:ext>
+            </a:extLst>
+          </p:cNvPr>
+          <p:cNvSpPr>
+            <a:spLocks noChangeArrowheads="1"/>
+          </p:cNvSpPr>
+          <p:nvPr/>
+        </p:nvSpPr>
+        <p:spPr bwMode="auto">
+          <a:xfrm>
+            <a:off x="885789" y="4973378"/>
+            <a:ext cx="1000125" cy="717550"/>
+          </a:xfrm>
+          <a:prstGeom prst="flowChartInternalStorage">
+            <a:avLst/>
+          </a:prstGeom>
+          <a:solidFill>
+            <a:srgbClr val="FFFFFF"/>
+          </a:solidFill>
+          <a:ln w="9525">
+            <a:solidFill>
+              <a:srgbClr val="000000"/>
+            </a:solidFill>
+            <a:miter lim="800000"/>
+            <a:headEnd/>
+            <a:tailEnd/>
+          </a:ln>
+        </p:spPr>
+        <p:txBody>
+          <a:bodyPr vert="horz" wrap="square" lIns="91440" tIns="45720" rIns="91440" bIns="45720" numCol="1" anchor="t" anchorCtr="0" compatLnSpc="1">
+            <a:prstTxWarp prst="textNoShape">
+              <a:avLst/>
+            </a:prstTxWarp>
+          </a:bodyPr>
+          <a:lstStyle/>
+          <a:p>
+            <a:pPr marL="0" marR="0" lvl="0" indent="0" algn="ctr" defTabSz="914400" rtl="0" eaLnBrk="0" fontAlgn="base" latinLnBrk="0" hangingPunct="0">
+              <a:lnSpc>
+                <a:spcPct val="100000"/>
+              </a:lnSpc>
+              <a:spcBef>
+                <a:spcPct val="0"/>
+              </a:spcBef>
+              <a:spcAft>
+                <a:spcPct val="0"/>
+              </a:spcAft>
+              <a:buClrTx/>
+              <a:buSzTx/>
+              <a:buFontTx/>
+              <a:buNone/>
+              <a:tabLst/>
+            </a:pPr>
+            <a:r>
+              <a:rPr kumimoji="0" lang="fr-FR" altLang="fr-FR" sz="1100" b="0" i="0" u="none" strike="noStrike" cap="none" normalizeH="0" baseline="0">
+                <a:ln>
+                  <a:noFill/>
+                </a:ln>
+                <a:solidFill>
+                  <a:schemeClr val="tx1"/>
+                </a:solidFill>
+                <a:effectLst/>
+                <a:latin typeface="Verdana" panose="020B0604030504040204" pitchFamily="34" charset="0"/>
+                <a:ea typeface="Times New Roman" panose="02020603050405020304" pitchFamily="18" charset="0"/>
+                <a:cs typeface="Times New Roman" panose="02020603050405020304" pitchFamily="18" charset="0"/>
+              </a:rPr>
+              <a:t>Label</a:t>
+            </a:r>
+            <a:endParaRPr kumimoji="0" lang="fr-FR" altLang="fr-FR" sz="800" b="0" i="0" u="none" strike="noStrike" cap="none" normalizeH="0" baseline="0">
+              <a:ln>
+                <a:noFill/>
+              </a:ln>
+              <a:solidFill>
+                <a:schemeClr val="tx1"/>
+              </a:solidFill>
+              <a:effectLst/>
+            </a:endParaRPr>
+          </a:p>
+          <a:p>
+            <a:pPr marL="0" marR="0" lvl="0" indent="0" algn="ctr" defTabSz="914400" rtl="0" eaLnBrk="0" fontAlgn="base" latinLnBrk="0" hangingPunct="0">
+              <a:lnSpc>
+                <a:spcPct val="100000"/>
+              </a:lnSpc>
+              <a:spcBef>
+                <a:spcPct val="0"/>
+              </a:spcBef>
+              <a:spcAft>
+                <a:spcPct val="0"/>
+              </a:spcAft>
+              <a:buClrTx/>
+              <a:buSzTx/>
+              <a:buFontTx/>
+              <a:buNone/>
+              <a:tabLst/>
+            </a:pPr>
+            <a:r>
+              <a:rPr kumimoji="0" lang="fr-FR" altLang="fr-FR" sz="1600" b="0" i="1" u="none" strike="noStrike" cap="none" normalizeH="0" baseline="0">
+                <a:ln>
+                  <a:noFill/>
+                </a:ln>
+                <a:solidFill>
+                  <a:schemeClr val="tx1"/>
+                </a:solidFill>
+                <a:effectLst/>
+                <a:latin typeface="Cambria Math" panose="02040503050406030204" pitchFamily="18" charset="0"/>
+                <a:ea typeface="Times New Roman" panose="02020603050405020304" pitchFamily="18" charset="0"/>
+                <a:cs typeface="Times New Roman" panose="02020603050405020304" pitchFamily="18" charset="0"/>
+              </a:rPr>
+              <a:t>y</a:t>
+            </a:r>
+            <a:endParaRPr kumimoji="0" lang="fr-FR" altLang="fr-FR" sz="1800" b="0" i="0" u="none" strike="noStrike" cap="none" normalizeH="0" baseline="0">
+              <a:ln>
+                <a:noFill/>
+              </a:ln>
+              <a:solidFill>
+                <a:schemeClr val="tx1"/>
+              </a:solidFill>
+              <a:effectLst/>
+              <a:latin typeface="Arial" panose="020B0604020202020204" pitchFamily="34" charset="0"/>
+            </a:endParaRPr>
+          </a:p>
+        </p:txBody>
+      </p:sp>
+      <p:sp>
+        <p:nvSpPr>
+          <p:cNvPr id="39" name="AutoShape 37">
+            <a:extLst>
+              <a:ext uri="{FF2B5EF4-FFF2-40B4-BE49-F238E27FC236}">
+                <a16:creationId xmlns:a16="http://schemas.microsoft.com/office/drawing/2014/main" id="{EEA37FDC-85F7-45EE-B88E-342F8B5A3205}"/>
               </a:ext>
             </a:extLst>
           </p:cNvPr>
@@ -8939,8 +11029,8 @@
         </p:nvSpPr>
         <p:spPr bwMode="auto">
           <a:xfrm rot="16200000" flipV="1">
-            <a:off x="4779460" y="3209025"/>
-            <a:ext cx="677864" cy="1428855"/>
+            <a:off x="6010592" y="2824285"/>
+            <a:ext cx="416560" cy="1430655"/>
           </a:xfrm>
           <a:custGeom>
             <a:avLst/>
@@ -9065,10 +11155,10 @@
       </p:sp>
       <p:sp>
         <p:nvSpPr>
-          <p:cNvPr id="51" name="AutoShape 20">
-            <a:extLst>
-              <a:ext uri="{FF2B5EF4-FFF2-40B4-BE49-F238E27FC236}">
-                <a16:creationId xmlns:a16="http://schemas.microsoft.com/office/drawing/2014/main" id="{495816FE-360C-4416-AA44-EC25F6B31ED1}"/>
+          <p:cNvPr id="40" name="Rectangle 39">
+            <a:extLst>
+              <a:ext uri="{FF2B5EF4-FFF2-40B4-BE49-F238E27FC236}">
+                <a16:creationId xmlns:a16="http://schemas.microsoft.com/office/drawing/2014/main" id="{ACAEBF3D-6F21-4B33-8B9E-6AD765E82AAB}"/>
               </a:ext>
             </a:extLst>
           </p:cNvPr>
@@ -9079,26 +11169,33 @@
         </p:nvSpPr>
         <p:spPr bwMode="auto">
           <a:xfrm>
-            <a:off x="8063516" y="3262058"/>
-            <a:ext cx="664210" cy="294005"/>
+            <a:off x="2352303" y="4321533"/>
+            <a:ext cx="124460" cy="1216025"/>
           </a:xfrm>
-          <a:prstGeom prst="stripedRightArrow">
-            <a:avLst>
-              <a:gd name="adj1" fmla="val 50000"/>
-              <a:gd name="adj2" fmla="val 56479"/>
-            </a:avLst>
+          <a:prstGeom prst="rect">
+            <a:avLst/>
           </a:prstGeom>
           <a:solidFill>
-            <a:srgbClr val="FFFFFF"/>
+            <a:schemeClr val="accent5">
+              <a:lumMod val="100000"/>
+              <a:lumOff val="0"/>
+            </a:schemeClr>
           </a:solidFill>
-          <a:ln w="9525">
-            <a:solidFill>
-              <a:srgbClr val="000000"/>
-            </a:solidFill>
-            <a:miter lim="800000"/>
-            <a:headEnd/>
-            <a:tailEnd/>
+          <a:ln>
+            <a:noFill/>
           </a:ln>
+          <a:extLst>
+            <a:ext uri="{91240B29-F687-4F45-9708-019B960494DF}">
+              <a14:hiddenLine xmlns:a14="http://schemas.microsoft.com/office/drawing/2010/main" w="9525">
+                <a:solidFill>
+                  <a:srgbClr val="000000"/>
+                </a:solidFill>
+                <a:miter lim="800000"/>
+                <a:headEnd/>
+                <a:tailEnd/>
+              </a14:hiddenLine>
+            </a:ext>
+          </a:extLst>
         </p:spPr>
         <p:txBody>
           <a:bodyPr rot="0" vert="horz" wrap="square" lIns="91440" tIns="45720" rIns="91440" bIns="45720" anchor="t" anchorCtr="0" upright="1">
@@ -9112,10 +11209,10 @@
       </p:sp>
       <p:sp>
         <p:nvSpPr>
-          <p:cNvPr id="2055" name="AutoShape 21">
-            <a:extLst>
-              <a:ext uri="{FF2B5EF4-FFF2-40B4-BE49-F238E27FC236}">
-                <a16:creationId xmlns:a16="http://schemas.microsoft.com/office/drawing/2014/main" id="{C1353CE9-6F77-43DC-8E25-341C7C01ACC2}"/>
+          <p:cNvPr id="41" name="AutoShape 46">
+            <a:extLst>
+              <a:ext uri="{FF2B5EF4-FFF2-40B4-BE49-F238E27FC236}">
+                <a16:creationId xmlns:a16="http://schemas.microsoft.com/office/drawing/2014/main" id="{CAB52954-7D1A-4F63-9474-25A5E903C0EA}"/>
               </a:ext>
             </a:extLst>
           </p:cNvPr>
@@ -9125,184 +11222,14 @@
           <p:nvPr/>
         </p:nvSpPr>
         <p:spPr bwMode="auto">
-          <a:xfrm>
-            <a:off x="8873734" y="2751726"/>
-            <a:ext cx="1000125" cy="1198563"/>
-          </a:xfrm>
-          <a:prstGeom prst="flowChartPredefinedProcess">
-            <a:avLst/>
-          </a:prstGeom>
-          <a:solidFill>
-            <a:srgbClr val="FFFFFF"/>
-          </a:solidFill>
-          <a:ln w="9525">
-            <a:solidFill>
-              <a:srgbClr val="000000"/>
-            </a:solidFill>
-            <a:miter lim="800000"/>
-            <a:headEnd/>
-            <a:tailEnd/>
-          </a:ln>
-        </p:spPr>
-        <p:txBody>
-          <a:bodyPr vert="horz" wrap="square" lIns="91440" tIns="45720" rIns="91440" bIns="45720" numCol="1" anchor="ctr" anchorCtr="0" compatLnSpc="1">
-            <a:prstTxWarp prst="textNoShape">
-              <a:avLst/>
-            </a:prstTxWarp>
-          </a:bodyPr>
-          <a:lstStyle/>
-          <a:p>
-            <a:pPr marL="0" marR="0" lvl="0" indent="0" algn="ctr" defTabSz="914400" rtl="0" eaLnBrk="0" fontAlgn="base" latinLnBrk="0" hangingPunct="0">
-              <a:lnSpc>
-                <a:spcPct val="100000"/>
-              </a:lnSpc>
-              <a:spcBef>
-                <a:spcPct val="0"/>
-              </a:spcBef>
-              <a:spcAft>
-                <a:spcPct val="0"/>
-              </a:spcAft>
-              <a:buClrTx/>
-              <a:buSzTx/>
-              <a:buFontTx/>
-              <a:buNone/>
-              <a:tabLst/>
-            </a:pPr>
-            <a:r>
-              <a:rPr kumimoji="0" lang="fr-FR" altLang="fr-FR" sz="1100" b="0" i="0" u="none" strike="noStrike" cap="none" normalizeH="0" baseline="0" dirty="0">
-                <a:ln>
-                  <a:noFill/>
-                </a:ln>
-                <a:solidFill>
-                  <a:schemeClr val="tx1"/>
-                </a:solidFill>
-                <a:effectLst/>
-                <a:latin typeface="Verdana" panose="020B0604030504040204" pitchFamily="34" charset="0"/>
-                <a:ea typeface="Times New Roman" panose="02020603050405020304" pitchFamily="18" charset="0"/>
-                <a:cs typeface="Times New Roman" panose="02020603050405020304" pitchFamily="18" charset="0"/>
-              </a:rPr>
-              <a:t>VRAIE</a:t>
-            </a:r>
-            <a:endParaRPr kumimoji="0" lang="fr-FR" altLang="fr-FR" sz="800" b="0" i="0" u="none" strike="noStrike" cap="none" normalizeH="0" baseline="0" dirty="0">
-              <a:ln>
-                <a:noFill/>
-              </a:ln>
-              <a:solidFill>
-                <a:schemeClr val="tx1"/>
-              </a:solidFill>
-              <a:effectLst/>
-            </a:endParaRPr>
-          </a:p>
-          <a:p>
-            <a:pPr marL="0" marR="0" lvl="0" indent="0" algn="ctr" defTabSz="914400" rtl="0" eaLnBrk="0" fontAlgn="base" latinLnBrk="0" hangingPunct="0">
-              <a:lnSpc>
-                <a:spcPct val="100000"/>
-              </a:lnSpc>
-              <a:spcBef>
-                <a:spcPct val="0"/>
-              </a:spcBef>
-              <a:spcAft>
-                <a:spcPct val="0"/>
-              </a:spcAft>
-              <a:buClrTx/>
-              <a:buSzTx/>
-              <a:buFontTx/>
-              <a:buNone/>
-              <a:tabLst/>
-            </a:pPr>
-            <a:r>
-              <a:rPr kumimoji="0" lang="fr-FR" altLang="fr-FR" sz="1100" b="0" i="0" u="none" strike="noStrike" cap="none" normalizeH="0" baseline="0" dirty="0">
-                <a:ln>
-                  <a:noFill/>
-                </a:ln>
-                <a:solidFill>
-                  <a:schemeClr val="tx1"/>
-                </a:solidFill>
-                <a:effectLst/>
-                <a:latin typeface="Verdana" panose="020B0604030504040204" pitchFamily="34" charset="0"/>
-                <a:ea typeface="Times New Roman" panose="02020603050405020304" pitchFamily="18" charset="0"/>
-                <a:cs typeface="Times New Roman" panose="02020603050405020304" pitchFamily="18" charset="0"/>
-              </a:rPr>
-              <a:t>OU</a:t>
-            </a:r>
-            <a:endParaRPr kumimoji="0" lang="fr-FR" altLang="fr-FR" sz="800" b="0" i="0" u="none" strike="noStrike" cap="none" normalizeH="0" baseline="0" dirty="0">
-              <a:ln>
-                <a:noFill/>
-              </a:ln>
-              <a:solidFill>
-                <a:schemeClr val="tx1"/>
-              </a:solidFill>
-              <a:effectLst/>
-            </a:endParaRPr>
-          </a:p>
-          <a:p>
-            <a:pPr marL="0" marR="0" lvl="0" indent="0" algn="ctr" defTabSz="914400" rtl="0" eaLnBrk="0" fontAlgn="base" latinLnBrk="0" hangingPunct="0">
-              <a:lnSpc>
-                <a:spcPct val="100000"/>
-              </a:lnSpc>
-              <a:spcBef>
-                <a:spcPct val="0"/>
-              </a:spcBef>
-              <a:spcAft>
-                <a:spcPct val="0"/>
-              </a:spcAft>
-              <a:buClrTx/>
-              <a:buSzTx/>
-              <a:buFontTx/>
-              <a:buNone/>
-              <a:tabLst/>
-            </a:pPr>
-            <a:r>
-              <a:rPr kumimoji="0" lang="fr-FR" altLang="fr-FR" sz="1100" b="0" i="0" u="none" strike="noStrike" cap="none" normalizeH="0" baseline="0" dirty="0">
-                <a:ln>
-                  <a:noFill/>
-                </a:ln>
-                <a:solidFill>
-                  <a:schemeClr val="tx1"/>
-                </a:solidFill>
-                <a:effectLst/>
-                <a:latin typeface="Verdana" panose="020B0604030504040204" pitchFamily="34" charset="0"/>
-                <a:ea typeface="Times New Roman" panose="02020603050405020304" pitchFamily="18" charset="0"/>
-                <a:cs typeface="Times New Roman" panose="02020603050405020304" pitchFamily="18" charset="0"/>
-              </a:rPr>
-              <a:t>FAUSSE</a:t>
-            </a:r>
-            <a:endParaRPr kumimoji="0" lang="fr-FR" altLang="fr-FR" sz="1800" b="0" i="0" u="none" strike="noStrike" cap="none" normalizeH="0" baseline="0" dirty="0">
-              <a:ln>
-                <a:noFill/>
-              </a:ln>
-              <a:solidFill>
-                <a:schemeClr val="tx1"/>
-              </a:solidFill>
-              <a:effectLst/>
-              <a:latin typeface="Arial" panose="020B0604020202020204" pitchFamily="34" charset="0"/>
-            </a:endParaRPr>
-          </a:p>
-        </p:txBody>
-      </p:sp>
-      <p:sp>
-        <p:nvSpPr>
-          <p:cNvPr id="53" name="AutoShape 44">
-            <a:extLst>
-              <a:ext uri="{FF2B5EF4-FFF2-40B4-BE49-F238E27FC236}">
-                <a16:creationId xmlns:a16="http://schemas.microsoft.com/office/drawing/2014/main" id="{158DC79E-19B5-4655-AD90-55B2101E5A9A}"/>
-              </a:ext>
-            </a:extLst>
-          </p:cNvPr>
-          <p:cNvSpPr>
-            <a:spLocks noChangeArrowheads="1"/>
-          </p:cNvSpPr>
-          <p:nvPr/>
-        </p:nvSpPr>
-        <p:spPr bwMode="auto">
-          <a:xfrm>
-            <a:off x="1302756" y="4727532"/>
-            <a:ext cx="665006" cy="182346"/>
+          <a:xfrm rot="16200000">
+            <a:off x="5477525" y="4750810"/>
+            <a:ext cx="1275715" cy="276860"/>
           </a:xfrm>
           <a:prstGeom prst="rightArrow">
             <a:avLst>
               <a:gd name="adj1" fmla="val 50000"/>
-              <a:gd name="adj2" fmla="val 134699"/>
+              <a:gd name="adj2" fmla="val 159950"/>
             </a:avLst>
           </a:prstGeom>
           <a:solidFill>
@@ -9336,10 +11263,10 @@
       </p:sp>
       <p:sp>
         <p:nvSpPr>
-          <p:cNvPr id="2056" name="Zone de texte 84">
-            <a:extLst>
-              <a:ext uri="{FF2B5EF4-FFF2-40B4-BE49-F238E27FC236}">
-                <a16:creationId xmlns:a16="http://schemas.microsoft.com/office/drawing/2014/main" id="{FC552227-D4AA-460D-8C50-0C4E5F87CEA5}"/>
+          <p:cNvPr id="12" name="Zone de texte 255">
+            <a:extLst>
+              <a:ext uri="{FF2B5EF4-FFF2-40B4-BE49-F238E27FC236}">
+                <a16:creationId xmlns:a16="http://schemas.microsoft.com/office/drawing/2014/main" id="{AF47EF8D-5A32-4F1D-9344-711AA36C891E}"/>
               </a:ext>
             </a:extLst>
           </p:cNvPr>
@@ -9350,7 +11277,105 @@
         </p:nvSpPr>
         <p:spPr bwMode="auto">
           <a:xfrm>
-            <a:off x="588010" y="4366826"/>
+            <a:off x="1131094" y="3670997"/>
+            <a:ext cx="566738" cy="1146987"/>
+          </a:xfrm>
+          <a:prstGeom prst="rect">
+            <a:avLst/>
+          </a:prstGeom>
+          <a:noFill/>
+          <a:ln>
+            <a:noFill/>
+          </a:ln>
+          <a:extLst>
+            <a:ext uri="{909E8E84-426E-40DD-AFC4-6F175D3DCCD1}">
+              <a14:hiddenFill xmlns:a14="http://schemas.microsoft.com/office/drawing/2010/main">
+                <a:solidFill>
+                  <a:srgbClr val="FFFFFF"/>
+                </a:solidFill>
+              </a14:hiddenFill>
+            </a:ext>
+            <a:ext uri="{91240B29-F687-4F45-9708-019B960494DF}">
+              <a14:hiddenLine xmlns:a14="http://schemas.microsoft.com/office/drawing/2010/main" w="6350">
+                <a:solidFill>
+                  <a:srgbClr val="000000"/>
+                </a:solidFill>
+                <a:miter lim="800000"/>
+                <a:headEnd/>
+                <a:tailEnd/>
+              </a14:hiddenLine>
+            </a:ext>
+          </a:extLst>
+        </p:spPr>
+        <p:txBody>
+          <a:bodyPr vert="horz" wrap="square" lIns="91440" tIns="45720" rIns="91440" bIns="45720" numCol="1" anchor="t" anchorCtr="0" compatLnSpc="1">
+            <a:prstTxWarp prst="textNoShape">
+              <a:avLst/>
+            </a:prstTxWarp>
+          </a:bodyPr>
+          <a:lstStyle/>
+          <a:p>
+            <a:pPr marL="0" marR="0" lvl="0" indent="0" algn="l" defTabSz="914400" rtl="0" eaLnBrk="0" fontAlgn="base" latinLnBrk="0" hangingPunct="0">
+              <a:lnSpc>
+                <a:spcPct val="100000"/>
+              </a:lnSpc>
+              <a:spcBef>
+                <a:spcPct val="0"/>
+              </a:spcBef>
+              <a:spcAft>
+                <a:spcPct val="0"/>
+              </a:spcAft>
+              <a:buClrTx/>
+              <a:buSzTx/>
+              <a:buFontTx/>
+              <a:buNone/>
+              <a:tabLst/>
+            </a:pPr>
+            <a:r>
+              <a:rPr kumimoji="0" lang="fr-FR" altLang="fr-FR" sz="5400" b="0" i="1" u="none" strike="noStrike" cap="none" normalizeH="0" baseline="0" dirty="0">
+                <a:ln>
+                  <a:noFill/>
+                </a:ln>
+                <a:solidFill>
+                  <a:schemeClr val="tx1"/>
+                </a:solidFill>
+                <a:effectLst/>
+                <a:latin typeface="Cambria Math" panose="02040503050406030204" pitchFamily="18" charset="0"/>
+                <a:ea typeface="Times New Roman" panose="02020603050405020304" pitchFamily="18" charset="0"/>
+                <a:cs typeface="Times New Roman" panose="02020603050405020304" pitchFamily="18" charset="0"/>
+              </a:rPr>
+              <a:t>z</a:t>
+            </a:r>
+            <a:endParaRPr kumimoji="0" lang="fr-FR" altLang="fr-FR" sz="5400" b="0" i="0" u="none" strike="noStrike" cap="none" normalizeH="0" baseline="0" dirty="0">
+              <a:ln>
+                <a:noFill/>
+              </a:ln>
+              <a:solidFill>
+                <a:schemeClr val="tx1"/>
+              </a:solidFill>
+              <a:effectLst/>
+              <a:latin typeface="Arial" panose="020B0604020202020204" pitchFamily="34" charset="0"/>
+            </a:endParaRPr>
+          </a:p>
+        </p:txBody>
+      </p:sp>
+      <p:sp>
+        <p:nvSpPr>
+          <p:cNvPr id="13" name="Zone de texte 86">
+            <a:extLst>
+              <a:ext uri="{FF2B5EF4-FFF2-40B4-BE49-F238E27FC236}">
+                <a16:creationId xmlns:a16="http://schemas.microsoft.com/office/drawing/2014/main" id="{C0EC6666-7F29-4507-8330-C5D4E0AE817A}"/>
+              </a:ext>
+            </a:extLst>
+          </p:cNvPr>
+          <p:cNvSpPr txBox="1">
+            <a:spLocks noChangeArrowheads="1"/>
+          </p:cNvSpPr>
+          <p:nvPr/>
+        </p:nvSpPr>
+        <p:spPr bwMode="auto">
+          <a:xfrm>
+            <a:off x="6010925" y="2004194"/>
             <a:ext cx="485775" cy="368300"/>
           </a:xfrm>
           <a:prstGeom prst="rect">
@@ -9405,7 +11430,7 @@
               <a:tabLst/>
             </a:pPr>
             <a:r>
-              <a:rPr kumimoji="0" lang="fr-FR" altLang="fr-FR" sz="4400" b="0" i="1" u="none" strike="noStrike" cap="none" normalizeH="0" baseline="0" dirty="0">
+              <a:rPr kumimoji="0" lang="fr-FR" altLang="fr-FR" sz="2400" b="0" i="1" u="none" strike="noStrike" cap="none" normalizeH="0" baseline="0" dirty="0">
                 <a:ln>
                   <a:noFill/>
                 </a:ln>
@@ -9417,9 +11442,9 @@
                 <a:ea typeface="Times New Roman" panose="02020603050405020304" pitchFamily="18" charset="0"/>
                 <a:cs typeface="Times New Roman" panose="02020603050405020304" pitchFamily="18" charset="0"/>
               </a:rPr>
-              <a:t>z</a:t>
-            </a:r>
-            <a:endParaRPr kumimoji="0" lang="fr-FR" altLang="fr-FR" sz="4400" b="0" i="0" u="none" strike="noStrike" cap="none" normalizeH="0" baseline="0" dirty="0">
+              <a:t>x</a:t>
+            </a:r>
+            <a:endParaRPr kumimoji="0" lang="fr-FR" altLang="fr-FR" sz="2400" b="0" i="0" u="none" strike="noStrike" cap="none" normalizeH="0" baseline="0" dirty="0">
               <a:ln>
                 <a:noFill/>
               </a:ln>
@@ -9434,21 +11459,302 @@
       </p:sp>
       <p:sp>
         <p:nvSpPr>
-          <p:cNvPr id="2057" name="Rectangle 54">
-            <a:extLst>
-              <a:ext uri="{FF2B5EF4-FFF2-40B4-BE49-F238E27FC236}">
-                <a16:creationId xmlns:a16="http://schemas.microsoft.com/office/drawing/2014/main" id="{D601683B-98A2-4199-BFCC-2A84D41164D5}"/>
-              </a:ext>
-            </a:extLst>
-          </p:cNvPr>
-          <p:cNvSpPr>
+          <p:cNvPr id="14" name="Zone de texte 87">
+            <a:extLst>
+              <a:ext uri="{FF2B5EF4-FFF2-40B4-BE49-F238E27FC236}">
+                <a16:creationId xmlns:a16="http://schemas.microsoft.com/office/drawing/2014/main" id="{606B80C1-F6CE-450C-A456-8D346ED1C3A0}"/>
+              </a:ext>
+            </a:extLst>
+          </p:cNvPr>
+          <p:cNvSpPr txBox="1">
             <a:spLocks noChangeArrowheads="1"/>
           </p:cNvSpPr>
           <p:nvPr/>
         </p:nvSpPr>
         <p:spPr bwMode="auto">
           <a:xfrm>
-            <a:off x="304800" y="1401247"/>
+            <a:off x="4563406" y="5090618"/>
+            <a:ext cx="1543050" cy="1131888"/>
+          </a:xfrm>
+          <a:prstGeom prst="rect">
+            <a:avLst/>
+          </a:prstGeom>
+          <a:noFill/>
+          <a:ln>
+            <a:noFill/>
+          </a:ln>
+          <a:extLst>
+            <a:ext uri="{909E8E84-426E-40DD-AFC4-6F175D3DCCD1}">
+              <a14:hiddenFill xmlns:a14="http://schemas.microsoft.com/office/drawing/2010/main">
+                <a:solidFill>
+                  <a:srgbClr val="FFFFFF"/>
+                </a:solidFill>
+              </a14:hiddenFill>
+            </a:ext>
+            <a:ext uri="{91240B29-F687-4F45-9708-019B960494DF}">
+              <a14:hiddenLine xmlns:a14="http://schemas.microsoft.com/office/drawing/2010/main" w="6350">
+                <a:solidFill>
+                  <a:srgbClr val="000000"/>
+                </a:solidFill>
+                <a:miter lim="800000"/>
+                <a:headEnd/>
+                <a:tailEnd/>
+              </a14:hiddenLine>
+            </a:ext>
+          </a:extLst>
+        </p:spPr>
+        <p:txBody>
+          <a:bodyPr vert="horz" wrap="square" lIns="91440" tIns="45720" rIns="91440" bIns="45720" numCol="1" anchor="t" anchorCtr="0" compatLnSpc="1">
+            <a:prstTxWarp prst="textNoShape">
+              <a:avLst/>
+            </a:prstTxWarp>
+          </a:bodyPr>
+          <a:lstStyle/>
+          <a:p>
+            <a:pPr marL="0" marR="0" lvl="0" indent="0" algn="l" defTabSz="914400" rtl="0" eaLnBrk="0" fontAlgn="base" latinLnBrk="0" hangingPunct="0">
+              <a:lnSpc>
+                <a:spcPct val="100000"/>
+              </a:lnSpc>
+              <a:spcBef>
+                <a:spcPct val="0"/>
+              </a:spcBef>
+              <a:spcAft>
+                <a:spcPct val="0"/>
+              </a:spcAft>
+              <a:buClrTx/>
+              <a:buSzTx/>
+              <a:buFontTx/>
+              <a:buNone/>
+              <a:tabLst/>
+            </a:pPr>
+            <a:r>
+              <a:rPr kumimoji="0" lang="fr-FR" altLang="fr-FR" sz="1100" b="0" i="0" u="none" strike="noStrike" cap="none" normalizeH="0" baseline="0" dirty="0">
+                <a:ln>
+                  <a:noFill/>
+                </a:ln>
+                <a:solidFill>
+                  <a:schemeClr val="tx1"/>
+                </a:solidFill>
+                <a:effectLst/>
+                <a:latin typeface="Verdana" panose="020B0604030504040204" pitchFamily="34" charset="0"/>
+                <a:ea typeface="Times New Roman" panose="02020603050405020304" pitchFamily="18" charset="0"/>
+                <a:cs typeface="Times New Roman" panose="02020603050405020304" pitchFamily="18" charset="0"/>
+              </a:rPr>
+              <a:t>Fausse image </a:t>
+            </a:r>
+            <a:r>
+              <a:rPr kumimoji="0" lang="fr-FR" altLang="fr-FR" sz="1600" b="0" i="1" u="none" strike="noStrike" cap="none" normalizeH="0" baseline="0" dirty="0">
+                <a:ln>
+                  <a:noFill/>
+                </a:ln>
+                <a:solidFill>
+                  <a:schemeClr val="tx1"/>
+                </a:solidFill>
+                <a:effectLst/>
+                <a:latin typeface="Cambria Math" panose="02040503050406030204" pitchFamily="18" charset="0"/>
+                <a:ea typeface="Times New Roman" panose="02020603050405020304" pitchFamily="18" charset="0"/>
+                <a:cs typeface="Times New Roman" panose="02020603050405020304" pitchFamily="18" charset="0"/>
+              </a:rPr>
+              <a:t>G(</a:t>
+            </a:r>
+            <a:r>
+              <a:rPr kumimoji="0" lang="fr-FR" altLang="fr-FR" sz="1600" b="0" i="1" u="none" strike="noStrike" cap="none" normalizeH="0" baseline="0" dirty="0" err="1">
+                <a:ln>
+                  <a:noFill/>
+                </a:ln>
+                <a:solidFill>
+                  <a:schemeClr val="tx1"/>
+                </a:solidFill>
+                <a:effectLst/>
+                <a:latin typeface="Cambria Math" panose="02040503050406030204" pitchFamily="18" charset="0"/>
+                <a:ea typeface="Times New Roman" panose="02020603050405020304" pitchFamily="18" charset="0"/>
+                <a:cs typeface="Times New Roman" panose="02020603050405020304" pitchFamily="18" charset="0"/>
+              </a:rPr>
+              <a:t>z|y</a:t>
+            </a:r>
+            <a:r>
+              <a:rPr kumimoji="0" lang="fr-FR" altLang="fr-FR" sz="1600" b="0" i="1" u="none" strike="noStrike" cap="none" normalizeH="0" baseline="0" dirty="0">
+                <a:ln>
+                  <a:noFill/>
+                </a:ln>
+                <a:solidFill>
+                  <a:schemeClr val="tx1"/>
+                </a:solidFill>
+                <a:effectLst/>
+                <a:latin typeface="Cambria Math" panose="02040503050406030204" pitchFamily="18" charset="0"/>
+                <a:ea typeface="Times New Roman" panose="02020603050405020304" pitchFamily="18" charset="0"/>
+                <a:cs typeface="Times New Roman" panose="02020603050405020304" pitchFamily="18" charset="0"/>
+              </a:rPr>
+              <a:t>)</a:t>
+            </a:r>
+            <a:endParaRPr kumimoji="0" lang="fr-FR" altLang="fr-FR" sz="800" b="0" i="0" u="none" strike="noStrike" cap="none" normalizeH="0" baseline="0" dirty="0">
+              <a:ln>
+                <a:noFill/>
+              </a:ln>
+              <a:solidFill>
+                <a:schemeClr val="tx1"/>
+              </a:solidFill>
+              <a:effectLst/>
+            </a:endParaRPr>
+          </a:p>
+          <a:p>
+            <a:pPr marL="0" marR="0" lvl="0" indent="0" algn="l" defTabSz="914400" rtl="0" eaLnBrk="0" fontAlgn="base" latinLnBrk="0" hangingPunct="0">
+              <a:lnSpc>
+                <a:spcPct val="100000"/>
+              </a:lnSpc>
+              <a:spcBef>
+                <a:spcPct val="0"/>
+              </a:spcBef>
+              <a:spcAft>
+                <a:spcPct val="0"/>
+              </a:spcAft>
+              <a:buClrTx/>
+              <a:buSzTx/>
+              <a:buFontTx/>
+              <a:buNone/>
+              <a:tabLst/>
+            </a:pPr>
+            <a:endParaRPr kumimoji="0" lang="fr-FR" altLang="fr-FR" sz="1800" b="0" i="0" u="none" strike="noStrike" cap="none" normalizeH="0" baseline="0" dirty="0">
+              <a:ln>
+                <a:noFill/>
+              </a:ln>
+              <a:solidFill>
+                <a:schemeClr val="tx1"/>
+              </a:solidFill>
+              <a:effectLst/>
+              <a:latin typeface="Arial" panose="020B0604020202020204" pitchFamily="34" charset="0"/>
+            </a:endParaRPr>
+          </a:p>
+        </p:txBody>
+      </p:sp>
+      <p:sp>
+        <p:nvSpPr>
+          <p:cNvPr id="45" name="AutoShape 24">
+            <a:extLst>
+              <a:ext uri="{FF2B5EF4-FFF2-40B4-BE49-F238E27FC236}">
+                <a16:creationId xmlns:a16="http://schemas.microsoft.com/office/drawing/2014/main" id="{C750FDAF-7ED1-49FA-9445-300B8E0B9ED0}"/>
+              </a:ext>
+            </a:extLst>
+          </p:cNvPr>
+          <p:cNvSpPr>
+            <a:spLocks noChangeArrowheads="1"/>
+          </p:cNvSpPr>
+          <p:nvPr/>
+        </p:nvSpPr>
+        <p:spPr bwMode="auto">
+          <a:xfrm>
+            <a:off x="4365422" y="4327714"/>
+            <a:ext cx="460375" cy="192405"/>
+          </a:xfrm>
+          <a:prstGeom prst="rightArrow">
+            <a:avLst>
+              <a:gd name="adj1" fmla="val 50000"/>
+              <a:gd name="adj2" fmla="val 134699"/>
+            </a:avLst>
+          </a:prstGeom>
+          <a:solidFill>
+            <a:schemeClr val="accent5">
+              <a:lumMod val="100000"/>
+              <a:lumOff val="0"/>
+            </a:schemeClr>
+          </a:solidFill>
+          <a:ln>
+            <a:noFill/>
+          </a:ln>
+          <a:extLst>
+            <a:ext uri="{91240B29-F687-4F45-9708-019B960494DF}">
+              <a14:hiddenLine xmlns:a14="http://schemas.microsoft.com/office/drawing/2010/main" w="9525">
+                <a:solidFill>
+                  <a:srgbClr val="000000"/>
+                </a:solidFill>
+                <a:miter lim="800000"/>
+                <a:headEnd/>
+                <a:tailEnd/>
+              </a14:hiddenLine>
+            </a:ext>
+          </a:extLst>
+        </p:spPr>
+        <p:txBody>
+          <a:bodyPr rot="0" vert="horz" wrap="square" lIns="91440" tIns="45720" rIns="91440" bIns="45720" anchor="t" anchorCtr="0" upright="1">
+            <a:noAutofit/>
+          </a:bodyPr>
+          <a:lstStyle/>
+          <a:p>
+            <a:endParaRPr lang="fr-BE"/>
+          </a:p>
+        </p:txBody>
+      </p:sp>
+      <p:sp>
+        <p:nvSpPr>
+          <p:cNvPr id="46" name="AutoShape 35">
+            <a:extLst>
+              <a:ext uri="{FF2B5EF4-FFF2-40B4-BE49-F238E27FC236}">
+                <a16:creationId xmlns:a16="http://schemas.microsoft.com/office/drawing/2014/main" id="{275DB22A-97F5-430C-8A0D-C21EB474DABF}"/>
+              </a:ext>
+            </a:extLst>
+          </p:cNvPr>
+          <p:cNvSpPr>
+            <a:spLocks/>
+          </p:cNvSpPr>
+          <p:nvPr/>
+        </p:nvSpPr>
+        <p:spPr bwMode="auto">
+          <a:xfrm rot="5400000">
+            <a:off x="5469607" y="3435985"/>
+            <a:ext cx="314325" cy="1133475"/>
+          </a:xfrm>
+          <a:prstGeom prst="leftBrace">
+            <a:avLst>
+              <a:gd name="adj1" fmla="val 30051"/>
+              <a:gd name="adj2" fmla="val 50000"/>
+            </a:avLst>
+          </a:prstGeom>
+          <a:noFill/>
+          <a:ln w="9525">
+            <a:solidFill>
+              <a:srgbClr val="000000"/>
+            </a:solidFill>
+            <a:round/>
+            <a:headEnd/>
+            <a:tailEnd/>
+          </a:ln>
+          <a:extLst>
+            <a:ext uri="{909E8E84-426E-40DD-AFC4-6F175D3DCCD1}">
+              <a14:hiddenFill xmlns:a14="http://schemas.microsoft.com/office/drawing/2010/main">
+                <a:solidFill>
+                  <a:srgbClr val="FFFFFF"/>
+                </a:solidFill>
+              </a14:hiddenFill>
+            </a:ext>
+          </a:extLst>
+        </p:spPr>
+        <p:txBody>
+          <a:bodyPr rot="0" vert="horz" wrap="square" lIns="91440" tIns="45720" rIns="91440" bIns="45720" anchor="t" anchorCtr="0" upright="1">
+            <a:noAutofit/>
+          </a:bodyPr>
+          <a:lstStyle/>
+          <a:p>
+            <a:endParaRPr lang="fr-BE"/>
+          </a:p>
+        </p:txBody>
+      </p:sp>
+      <p:sp>
+        <p:nvSpPr>
+          <p:cNvPr id="15" name="Rectangle 21">
+            <a:extLst>
+              <a:ext uri="{FF2B5EF4-FFF2-40B4-BE49-F238E27FC236}">
+                <a16:creationId xmlns:a16="http://schemas.microsoft.com/office/drawing/2014/main" id="{59D2C570-1A7F-4209-8CBE-246FD4A40716}"/>
+              </a:ext>
+            </a:extLst>
+          </p:cNvPr>
+          <p:cNvSpPr>
+            <a:spLocks noChangeArrowheads="1"/>
+          </p:cNvSpPr>
+          <p:nvPr/>
+        </p:nvSpPr>
+        <p:spPr bwMode="auto">
+          <a:xfrm>
+            <a:off x="755779" y="1313872"/>
             <a:ext cx="12192000" cy="457200"/>
           </a:xfrm>
           <a:prstGeom prst="rect">
@@ -9489,7 +11795,7 @@
           </a:extLst>
         </p:spPr>
         <p:txBody>
-          <a:bodyPr vert="horz" wrap="none" lIns="91440" tIns="45720" rIns="91440" bIns="45720" numCol="1" anchor="ctr" anchorCtr="0" compatLnSpc="1">
+          <a:bodyPr vert="horz" wrap="none" lIns="365010" tIns="76176" rIns="91440" bIns="152352" numCol="1" anchor="ctr" anchorCtr="0" compatLnSpc="1">
             <a:prstTxWarp prst="textNoShape">
               <a:avLst/>
             </a:prstTxWarp>
@@ -9503,10 +11809,10 @@
       </p:sp>
       <p:sp>
         <p:nvSpPr>
-          <p:cNvPr id="2058" name="Rectangle 55">
-            <a:extLst>
-              <a:ext uri="{FF2B5EF4-FFF2-40B4-BE49-F238E27FC236}">
-                <a16:creationId xmlns:a16="http://schemas.microsoft.com/office/drawing/2014/main" id="{A78158CE-C9E9-4808-B773-C01D500E742C}"/>
+          <p:cNvPr id="16" name="Rectangle 22">
+            <a:extLst>
+              <a:ext uri="{FF2B5EF4-FFF2-40B4-BE49-F238E27FC236}">
+                <a16:creationId xmlns:a16="http://schemas.microsoft.com/office/drawing/2014/main" id="{B6D38EB6-F27D-4DF6-9355-98AFBFEEED45}"/>
               </a:ext>
             </a:extLst>
           </p:cNvPr>
@@ -9517,8 +11823,8 @@
         </p:nvSpPr>
         <p:spPr bwMode="auto">
           <a:xfrm>
-            <a:off x="304800" y="1858447"/>
-            <a:ext cx="12192000" cy="457200"/>
+            <a:off x="838200" y="1869004"/>
+            <a:ext cx="12192000" cy="0"/>
           </a:xfrm>
           <a:prstGeom prst="rect">
             <a:avLst/>
@@ -9565,142 +11871,6 @@
             <a:spAutoFit/>
           </a:bodyPr>
           <a:lstStyle/>
-          <a:p>
-            <a:endParaRPr lang="fr-BE"/>
-          </a:p>
-        </p:txBody>
-      </p:sp>
-      <p:sp>
-        <p:nvSpPr>
-          <p:cNvPr id="2060" name="Rectangle 57">
-            <a:extLst>
-              <a:ext uri="{FF2B5EF4-FFF2-40B4-BE49-F238E27FC236}">
-                <a16:creationId xmlns:a16="http://schemas.microsoft.com/office/drawing/2014/main" id="{90B5CCA3-A1A8-4B43-BEBD-E500C68F3F81}"/>
-              </a:ext>
-            </a:extLst>
-          </p:cNvPr>
-          <p:cNvSpPr>
-            <a:spLocks noChangeArrowheads="1"/>
-          </p:cNvSpPr>
-          <p:nvPr/>
-        </p:nvSpPr>
-        <p:spPr bwMode="auto">
-          <a:xfrm>
-            <a:off x="304800" y="2315647"/>
-            <a:ext cx="12192000" cy="0"/>
-          </a:xfrm>
-          <a:prstGeom prst="rect">
-            <a:avLst/>
-          </a:prstGeom>
-          <a:noFill/>
-          <a:ln>
-            <a:noFill/>
-          </a:ln>
-          <a:effectLst/>
-          <a:extLst>
-            <a:ext uri="{909E8E84-426E-40DD-AFC4-6F175D3DCCD1}">
-              <a14:hiddenFill xmlns:a14="http://schemas.microsoft.com/office/drawing/2010/main">
-                <a:solidFill>
-                  <a:schemeClr val="accent1"/>
-                </a:solidFill>
-              </a14:hiddenFill>
-            </a:ext>
-            <a:ext uri="{91240B29-F687-4F45-9708-019B960494DF}">
-              <a14:hiddenLine xmlns:a14="http://schemas.microsoft.com/office/drawing/2010/main" w="9525">
-                <a:solidFill>
-                  <a:schemeClr val="tx1"/>
-                </a:solidFill>
-                <a:miter lim="800000"/>
-                <a:headEnd/>
-                <a:tailEnd/>
-              </a14:hiddenLine>
-            </a:ext>
-            <a:ext uri="{AF507438-7753-43E0-B8FC-AC1667EBCBE1}">
-              <a14:hiddenEffects xmlns:a14="http://schemas.microsoft.com/office/drawing/2010/main">
-                <a:effectLst>
-                  <a:outerShdw dist="35921" dir="2700000" algn="ctr" rotWithShape="0">
-                    <a:schemeClr val="bg2"/>
-                  </a:outerShdw>
-                </a:effectLst>
-              </a14:hiddenEffects>
-            </a:ext>
-          </a:extLst>
-        </p:spPr>
-        <p:txBody>
-          <a:bodyPr vert="horz" wrap="none" lIns="91440" tIns="45720" rIns="91440" bIns="45720" numCol="1" anchor="ctr" anchorCtr="0" compatLnSpc="1">
-            <a:prstTxWarp prst="textNoShape">
-              <a:avLst/>
-            </a:prstTxWarp>
-            <a:spAutoFit/>
-          </a:bodyPr>
-          <a:lstStyle/>
-          <a:p>
-            <a:pPr marL="0" marR="0" lvl="0" indent="0" algn="l" defTabSz="914400" rtl="0" eaLnBrk="0" fontAlgn="base" latinLnBrk="0" hangingPunct="0">
-              <a:lnSpc>
-                <a:spcPct val="100000"/>
-              </a:lnSpc>
-              <a:spcBef>
-                <a:spcPct val="0"/>
-              </a:spcBef>
-              <a:spcAft>
-                <a:spcPct val="0"/>
-              </a:spcAft>
-              <a:buClrTx/>
-              <a:buSzTx/>
-              <a:buFontTx/>
-              <a:buNone/>
-              <a:tabLst/>
-            </a:pPr>
-            <a:endParaRPr kumimoji="0" lang="fr-BE" altLang="fr-FR" sz="800" b="0" i="0" u="none" strike="noStrike" cap="none" normalizeH="0" baseline="0">
-              <a:ln>
-                <a:noFill/>
-              </a:ln>
-              <a:solidFill>
-                <a:schemeClr val="tx1"/>
-              </a:solidFill>
-              <a:effectLst/>
-            </a:endParaRPr>
-          </a:p>
-          <a:p>
-            <a:pPr marL="0" marR="0" lvl="0" indent="0" algn="l" defTabSz="914400" rtl="0" eaLnBrk="0" fontAlgn="base" latinLnBrk="0" hangingPunct="0">
-              <a:lnSpc>
-                <a:spcPct val="100000"/>
-              </a:lnSpc>
-              <a:spcBef>
-                <a:spcPct val="0"/>
-              </a:spcBef>
-              <a:spcAft>
-                <a:spcPct val="0"/>
-              </a:spcAft>
-              <a:buClrTx/>
-              <a:buSzTx/>
-              <a:buFontTx/>
-              <a:buNone/>
-              <a:tabLst/>
-            </a:pPr>
-            <a:br>
-              <a:rPr kumimoji="0" lang="fr-BE" altLang="fr-FR" sz="1800" b="0" i="0" u="none" strike="noStrike" cap="none" normalizeH="0" baseline="0">
-                <a:ln>
-                  <a:noFill/>
-                </a:ln>
-                <a:solidFill>
-                  <a:schemeClr val="tx1"/>
-                </a:solidFill>
-                <a:effectLst/>
-                <a:latin typeface="Arial" panose="020B0604020202020204" pitchFamily="34" charset="0"/>
-              </a:rPr>
-            </a:br>
-            <a:endParaRPr kumimoji="0" lang="fr-BE" altLang="fr-FR" sz="1800" b="0" i="0" u="none" strike="noStrike" cap="none" normalizeH="0" baseline="0">
-              <a:ln>
-                <a:noFill/>
-              </a:ln>
-              <a:solidFill>
-                <a:schemeClr val="tx1"/>
-              </a:solidFill>
-              <a:effectLst/>
-              <a:latin typeface="Arial" panose="020B0604020202020204" pitchFamily="34" charset="0"/>
-            </a:endParaRPr>
-          </a:p>
           <a:p>
             <a:pPr marL="0" marR="0" lvl="0" indent="0" algn="l" defTabSz="914400" rtl="0" eaLnBrk="0" fontAlgn="base" latinLnBrk="0" hangingPunct="0">
               <a:lnSpc>
@@ -9733,10 +11903,10 @@
       </p:sp>
       <p:sp>
         <p:nvSpPr>
-          <p:cNvPr id="2061" name="Rectangle 59">
-            <a:extLst>
-              <a:ext uri="{FF2B5EF4-FFF2-40B4-BE49-F238E27FC236}">
-                <a16:creationId xmlns:a16="http://schemas.microsoft.com/office/drawing/2014/main" id="{E3D8B7DF-4B2F-4B77-9608-9B771B694975}"/>
+          <p:cNvPr id="17" name="Rectangle 24">
+            <a:extLst>
+              <a:ext uri="{FF2B5EF4-FFF2-40B4-BE49-F238E27FC236}">
+                <a16:creationId xmlns:a16="http://schemas.microsoft.com/office/drawing/2014/main" id="{6AFF3AB2-E273-4231-B0B1-6828F0D81965}"/>
               </a:ext>
             </a:extLst>
           </p:cNvPr>
@@ -9747,8 +11917,8 @@
         </p:nvSpPr>
         <p:spPr bwMode="auto">
           <a:xfrm>
-            <a:off x="3813572" y="2235045"/>
-            <a:ext cx="1537601" cy="584775"/>
+            <a:off x="838200" y="1684338"/>
+            <a:ext cx="638636" cy="369332"/>
           </a:xfrm>
           <a:prstGeom prst="rect">
             <a:avLst/>
@@ -9794,32 +11964,152 @@
             </a:prstTxWarp>
             <a:spAutoFit/>
           </a:bodyPr>
-          <a:lstStyle/>
-          <a:p>
-            <a:pPr algn="ctr" eaLnBrk="0" fontAlgn="base" hangingPunct="0">
+          <a:lstStyle>
+            <a:lvl1pPr indent="449263" eaLnBrk="0" fontAlgn="base" hangingPunct="0">
               <a:spcBef>
                 <a:spcPct val="0"/>
               </a:spcBef>
               <a:spcAft>
                 <a:spcPct val="0"/>
               </a:spcAft>
+              <a:defRPr>
+                <a:solidFill>
+                  <a:schemeClr val="tx1"/>
+                </a:solidFill>
+                <a:latin typeface="Arial" panose="020B0604020202020204" pitchFamily="34" charset="0"/>
+              </a:defRPr>
+            </a:lvl1pPr>
+            <a:lvl2pPr eaLnBrk="0" fontAlgn="base" hangingPunct="0">
+              <a:spcBef>
+                <a:spcPct val="0"/>
+              </a:spcBef>
+              <a:spcAft>
+                <a:spcPct val="0"/>
+              </a:spcAft>
+              <a:defRPr>
+                <a:solidFill>
+                  <a:schemeClr val="tx1"/>
+                </a:solidFill>
+                <a:latin typeface="Arial" panose="020B0604020202020204" pitchFamily="34" charset="0"/>
+              </a:defRPr>
+            </a:lvl2pPr>
+            <a:lvl3pPr eaLnBrk="0" fontAlgn="base" hangingPunct="0">
+              <a:spcBef>
+                <a:spcPct val="0"/>
+              </a:spcBef>
+              <a:spcAft>
+                <a:spcPct val="0"/>
+              </a:spcAft>
+              <a:defRPr>
+                <a:solidFill>
+                  <a:schemeClr val="tx1"/>
+                </a:solidFill>
+                <a:latin typeface="Arial" panose="020B0604020202020204" pitchFamily="34" charset="0"/>
+              </a:defRPr>
+            </a:lvl3pPr>
+            <a:lvl4pPr eaLnBrk="0" fontAlgn="base" hangingPunct="0">
+              <a:spcBef>
+                <a:spcPct val="0"/>
+              </a:spcBef>
+              <a:spcAft>
+                <a:spcPct val="0"/>
+              </a:spcAft>
+              <a:defRPr>
+                <a:solidFill>
+                  <a:schemeClr val="tx1"/>
+                </a:solidFill>
+                <a:latin typeface="Arial" panose="020B0604020202020204" pitchFamily="34" charset="0"/>
+              </a:defRPr>
+            </a:lvl4pPr>
+            <a:lvl5pPr eaLnBrk="0" fontAlgn="base" hangingPunct="0">
+              <a:spcBef>
+                <a:spcPct val="0"/>
+              </a:spcBef>
+              <a:spcAft>
+                <a:spcPct val="0"/>
+              </a:spcAft>
+              <a:defRPr>
+                <a:solidFill>
+                  <a:schemeClr val="tx1"/>
+                </a:solidFill>
+                <a:latin typeface="Arial" panose="020B0604020202020204" pitchFamily="34" charset="0"/>
+              </a:defRPr>
+            </a:lvl5pPr>
+            <a:lvl6pPr eaLnBrk="0" fontAlgn="base" hangingPunct="0">
+              <a:spcBef>
+                <a:spcPct val="0"/>
+              </a:spcBef>
+              <a:spcAft>
+                <a:spcPct val="0"/>
+              </a:spcAft>
+              <a:defRPr>
+                <a:solidFill>
+                  <a:schemeClr val="tx1"/>
+                </a:solidFill>
+                <a:latin typeface="Arial" panose="020B0604020202020204" pitchFamily="34" charset="0"/>
+              </a:defRPr>
+            </a:lvl6pPr>
+            <a:lvl7pPr eaLnBrk="0" fontAlgn="base" hangingPunct="0">
+              <a:spcBef>
+                <a:spcPct val="0"/>
+              </a:spcBef>
+              <a:spcAft>
+                <a:spcPct val="0"/>
+              </a:spcAft>
+              <a:defRPr>
+                <a:solidFill>
+                  <a:schemeClr val="tx1"/>
+                </a:solidFill>
+                <a:latin typeface="Arial" panose="020B0604020202020204" pitchFamily="34" charset="0"/>
+              </a:defRPr>
+            </a:lvl7pPr>
+            <a:lvl8pPr eaLnBrk="0" fontAlgn="base" hangingPunct="0">
+              <a:spcBef>
+                <a:spcPct val="0"/>
+              </a:spcBef>
+              <a:spcAft>
+                <a:spcPct val="0"/>
+              </a:spcAft>
+              <a:defRPr>
+                <a:solidFill>
+                  <a:schemeClr val="tx1"/>
+                </a:solidFill>
+                <a:latin typeface="Arial" panose="020B0604020202020204" pitchFamily="34" charset="0"/>
+              </a:defRPr>
+            </a:lvl8pPr>
+            <a:lvl9pPr eaLnBrk="0" fontAlgn="base" hangingPunct="0">
+              <a:spcBef>
+                <a:spcPct val="0"/>
+              </a:spcBef>
+              <a:spcAft>
+                <a:spcPct val="0"/>
+              </a:spcAft>
+              <a:defRPr>
+                <a:solidFill>
+                  <a:schemeClr val="tx1"/>
+                </a:solidFill>
+                <a:latin typeface="Arial" panose="020B0604020202020204" pitchFamily="34" charset="0"/>
+              </a:defRPr>
+            </a:lvl9pPr>
+          </a:lstStyle>
+          <a:p>
+            <a:pPr marL="0" marR="0" lvl="0" indent="449263" algn="l" defTabSz="914400" rtl="0" eaLnBrk="0" fontAlgn="base" latinLnBrk="0" hangingPunct="0">
+              <a:lnSpc>
+                <a:spcPct val="100000"/>
+              </a:lnSpc>
+              <a:spcBef>
+                <a:spcPct val="0"/>
+              </a:spcBef>
+              <a:spcAft>
+                <a:spcPct val="0"/>
+              </a:spcAft>
+              <a:buClrTx/>
+              <a:buSzTx/>
+              <a:buFontTx/>
+              <a:buNone/>
+              <a:tabLst/>
             </a:pPr>
-            <a:r>
-              <a:rPr kumimoji="0" lang="fr-BE" altLang="fr-FR" sz="1600" b="0" i="0" u="none" strike="noStrike" cap="none" normalizeH="0" baseline="0" dirty="0">
-                <a:ln>
-                  <a:noFill/>
-                </a:ln>
-                <a:solidFill>
-                  <a:schemeClr val="tx1"/>
-                </a:solidFill>
-                <a:effectLst/>
-                <a:latin typeface="Verdana" panose="020B0604030504040204" pitchFamily="34" charset="0"/>
-                <a:ea typeface="Times New Roman" panose="02020603050405020304" pitchFamily="18" charset="0"/>
-                <a:cs typeface="Times New Roman" panose="02020603050405020304" pitchFamily="18" charset="0"/>
-              </a:rPr>
-              <a:t>Image Réelle</a:t>
-            </a:r>
-            <a:endParaRPr kumimoji="0" lang="fr-BE" altLang="fr-FR" sz="1600" b="0" i="0" u="none" strike="noStrike" cap="none" normalizeH="0" baseline="0" dirty="0">
+            <a:endParaRPr kumimoji="0" lang="fr-BE" altLang="fr-FR" sz="1800" b="0" i="0" u="none" strike="noStrike" cap="none" normalizeH="0" baseline="0" dirty="0">
               <a:ln>
                 <a:noFill/>
               </a:ln>
@@ -9827,58 +12117,17 @@
                 <a:schemeClr val="tx1"/>
               </a:solidFill>
               <a:effectLst/>
+              <a:latin typeface="Arial" panose="020B0604020202020204" pitchFamily="34" charset="0"/>
             </a:endParaRPr>
           </a:p>
-          <a:p>
-            <a:pPr marL="0" marR="0" lvl="0" indent="0" algn="ctr" defTabSz="914400" rtl="0" eaLnBrk="0" fontAlgn="base" latinLnBrk="0" hangingPunct="0">
-              <a:lnSpc>
-                <a:spcPct val="100000"/>
-              </a:lnSpc>
-              <a:spcBef>
-                <a:spcPct val="0"/>
-              </a:spcBef>
-              <a:spcAft>
-                <a:spcPct val="0"/>
-              </a:spcAft>
-              <a:buClrTx/>
-              <a:buSzTx/>
-              <a:buFontTx/>
-              <a:buNone/>
-              <a:tabLst/>
-            </a:pPr>
-            <a:r>
-              <a:rPr kumimoji="0" lang="fr-BE" altLang="fr-FR" sz="1600" b="0" i="1" u="none" strike="noStrike" cap="none" normalizeH="0" baseline="0" dirty="0">
-                <a:ln>
-                  <a:noFill/>
-                </a:ln>
-                <a:solidFill>
-                  <a:schemeClr val="tx1"/>
-                </a:solidFill>
-                <a:effectLst/>
-                <a:latin typeface="Cambria Math" panose="02040503050406030204" pitchFamily="18" charset="0"/>
-                <a:ea typeface="Times New Roman" panose="02020603050405020304" pitchFamily="18" charset="0"/>
-                <a:cs typeface="Times New Roman" panose="02020603050405020304" pitchFamily="18" charset="0"/>
-              </a:rPr>
-              <a:t>x</a:t>
-            </a:r>
-            <a:endParaRPr kumimoji="0" lang="fr-BE" altLang="fr-FR" sz="1600" b="0" i="0" u="none" strike="noStrike" cap="none" normalizeH="0" baseline="0" dirty="0">
-              <a:ln>
-                <a:noFill/>
-              </a:ln>
-              <a:solidFill>
-                <a:schemeClr val="tx1"/>
-              </a:solidFill>
-              <a:effectLst/>
-            </a:endParaRPr>
-          </a:p>
-        </p:txBody>
-      </p:sp>
-      <p:sp>
-        <p:nvSpPr>
-          <p:cNvPr id="2063" name="Rectangle 62">
-            <a:extLst>
-              <a:ext uri="{FF2B5EF4-FFF2-40B4-BE49-F238E27FC236}">
-                <a16:creationId xmlns:a16="http://schemas.microsoft.com/office/drawing/2014/main" id="{8A8127A7-2EA5-462F-BF78-FAC7186D57A2}"/>
+        </p:txBody>
+      </p:sp>
+      <p:sp>
+        <p:nvSpPr>
+          <p:cNvPr id="18" name="Rectangle 26">
+            <a:extLst>
+              <a:ext uri="{FF2B5EF4-FFF2-40B4-BE49-F238E27FC236}">
+                <a16:creationId xmlns:a16="http://schemas.microsoft.com/office/drawing/2014/main" id="{F1E1D58F-A040-440A-88FE-5B73D5FAAD36}"/>
               </a:ext>
             </a:extLst>
           </p:cNvPr>
@@ -9889,8 +12138,8 @@
         </p:nvSpPr>
         <p:spPr bwMode="auto">
           <a:xfrm>
-            <a:off x="304800" y="2315647"/>
-            <a:ext cx="12192000" cy="457200"/>
+            <a:off x="3679711" y="2117908"/>
+            <a:ext cx="12192000" cy="0"/>
           </a:xfrm>
           <a:prstGeom prst="rect">
             <a:avLst/>
@@ -9938,75 +12187,6 @@
           </a:bodyPr>
           <a:lstStyle/>
           <a:p>
-            <a:endParaRPr lang="fr-BE"/>
-          </a:p>
-        </p:txBody>
-      </p:sp>
-      <p:sp>
-        <p:nvSpPr>
-          <p:cNvPr id="2064" name="Rectangle 64">
-            <a:extLst>
-              <a:ext uri="{FF2B5EF4-FFF2-40B4-BE49-F238E27FC236}">
-                <a16:creationId xmlns:a16="http://schemas.microsoft.com/office/drawing/2014/main" id="{D196A0E6-8D88-4CF9-9FF7-FFB2A9AE6C0B}"/>
-              </a:ext>
-            </a:extLst>
-          </p:cNvPr>
-          <p:cNvSpPr>
-            <a:spLocks noChangeArrowheads="1"/>
-          </p:cNvSpPr>
-          <p:nvPr/>
-        </p:nvSpPr>
-        <p:spPr bwMode="auto">
-          <a:xfrm>
-            <a:off x="3581400" y="5076627"/>
-            <a:ext cx="1969505" cy="877163"/>
-          </a:xfrm>
-          <a:prstGeom prst="rect">
-            <a:avLst/>
-          </a:prstGeom>
-          <a:noFill/>
-          <a:ln>
-            <a:noFill/>
-          </a:ln>
-          <a:effectLst/>
-          <a:extLst>
-            <a:ext uri="{909E8E84-426E-40DD-AFC4-6F175D3DCCD1}">
-              <a14:hiddenFill xmlns:a14="http://schemas.microsoft.com/office/drawing/2010/main">
-                <a:solidFill>
-                  <a:schemeClr val="accent1"/>
-                </a:solidFill>
-              </a14:hiddenFill>
-            </a:ext>
-            <a:ext uri="{91240B29-F687-4F45-9708-019B960494DF}">
-              <a14:hiddenLine xmlns:a14="http://schemas.microsoft.com/office/drawing/2010/main" w="9525">
-                <a:solidFill>
-                  <a:schemeClr val="tx1"/>
-                </a:solidFill>
-                <a:miter lim="800000"/>
-                <a:headEnd/>
-                <a:tailEnd/>
-              </a14:hiddenLine>
-            </a:ext>
-            <a:ext uri="{AF507438-7753-43E0-B8FC-AC1667EBCBE1}">
-              <a14:hiddenEffects xmlns:a14="http://schemas.microsoft.com/office/drawing/2010/main">
-                <a:effectLst>
-                  <a:outerShdw dist="35921" dir="2700000" algn="ctr" rotWithShape="0">
-                    <a:schemeClr val="bg2"/>
-                  </a:outerShdw>
-                </a:effectLst>
-              </a14:hiddenEffects>
-            </a:ext>
-          </a:extLst>
-        </p:spPr>
-        <p:txBody>
-          <a:bodyPr vert="horz" wrap="square" lIns="91440" tIns="45720" rIns="91440" bIns="45720" numCol="1" anchor="ctr" anchorCtr="0" compatLnSpc="1">
-            <a:prstTxWarp prst="textNoShape">
-              <a:avLst/>
-            </a:prstTxWarp>
-            <a:spAutoFit/>
-          </a:bodyPr>
-          <a:lstStyle/>
-          <a:p>
             <a:pPr marL="0" marR="0" lvl="0" indent="0" algn="l" defTabSz="914400" rtl="0" eaLnBrk="0" fontAlgn="base" latinLnBrk="0" hangingPunct="0">
               <a:lnSpc>
                 <a:spcPct val="100000"/>
@@ -10023,6 +12203,51 @@
               <a:buNone/>
               <a:tabLst/>
             </a:pPr>
+            <a:endParaRPr kumimoji="0" lang="fr-BE" altLang="fr-FR" sz="1100" b="0" i="0" u="none" strike="noStrike" cap="none" normalizeH="0" baseline="0" dirty="0">
+              <a:ln>
+                <a:noFill/>
+              </a:ln>
+              <a:solidFill>
+                <a:schemeClr val="tx1"/>
+              </a:solidFill>
+              <a:effectLst/>
+              <a:latin typeface="Verdana" panose="020B0604030504040204" pitchFamily="34" charset="0"/>
+              <a:ea typeface="Times New Roman" panose="02020603050405020304" pitchFamily="18" charset="0"/>
+              <a:cs typeface="Times New Roman" panose="02020603050405020304" pitchFamily="18" charset="0"/>
+            </a:endParaRPr>
+          </a:p>
+          <a:p>
+            <a:pPr marL="0" marR="0" lvl="0" indent="449263" algn="l" defTabSz="914400" rtl="0" eaLnBrk="0" fontAlgn="base" latinLnBrk="0" hangingPunct="0">
+              <a:lnSpc>
+                <a:spcPct val="100000"/>
+              </a:lnSpc>
+              <a:spcBef>
+                <a:spcPct val="0"/>
+              </a:spcBef>
+              <a:spcAft>
+                <a:spcPct val="0"/>
+              </a:spcAft>
+              <a:buClrTx/>
+              <a:buSzTx/>
+              <a:buFontTx/>
+              <a:buNone/>
+              <a:tabLst/>
+            </a:pPr>
+            <a:r>
+              <a:rPr kumimoji="0" lang="fr-BE" altLang="fr-FR" sz="1100" b="0" i="0" u="none" strike="noStrike" cap="none" normalizeH="0" baseline="0" dirty="0">
+                <a:ln>
+                  <a:noFill/>
+                </a:ln>
+                <a:solidFill>
+                  <a:schemeClr val="tx1"/>
+                </a:solidFill>
+                <a:effectLst/>
+                <a:latin typeface="Verdana" panose="020B0604030504040204" pitchFamily="34" charset="0"/>
+                <a:ea typeface="Times New Roman" panose="02020603050405020304" pitchFamily="18" charset="0"/>
+                <a:cs typeface="Times New Roman" panose="02020603050405020304" pitchFamily="18" charset="0"/>
+              </a:rPr>
+              <a:t>       Label Réelle        Image Réelle</a:t>
+            </a:r>
             <a:endParaRPr kumimoji="0" lang="fr-BE" altLang="fr-FR" sz="800" b="0" i="0" u="none" strike="noStrike" cap="none" normalizeH="0" baseline="0" dirty="0">
               <a:ln>
                 <a:noFill/>
@@ -10034,61 +12259,7 @@
             </a:endParaRPr>
           </a:p>
           <a:p>
-            <a:pPr lvl="0" algn="ctr" eaLnBrk="0" fontAlgn="base" hangingPunct="0">
-              <a:spcBef>
-                <a:spcPct val="0"/>
-              </a:spcBef>
-              <a:spcAft>
-                <a:spcPct val="0"/>
-              </a:spcAft>
-            </a:pPr>
-            <a:r>
-              <a:rPr kumimoji="0" lang="fr-BE" altLang="fr-FR" sz="1600" b="0" i="0" u="none" strike="noStrike" cap="none" normalizeH="0" baseline="0" dirty="0">
-                <a:ln>
-                  <a:noFill/>
-                </a:ln>
-                <a:solidFill>
-                  <a:schemeClr val="tx1"/>
-                </a:solidFill>
-                <a:effectLst/>
-                <a:latin typeface="Verdana" panose="020B0604030504040204" pitchFamily="34" charset="0"/>
-                <a:ea typeface="Times New Roman" panose="02020603050405020304" pitchFamily="18" charset="0"/>
-                <a:cs typeface="Times New Roman" panose="02020603050405020304" pitchFamily="18" charset="0"/>
-              </a:rPr>
-              <a:t>Fausse image</a:t>
-            </a:r>
-            <a:endParaRPr lang="fr-BE" altLang="fr-FR" sz="1600" dirty="0"/>
-          </a:p>
-          <a:p>
-            <a:pPr lvl="0" algn="ctr" eaLnBrk="0" fontAlgn="base" hangingPunct="0">
-              <a:spcBef>
-                <a:spcPct val="0"/>
-              </a:spcBef>
-              <a:spcAft>
-                <a:spcPct val="0"/>
-              </a:spcAft>
-            </a:pPr>
-            <a:r>
-              <a:rPr kumimoji="0" lang="fr-BE" altLang="fr-FR" sz="1600" b="0" i="1" u="none" strike="noStrike" cap="none" normalizeH="0" baseline="0" dirty="0">
-                <a:ln>
-                  <a:noFill/>
-                </a:ln>
-                <a:solidFill>
-                  <a:schemeClr val="tx1"/>
-                </a:solidFill>
-                <a:effectLst/>
-                <a:latin typeface="Cambria Math" panose="02040503050406030204" pitchFamily="18" charset="0"/>
-                <a:ea typeface="Times New Roman" panose="02020603050405020304" pitchFamily="18" charset="0"/>
-                <a:cs typeface="Times New Roman" panose="02020603050405020304" pitchFamily="18" charset="0"/>
-              </a:rPr>
-              <a:t>G(z)</a:t>
-            </a:r>
-            <a:endParaRPr lang="fr-BE" altLang="fr-FR" sz="1600" dirty="0">
-              <a:latin typeface="Arial" panose="020B0604020202020204" pitchFamily="34" charset="0"/>
-            </a:endParaRPr>
-          </a:p>
-          <a:p>
-            <a:pPr marL="0" marR="0" lvl="0" indent="0" algn="l" defTabSz="914400" rtl="0" eaLnBrk="0" fontAlgn="base" latinLnBrk="0" hangingPunct="0">
+            <a:pPr marL="0" marR="0" lvl="0" indent="449263" algn="l" defTabSz="914400" rtl="0" eaLnBrk="0" fontAlgn="base" latinLnBrk="0" hangingPunct="0">
               <a:lnSpc>
                 <a:spcPct val="100000"/>
               </a:lnSpc>
@@ -10117,7 +12288,7 @@
                 <a:ea typeface="Times New Roman" panose="02020603050405020304" pitchFamily="18" charset="0"/>
                 <a:cs typeface="Times New Roman" panose="02020603050405020304" pitchFamily="18" charset="0"/>
               </a:rPr>
-              <a:t>	</a:t>
+              <a:t>								    </a:t>
             </a:r>
             <a:endParaRPr kumimoji="0" lang="fr-BE" altLang="fr-FR" sz="1800" b="0" i="0" u="none" strike="noStrike" cap="none" normalizeH="0" baseline="0" dirty="0">
               <a:ln>
@@ -10134,82 +12305,10 @@
       </p:sp>
       <p:sp>
         <p:nvSpPr>
-          <p:cNvPr id="2065" name="ZoneTexte 2064">
-            <a:extLst>
-              <a:ext uri="{FF2B5EF4-FFF2-40B4-BE49-F238E27FC236}">
-                <a16:creationId xmlns:a16="http://schemas.microsoft.com/office/drawing/2014/main" id="{7D16A4B2-618E-4360-9A62-AFE24D3EFA08}"/>
-              </a:ext>
-            </a:extLst>
-          </p:cNvPr>
-          <p:cNvSpPr txBox="1"/>
-          <p:nvPr/>
-        </p:nvSpPr>
-        <p:spPr>
-          <a:xfrm flipH="1">
-            <a:off x="304800" y="3740196"/>
-            <a:ext cx="1662961" cy="584775"/>
-          </a:xfrm>
-          <a:prstGeom prst="rect">
-            <a:avLst/>
-          </a:prstGeom>
-          <a:noFill/>
-        </p:spPr>
-        <p:txBody>
-          <a:bodyPr wrap="square" rtlCol="0">
-            <a:spAutoFit/>
-          </a:bodyPr>
-          <a:lstStyle/>
-          <a:p>
-            <a:pPr lvl="0" eaLnBrk="0" fontAlgn="base" hangingPunct="0">
-              <a:spcBef>
-                <a:spcPct val="0"/>
-              </a:spcBef>
-              <a:spcAft>
-                <a:spcPct val="0"/>
-              </a:spcAft>
-            </a:pPr>
-            <a:r>
-              <a:rPr lang="fr-BE" altLang="fr-FR" sz="1600" dirty="0">
-                <a:latin typeface="Verdana" panose="020B0604030504040204" pitchFamily="34" charset="0"/>
-                <a:ea typeface="Times New Roman" panose="02020603050405020304" pitchFamily="18" charset="0"/>
-                <a:cs typeface="Times New Roman" panose="02020603050405020304" pitchFamily="18" charset="0"/>
-              </a:rPr>
-              <a:t>INPUT – </a:t>
-            </a:r>
-            <a:r>
-              <a:rPr lang="fr-BE" altLang="fr-FR" sz="1600" dirty="0" err="1">
-                <a:latin typeface="Verdana" panose="020B0604030504040204" pitchFamily="34" charset="0"/>
-                <a:ea typeface="Times New Roman" panose="02020603050405020304" pitchFamily="18" charset="0"/>
-                <a:cs typeface="Times New Roman" panose="02020603050405020304" pitchFamily="18" charset="0"/>
-              </a:rPr>
-              <a:t>Random</a:t>
-            </a:r>
-            <a:r>
-              <a:rPr lang="fr-BE" altLang="fr-FR" sz="1600" dirty="0">
-                <a:latin typeface="Verdana" panose="020B0604030504040204" pitchFamily="34" charset="0"/>
-                <a:ea typeface="Times New Roman" panose="02020603050405020304" pitchFamily="18" charset="0"/>
-                <a:cs typeface="Times New Roman" panose="02020603050405020304" pitchFamily="18" charset="0"/>
-              </a:rPr>
-              <a:t> Noise</a:t>
-            </a:r>
-            <a:endParaRPr kumimoji="0" lang="fr-BE" altLang="fr-FR" sz="1600" b="0" i="0" u="none" strike="noStrike" cap="none" normalizeH="0" baseline="0" dirty="0">
-              <a:ln>
-                <a:noFill/>
-              </a:ln>
-              <a:solidFill>
-                <a:schemeClr val="tx1"/>
-              </a:solidFill>
-              <a:effectLst/>
-            </a:endParaRPr>
-          </a:p>
-        </p:txBody>
-      </p:sp>
-      <p:sp>
-        <p:nvSpPr>
-          <p:cNvPr id="63" name="AutoShape 44">
-            <a:extLst>
-              <a:ext uri="{FF2B5EF4-FFF2-40B4-BE49-F238E27FC236}">
-                <a16:creationId xmlns:a16="http://schemas.microsoft.com/office/drawing/2014/main" id="{C341FD5F-E181-47D9-A02F-4C9C382DBA71}"/>
+          <p:cNvPr id="22" name="Rectangle 29">
+            <a:extLst>
+              <a:ext uri="{FF2B5EF4-FFF2-40B4-BE49-F238E27FC236}">
+                <a16:creationId xmlns:a16="http://schemas.microsoft.com/office/drawing/2014/main" id="{920356EB-C496-4735-8E4D-7AFE875CCD8A}"/>
               </a:ext>
             </a:extLst>
           </p:cNvPr>
@@ -10220,1519 +12319,8 @@
         </p:nvSpPr>
         <p:spPr bwMode="auto">
           <a:xfrm>
-            <a:off x="3541130" y="4710751"/>
-            <a:ext cx="665006" cy="182346"/>
-          </a:xfrm>
-          <a:prstGeom prst="rightArrow">
-            <a:avLst>
-              <a:gd name="adj1" fmla="val 50000"/>
-              <a:gd name="adj2" fmla="val 134699"/>
-            </a:avLst>
-          </a:prstGeom>
-          <a:solidFill>
-            <a:srgbClr val="5B9BD5"/>
-          </a:solidFill>
-          <a:ln>
-            <a:noFill/>
-          </a:ln>
-          <a:extLst>
-            <a:ext uri="{91240B29-F687-4F45-9708-019B960494DF}">
-              <a14:hiddenLine xmlns:a14="http://schemas.microsoft.com/office/drawing/2010/main" w="9525">
-                <a:solidFill>
-                  <a:srgbClr val="000000"/>
-                </a:solidFill>
-                <a:miter lim="800000"/>
-                <a:headEnd/>
-                <a:tailEnd/>
-              </a14:hiddenLine>
-            </a:ext>
-          </a:extLst>
-        </p:spPr>
-        <p:txBody>
-          <a:bodyPr rot="0" vert="horz" wrap="square" lIns="91440" tIns="45720" rIns="91440" bIns="45720" anchor="t" anchorCtr="0" upright="1">
-            <a:noAutofit/>
-          </a:bodyPr>
-          <a:lstStyle/>
-          <a:p>
-            <a:endParaRPr lang="fr-BE"/>
-          </a:p>
-        </p:txBody>
-      </p:sp>
-    </p:spTree>
-    <p:extLst>
-      <p:ext uri="{BB962C8B-B14F-4D97-AF65-F5344CB8AC3E}">
-        <p14:creationId xmlns:p14="http://schemas.microsoft.com/office/powerpoint/2010/main" val="305294499"/>
-      </p:ext>
-    </p:extLst>
-  </p:cSld>
-  <p:clrMapOvr>
-    <a:masterClrMapping/>
-  </p:clrMapOvr>
-  <p:timing>
-    <p:tnLst>
-      <p:par>
-        <p:cTn id="1" dur="indefinite" restart="never" nodeType="tmRoot">
-          <p:childTnLst>
-            <p:seq concurrent="1" nextAc="seek">
-              <p:cTn id="2" dur="indefinite" nodeType="mainSeq">
-                <p:childTnLst>
-                  <p:par>
-                    <p:cTn id="3" fill="hold">
-                      <p:stCondLst>
-                        <p:cond delay="indefinite"/>
-                        <p:cond evt="onBegin" delay="0">
-                          <p:tn val="2"/>
-                        </p:cond>
-                      </p:stCondLst>
-                      <p:childTnLst>
-                        <p:par>
-                          <p:cTn id="4" fill="hold">
-                            <p:stCondLst>
-                              <p:cond delay="0"/>
-                            </p:stCondLst>
-                            <p:childTnLst>
-                              <p:par>
-                                <p:cTn id="5" presetID="1" presetClass="entr" presetSubtype="0" fill="hold" grpId="0" nodeType="afterEffect">
-                                  <p:stCondLst>
-                                    <p:cond delay="0"/>
-                                  </p:stCondLst>
-                                  <p:childTnLst>
-                                    <p:set>
-                                      <p:cBhvr>
-                                        <p:cTn id="6" dur="1" fill="hold">
-                                          <p:stCondLst>
-                                            <p:cond delay="0"/>
-                                          </p:stCondLst>
-                                        </p:cTn>
-                                        <p:tgtEl>
-                                          <p:spTgt spid="2054"/>
-                                        </p:tgtEl>
-                                        <p:attrNameLst>
-                                          <p:attrName>style.visibility</p:attrName>
-                                        </p:attrNameLst>
-                                      </p:cBhvr>
-                                      <p:to>
-                                        <p:strVal val="visible"/>
-                                      </p:to>
-                                    </p:set>
-                                  </p:childTnLst>
-                                </p:cTn>
-                              </p:par>
-                            </p:childTnLst>
-                          </p:cTn>
-                        </p:par>
-                      </p:childTnLst>
-                    </p:cTn>
-                  </p:par>
-                </p:childTnLst>
-              </p:cTn>
-              <p:prevCondLst>
-                <p:cond evt="onPrev" delay="0">
-                  <p:tgtEl>
-                    <p:sldTgt/>
-                  </p:tgtEl>
-                </p:cond>
-              </p:prevCondLst>
-              <p:nextCondLst>
-                <p:cond evt="onNext" delay="0">
-                  <p:tgtEl>
-                    <p:sldTgt/>
-                  </p:tgtEl>
-                </p:cond>
-              </p:nextCondLst>
-            </p:seq>
-          </p:childTnLst>
-        </p:cTn>
-      </p:par>
-    </p:tnLst>
-    <p:bldLst>
-      <p:bldP spid="2054" grpId="0" animBg="1"/>
-    </p:bldLst>
-  </p:timing>
-</p:sld>
-</file>
-
-<file path=ppt/slides/slide15.xml><?xml version="1.0" encoding="utf-8"?>
-<p:sld xmlns:a="http://schemas.openxmlformats.org/drawingml/2006/main" xmlns:r="http://schemas.openxmlformats.org/officeDocument/2006/relationships" xmlns:p="http://schemas.openxmlformats.org/presentationml/2006/main">
-  <p:cSld>
-    <p:spTree>
-      <p:nvGrpSpPr>
-        <p:cNvPr id="1" name=""/>
-        <p:cNvGrpSpPr/>
-        <p:nvPr/>
-      </p:nvGrpSpPr>
-      <p:grpSpPr>
-        <a:xfrm>
-          <a:off x="0" y="0"/>
-          <a:ext cx="0" cy="0"/>
-          <a:chOff x="0" y="0"/>
-          <a:chExt cx="0" cy="0"/>
-        </a:xfrm>
-      </p:grpSpPr>
-      <p:sp>
-        <p:nvSpPr>
-          <p:cNvPr id="4" name="Titre 3">
-            <a:extLst>
-              <a:ext uri="{FF2B5EF4-FFF2-40B4-BE49-F238E27FC236}">
-                <a16:creationId xmlns:a16="http://schemas.microsoft.com/office/drawing/2014/main" id="{8AF22030-B7A1-4F30-B03D-001C6BF94932}"/>
-              </a:ext>
-            </a:extLst>
-          </p:cNvPr>
-          <p:cNvSpPr>
-            <a:spLocks noGrp="1"/>
-          </p:cNvSpPr>
-          <p:nvPr>
-            <p:ph type="title"/>
-          </p:nvPr>
-        </p:nvSpPr>
-        <p:spPr>
-          <a:xfrm>
-            <a:off x="755779" y="1"/>
-            <a:ext cx="8976049" cy="1642180"/>
-          </a:xfrm>
-          <a:noFill/>
-          <a:effectLst>
-            <a:softEdge rad="12700"/>
-          </a:effectLst>
-        </p:spPr>
-        <p:txBody>
-          <a:bodyPr>
-            <a:noAutofit/>
-          </a:bodyPr>
-          <a:lstStyle/>
-          <a:p>
-            <a:r>
-              <a:rPr lang="fr-BE" sz="5400" b="1" u="sng" dirty="0">
-                <a:solidFill>
-                  <a:schemeClr val="accent1">
-                    <a:lumMod val="75000"/>
-                  </a:schemeClr>
-                </a:solidFill>
-                <a:effectLst>
-                  <a:outerShdw blurRad="38100" dist="38100" dir="2700000" algn="tl">
-                    <a:srgbClr val="000000">
-                      <a:alpha val="43137"/>
-                    </a:srgbClr>
-                  </a:outerShdw>
-                </a:effectLst>
-              </a:rPr>
-              <a:t>Les réseaux de neurones - GAN</a:t>
-            </a:r>
-          </a:p>
-        </p:txBody>
-      </p:sp>
-      <p:pic>
-        <p:nvPicPr>
-          <p:cNvPr id="9" name="Image 8">
-            <a:extLst>
-              <a:ext uri="{FF2B5EF4-FFF2-40B4-BE49-F238E27FC236}">
-                <a16:creationId xmlns:a16="http://schemas.microsoft.com/office/drawing/2014/main" id="{FAB98676-BCE6-4123-9A28-08DF59A94B06}"/>
-              </a:ext>
-            </a:extLst>
-          </p:cNvPr>
-          <p:cNvPicPr>
-            <a:picLocks noChangeAspect="1"/>
-          </p:cNvPicPr>
-          <p:nvPr/>
-        </p:nvPicPr>
-        <p:blipFill>
-          <a:blip r:embed="rId2"/>
-          <a:stretch>
-            <a:fillRect/>
-          </a:stretch>
-        </p:blipFill>
-        <p:spPr>
-          <a:xfrm>
-            <a:off x="9856237" y="0"/>
-            <a:ext cx="2335763" cy="848539"/>
-          </a:xfrm>
-          <a:prstGeom prst="rect">
-            <a:avLst/>
-          </a:prstGeom>
-        </p:spPr>
-      </p:pic>
-      <p:cxnSp>
-        <p:nvCxnSpPr>
-          <p:cNvPr id="11" name="Connecteur droit 10">
-            <a:extLst>
-              <a:ext uri="{FF2B5EF4-FFF2-40B4-BE49-F238E27FC236}">
-                <a16:creationId xmlns:a16="http://schemas.microsoft.com/office/drawing/2014/main" id="{53B3DD2F-AE09-4031-828A-B4E8961CE168}"/>
-              </a:ext>
-            </a:extLst>
-          </p:cNvPr>
-          <p:cNvCxnSpPr/>
-          <p:nvPr/>
-        </p:nvCxnSpPr>
-        <p:spPr>
-          <a:xfrm>
-            <a:off x="157065" y="5803641"/>
-            <a:ext cx="11877869" cy="0"/>
-          </a:xfrm>
-          <a:prstGeom prst="line">
-            <a:avLst/>
-          </a:prstGeom>
-          <a:ln w="50800">
-            <a:gradFill flip="none" rotWithShape="1">
-              <a:gsLst>
-                <a:gs pos="0">
-                  <a:schemeClr val="bg1">
-                    <a:lumMod val="50000"/>
-                  </a:schemeClr>
-                </a:gs>
-                <a:gs pos="38000">
-                  <a:schemeClr val="accent1">
-                    <a:lumMod val="45000"/>
-                    <a:lumOff val="55000"/>
-                  </a:schemeClr>
-                </a:gs>
-                <a:gs pos="77000">
-                  <a:schemeClr val="accent1">
-                    <a:lumMod val="45000"/>
-                    <a:lumOff val="55000"/>
-                  </a:schemeClr>
-                </a:gs>
-                <a:gs pos="100000">
-                  <a:schemeClr val="accent1">
-                    <a:lumMod val="30000"/>
-                    <a:lumOff val="70000"/>
-                  </a:schemeClr>
-                </a:gs>
-              </a:gsLst>
-              <a:lin ang="0" scaled="1"/>
-              <a:tileRect/>
-            </a:gradFill>
-          </a:ln>
-        </p:spPr>
-        <p:style>
-          <a:lnRef idx="1">
-            <a:schemeClr val="accent1"/>
-          </a:lnRef>
-          <a:fillRef idx="0">
-            <a:schemeClr val="accent1"/>
-          </a:fillRef>
-          <a:effectRef idx="0">
-            <a:schemeClr val="accent1"/>
-          </a:effectRef>
-          <a:fontRef idx="minor">
-            <a:schemeClr val="tx1"/>
-          </a:fontRef>
-        </p:style>
-      </p:cxnSp>
-      <p:sp>
-        <p:nvSpPr>
-          <p:cNvPr id="19" name="Espace réservé de la date 18">
-            <a:extLst>
-              <a:ext uri="{FF2B5EF4-FFF2-40B4-BE49-F238E27FC236}">
-                <a16:creationId xmlns:a16="http://schemas.microsoft.com/office/drawing/2014/main" id="{4D364CB2-C5F9-46FD-A1AD-163AAAD6398B}"/>
-              </a:ext>
-            </a:extLst>
-          </p:cNvPr>
-          <p:cNvSpPr>
-            <a:spLocks noGrp="1"/>
-          </p:cNvSpPr>
-          <p:nvPr>
-            <p:ph type="dt" sz="half" idx="10"/>
-          </p:nvPr>
-        </p:nvSpPr>
-        <p:spPr/>
-        <p:txBody>
-          <a:bodyPr/>
-          <a:lstStyle/>
-          <a:p>
-            <a:r>
-              <a:rPr lang="fr-FR"/>
-              <a:t>28-08-2019</a:t>
-            </a:r>
-            <a:endParaRPr lang="fr-BE" dirty="0"/>
-          </a:p>
-        </p:txBody>
-      </p:sp>
-      <p:sp>
-        <p:nvSpPr>
-          <p:cNvPr id="20" name="Espace réservé du pied de page 19">
-            <a:extLst>
-              <a:ext uri="{FF2B5EF4-FFF2-40B4-BE49-F238E27FC236}">
-                <a16:creationId xmlns:a16="http://schemas.microsoft.com/office/drawing/2014/main" id="{4BB74D9F-54C9-4F0C-85B8-8EBEFADB43F1}"/>
-              </a:ext>
-            </a:extLst>
-          </p:cNvPr>
-          <p:cNvSpPr>
-            <a:spLocks noGrp="1"/>
-          </p:cNvSpPr>
-          <p:nvPr>
-            <p:ph type="ftr" sz="quarter" idx="11"/>
-          </p:nvPr>
-        </p:nvSpPr>
-        <p:spPr/>
-        <p:txBody>
-          <a:bodyPr/>
-          <a:lstStyle/>
-          <a:p>
-            <a:r>
-              <a:rPr lang="fr-BE"/>
-              <a:t>ROMBAUX Michaël - IG CHARLEROI</a:t>
-            </a:r>
-            <a:endParaRPr lang="fr-BE" dirty="0"/>
-          </a:p>
-        </p:txBody>
-      </p:sp>
-      <p:sp>
-        <p:nvSpPr>
-          <p:cNvPr id="21" name="Espace réservé du numéro de diapositive 20">
-            <a:extLst>
-              <a:ext uri="{FF2B5EF4-FFF2-40B4-BE49-F238E27FC236}">
-                <a16:creationId xmlns:a16="http://schemas.microsoft.com/office/drawing/2014/main" id="{11AB67D5-8970-4C6C-80C9-DFD76459B0A2}"/>
-              </a:ext>
-            </a:extLst>
-          </p:cNvPr>
-          <p:cNvSpPr>
-            <a:spLocks noGrp="1"/>
-          </p:cNvSpPr>
-          <p:nvPr>
-            <p:ph type="sldNum" sz="quarter" idx="12"/>
-          </p:nvPr>
-        </p:nvSpPr>
-        <p:spPr/>
-        <p:txBody>
-          <a:bodyPr/>
-          <a:lstStyle/>
-          <a:p>
-            <a:fld id="{9350655B-B394-4670-AE82-A64F671D6FCB}" type="slidenum">
-              <a:rPr lang="fr-BE" smtClean="0"/>
-              <a:pPr/>
-              <a:t>15</a:t>
-            </a:fld>
-            <a:endParaRPr lang="fr-BE" dirty="0"/>
-          </a:p>
-        </p:txBody>
-      </p:sp>
-      <p:pic>
-        <p:nvPicPr>
-          <p:cNvPr id="2101" name="Image 1">
-            <a:extLst>
-              <a:ext uri="{FF2B5EF4-FFF2-40B4-BE49-F238E27FC236}">
-                <a16:creationId xmlns:a16="http://schemas.microsoft.com/office/drawing/2014/main" id="{1444118B-4645-48DB-AEEA-F7E00F50F1C3}"/>
-              </a:ext>
-            </a:extLst>
-          </p:cNvPr>
-          <p:cNvPicPr>
-            <a:picLocks noChangeAspect="1" noChangeArrowheads="1"/>
-          </p:cNvPicPr>
-          <p:nvPr/>
-        </p:nvPicPr>
-        <p:blipFill>
-          <a:blip r:embed="rId3">
-            <a:extLst>
-              <a:ext uri="{28A0092B-C50C-407E-A947-70E740481C1C}">
-                <a14:useLocalDpi xmlns:a14="http://schemas.microsoft.com/office/drawing/2010/main" val="0"/>
-              </a:ext>
-            </a:extLst>
-          </a:blip>
-          <a:srcRect/>
-          <a:stretch>
-            <a:fillRect/>
-          </a:stretch>
-        </p:blipFill>
-        <p:spPr bwMode="auto">
-          <a:xfrm>
-            <a:off x="4206136" y="1231976"/>
-            <a:ext cx="1029826" cy="988547"/>
-          </a:xfrm>
-          <a:prstGeom prst="rect">
-            <a:avLst/>
-          </a:prstGeom>
-          <a:noFill/>
-          <a:extLst>
-            <a:ext uri="{909E8E84-426E-40DD-AFC4-6F175D3DCCD1}">
-              <a14:hiddenFill xmlns:a14="http://schemas.microsoft.com/office/drawing/2010/main">
-                <a:solidFill>
-                  <a:srgbClr val="FFFFFF"/>
-                </a:solidFill>
-              </a14:hiddenFill>
-            </a:ext>
-          </a:extLst>
-        </p:spPr>
-      </p:pic>
-      <p:pic>
-        <p:nvPicPr>
-          <p:cNvPr id="2094" name="Image 13">
-            <a:extLst>
-              <a:ext uri="{FF2B5EF4-FFF2-40B4-BE49-F238E27FC236}">
-                <a16:creationId xmlns:a16="http://schemas.microsoft.com/office/drawing/2014/main" id="{A0425122-0E51-4D56-A9B8-08183D752776}"/>
-              </a:ext>
-            </a:extLst>
-          </p:cNvPr>
-          <p:cNvPicPr>
-            <a:picLocks noChangeAspect="1" noChangeArrowheads="1"/>
-          </p:cNvPicPr>
-          <p:nvPr/>
-        </p:nvPicPr>
-        <p:blipFill>
-          <a:blip r:embed="rId4">
-            <a:extLst>
-              <a:ext uri="{28A0092B-C50C-407E-A947-70E740481C1C}">
-                <a14:useLocalDpi xmlns:a14="http://schemas.microsoft.com/office/drawing/2010/main" val="0"/>
-              </a:ext>
-            </a:extLst>
-          </a:blip>
-          <a:srcRect/>
-          <a:stretch>
-            <a:fillRect/>
-          </a:stretch>
-        </p:blipFill>
-        <p:spPr bwMode="auto">
-          <a:xfrm>
-            <a:off x="4111628" y="4321039"/>
-            <a:ext cx="941488" cy="922054"/>
-          </a:xfrm>
-          <a:prstGeom prst="rect">
-            <a:avLst/>
-          </a:prstGeom>
-          <a:noFill/>
-          <a:extLst>
-            <a:ext uri="{909E8E84-426E-40DD-AFC4-6F175D3DCCD1}">
-              <a14:hiddenFill xmlns:a14="http://schemas.microsoft.com/office/drawing/2010/main">
-                <a:solidFill>
-                  <a:srgbClr val="FFFFFF"/>
-                </a:solidFill>
-              </a14:hiddenFill>
-            </a:ext>
-          </a:extLst>
-        </p:spPr>
-      </p:pic>
-      <p:sp>
-        <p:nvSpPr>
-          <p:cNvPr id="2053" name="AutoShape 9">
-            <a:extLst>
-              <a:ext uri="{FF2B5EF4-FFF2-40B4-BE49-F238E27FC236}">
-                <a16:creationId xmlns:a16="http://schemas.microsoft.com/office/drawing/2014/main" id="{FEDD03D1-9358-4E6C-A351-846825F53309}"/>
-              </a:ext>
-            </a:extLst>
-          </p:cNvPr>
-          <p:cNvSpPr>
-            <a:spLocks noChangeArrowheads="1"/>
-          </p:cNvSpPr>
-          <p:nvPr/>
-        </p:nvSpPr>
-        <p:spPr bwMode="auto">
-          <a:xfrm>
-            <a:off x="1871098" y="4025614"/>
-            <a:ext cx="1837755" cy="1695996"/>
-          </a:xfrm>
-          <a:prstGeom prst="flowChartMultidocument">
-            <a:avLst/>
-          </a:prstGeom>
-          <a:solidFill>
-            <a:srgbClr val="FFFFFF"/>
-          </a:solidFill>
-          <a:ln w="9525">
-            <a:solidFill>
-              <a:srgbClr val="000000"/>
-            </a:solidFill>
-            <a:miter lim="800000"/>
-            <a:headEnd/>
-            <a:tailEnd/>
-          </a:ln>
-        </p:spPr>
-        <p:txBody>
-          <a:bodyPr vert="horz" wrap="square" lIns="91440" tIns="45720" rIns="91440" bIns="45720" numCol="1" anchor="ctr" anchorCtr="0" compatLnSpc="1">
-            <a:prstTxWarp prst="textNoShape">
-              <a:avLst/>
-            </a:prstTxWarp>
-          </a:bodyPr>
-          <a:lstStyle/>
-          <a:p>
-            <a:pPr marL="0" marR="0" lvl="0" indent="0" algn="ctr" defTabSz="914400" rtl="0" eaLnBrk="0" fontAlgn="base" latinLnBrk="0" hangingPunct="0">
-              <a:lnSpc>
-                <a:spcPct val="100000"/>
-              </a:lnSpc>
-              <a:spcBef>
-                <a:spcPct val="0"/>
-              </a:spcBef>
-              <a:spcAft>
-                <a:spcPct val="0"/>
-              </a:spcAft>
-              <a:buClrTx/>
-              <a:buSzTx/>
-              <a:buFontTx/>
-              <a:buNone/>
-              <a:tabLst/>
-            </a:pPr>
-            <a:r>
-              <a:rPr kumimoji="0" lang="fr-FR" altLang="fr-FR" sz="1600" b="0" i="0" u="none" strike="noStrike" cap="none" normalizeH="0" baseline="0" dirty="0">
-                <a:ln>
-                  <a:noFill/>
-                </a:ln>
-                <a:solidFill>
-                  <a:schemeClr val="tx1"/>
-                </a:solidFill>
-                <a:effectLst/>
-                <a:latin typeface="Verdana" panose="020B0604030504040204" pitchFamily="34" charset="0"/>
-                <a:ea typeface="Times New Roman" panose="02020603050405020304" pitchFamily="18" charset="0"/>
-                <a:cs typeface="Times New Roman" panose="02020603050405020304" pitchFamily="18" charset="0"/>
-              </a:rPr>
-              <a:t>Générateur</a:t>
-            </a:r>
-            <a:endParaRPr kumimoji="0" lang="fr-FR" altLang="fr-FR" sz="1600" b="0" i="0" u="none" strike="noStrike" cap="none" normalizeH="0" baseline="0" dirty="0">
-              <a:ln>
-                <a:noFill/>
-              </a:ln>
-              <a:solidFill>
-                <a:schemeClr val="tx1"/>
-              </a:solidFill>
-              <a:effectLst/>
-              <a:latin typeface="Arial" panose="020B0604020202020204" pitchFamily="34" charset="0"/>
-            </a:endParaRPr>
-          </a:p>
-        </p:txBody>
-      </p:sp>
-      <p:pic>
-        <p:nvPicPr>
-          <p:cNvPr id="2093" name="Picture 45">
-            <a:extLst>
-              <a:ext uri="{FF2B5EF4-FFF2-40B4-BE49-F238E27FC236}">
-                <a16:creationId xmlns:a16="http://schemas.microsoft.com/office/drawing/2014/main" id="{198D92BC-C7A4-4F5B-864B-F71C0B14AB6A}"/>
-              </a:ext>
-            </a:extLst>
-          </p:cNvPr>
-          <p:cNvPicPr>
-            <a:picLocks noChangeAspect="1" noChangeArrowheads="1"/>
-          </p:cNvPicPr>
-          <p:nvPr/>
-        </p:nvPicPr>
-        <p:blipFill>
-          <a:blip r:embed="rId5">
-            <a:lum bright="36000"/>
-            <a:extLst>
-              <a:ext uri="{28A0092B-C50C-407E-A947-70E740481C1C}">
-                <a14:useLocalDpi xmlns:a14="http://schemas.microsoft.com/office/drawing/2010/main" val="0"/>
-              </a:ext>
-            </a:extLst>
-          </a:blip>
-          <a:srcRect/>
-          <a:stretch>
-            <a:fillRect/>
-          </a:stretch>
-        </p:blipFill>
-        <p:spPr bwMode="auto">
-          <a:xfrm>
-            <a:off x="401055" y="4400033"/>
-            <a:ext cx="901700" cy="850900"/>
-          </a:xfrm>
-          <a:prstGeom prst="rect">
-            <a:avLst/>
-          </a:prstGeom>
-          <a:noFill/>
-          <a:ln w="6350">
-            <a:solidFill>
-              <a:srgbClr val="000000"/>
-            </a:solidFill>
-            <a:miter lim="800000"/>
-            <a:headEnd/>
-            <a:tailEnd/>
-          </a:ln>
-          <a:extLst>
-            <a:ext uri="{909E8E84-426E-40DD-AFC4-6F175D3DCCD1}">
-              <a14:hiddenFill xmlns:a14="http://schemas.microsoft.com/office/drawing/2010/main">
-                <a:solidFill>
-                  <a:srgbClr val="FFFFFF"/>
-                </a:solidFill>
-              </a14:hiddenFill>
-            </a:ext>
-          </a:extLst>
-        </p:spPr>
-      </p:pic>
-      <p:sp>
-        <p:nvSpPr>
-          <p:cNvPr id="2054" name="AutoShape 15">
-            <a:extLst>
-              <a:ext uri="{FF2B5EF4-FFF2-40B4-BE49-F238E27FC236}">
-                <a16:creationId xmlns:a16="http://schemas.microsoft.com/office/drawing/2014/main" id="{E9E2F534-A802-42BA-B32E-2D808471AA87}"/>
-              </a:ext>
-            </a:extLst>
-          </p:cNvPr>
-          <p:cNvSpPr>
-            <a:spLocks noChangeArrowheads="1"/>
-          </p:cNvSpPr>
-          <p:nvPr/>
-        </p:nvSpPr>
-        <p:spPr bwMode="auto">
-          <a:xfrm>
-            <a:off x="5941567" y="2585461"/>
-            <a:ext cx="1975941" cy="1721918"/>
-          </a:xfrm>
-          <a:prstGeom prst="flowChartMultidocument">
-            <a:avLst/>
-          </a:prstGeom>
-          <a:solidFill>
-            <a:srgbClr val="FFFFFF"/>
-          </a:solidFill>
-          <a:ln w="9525">
-            <a:solidFill>
-              <a:srgbClr val="000000"/>
-            </a:solidFill>
-            <a:miter lim="800000"/>
-            <a:headEnd/>
-            <a:tailEnd/>
-          </a:ln>
-        </p:spPr>
-        <p:txBody>
-          <a:bodyPr vert="horz" wrap="square" lIns="91440" tIns="45720" rIns="91440" bIns="45720" numCol="1" anchor="ctr" anchorCtr="0" compatLnSpc="1">
-            <a:prstTxWarp prst="textNoShape">
-              <a:avLst/>
-            </a:prstTxWarp>
-          </a:bodyPr>
-          <a:lstStyle/>
-          <a:p>
-            <a:pPr marL="0" marR="0" lvl="0" indent="0" algn="l" defTabSz="914400" rtl="0" eaLnBrk="0" fontAlgn="base" latinLnBrk="0" hangingPunct="0">
-              <a:lnSpc>
-                <a:spcPct val="100000"/>
-              </a:lnSpc>
-              <a:spcBef>
-                <a:spcPct val="0"/>
-              </a:spcBef>
-              <a:spcAft>
-                <a:spcPct val="0"/>
-              </a:spcAft>
-              <a:buClrTx/>
-              <a:buSzTx/>
-              <a:buFontTx/>
-              <a:buNone/>
-              <a:tabLst/>
-            </a:pPr>
-            <a:r>
-              <a:rPr kumimoji="0" lang="fr-FR" altLang="fr-FR" sz="1600" b="0" i="0" u="none" strike="noStrike" cap="none" normalizeH="0" baseline="0" dirty="0">
-                <a:ln>
-                  <a:noFill/>
-                </a:ln>
-                <a:solidFill>
-                  <a:schemeClr val="tx1"/>
-                </a:solidFill>
-                <a:effectLst/>
-                <a:latin typeface="Verdana" panose="020B0604030504040204" pitchFamily="34" charset="0"/>
-                <a:ea typeface="Times New Roman" panose="02020603050405020304" pitchFamily="18" charset="0"/>
-                <a:cs typeface="Times New Roman" panose="02020603050405020304" pitchFamily="18" charset="0"/>
-              </a:rPr>
-              <a:t>Discriminateur</a:t>
-            </a:r>
-            <a:endParaRPr kumimoji="0" lang="fr-FR" altLang="fr-FR" sz="1600" b="0" i="0" u="none" strike="noStrike" cap="none" normalizeH="0" baseline="0" dirty="0">
-              <a:ln>
-                <a:noFill/>
-              </a:ln>
-              <a:solidFill>
-                <a:schemeClr val="tx1"/>
-              </a:solidFill>
-              <a:effectLst/>
-              <a:latin typeface="Arial" panose="020B0604020202020204" pitchFamily="34" charset="0"/>
-            </a:endParaRPr>
-          </a:p>
-        </p:txBody>
-      </p:sp>
-      <p:sp>
-        <p:nvSpPr>
-          <p:cNvPr id="49" name="AutoShape 17">
-            <a:extLst>
-              <a:ext uri="{FF2B5EF4-FFF2-40B4-BE49-F238E27FC236}">
-                <a16:creationId xmlns:a16="http://schemas.microsoft.com/office/drawing/2014/main" id="{BCB9E9DB-2368-4C2F-85B5-520E8D1F5C56}"/>
-              </a:ext>
-            </a:extLst>
-          </p:cNvPr>
-          <p:cNvSpPr>
-            <a:spLocks noChangeArrowheads="1"/>
-          </p:cNvSpPr>
-          <p:nvPr/>
-        </p:nvSpPr>
-        <p:spPr bwMode="auto">
-          <a:xfrm rot="5400000">
-            <a:off x="4826005" y="2388821"/>
-            <a:ext cx="584777" cy="1428854"/>
-          </a:xfrm>
-          <a:custGeom>
-            <a:avLst/>
-            <a:gdLst>
-              <a:gd name="G0" fmla="+- 9257 0 0"/>
-              <a:gd name="G1" fmla="+- 16904 0 0"/>
-              <a:gd name="G2" fmla="+- 9257 0 0"/>
-              <a:gd name="G3" fmla="*/ 9257 1 2"/>
-              <a:gd name="G4" fmla="+- G3 10800 0"/>
-              <a:gd name="G5" fmla="+- 21600 9257 16904"/>
-              <a:gd name="G6" fmla="+- 16904 9257 0"/>
-              <a:gd name="G7" fmla="*/ G6 1 2"/>
-              <a:gd name="G8" fmla="*/ 16904 2 1"/>
-              <a:gd name="G9" fmla="+- G8 0 21600"/>
-              <a:gd name="G10" fmla="*/ 21600 G0 G1"/>
-              <a:gd name="G11" fmla="*/ 21600 G4 G1"/>
-              <a:gd name="G12" fmla="*/ 21600 G5 G1"/>
-              <a:gd name="G13" fmla="*/ 21600 G7 G1"/>
-              <a:gd name="G14" fmla="*/ 16904 1 2"/>
-              <a:gd name="G15" fmla="+- G5 0 G4"/>
-              <a:gd name="G16" fmla="+- G0 0 G4"/>
-              <a:gd name="G17" fmla="*/ G2 G15 G16"/>
-              <a:gd name="T0" fmla="*/ 15429 w 21600"/>
-              <a:gd name="T1" fmla="*/ 0 h 21600"/>
-              <a:gd name="T2" fmla="*/ 9257 w 21600"/>
-              <a:gd name="T3" fmla="*/ 9257 h 21600"/>
-              <a:gd name="T4" fmla="*/ 0 w 21600"/>
-              <a:gd name="T5" fmla="*/ 19715 h 21600"/>
-              <a:gd name="T6" fmla="*/ 8452 w 21600"/>
-              <a:gd name="T7" fmla="*/ 21600 h 21600"/>
-              <a:gd name="T8" fmla="*/ 16904 w 21600"/>
-              <a:gd name="T9" fmla="*/ 16715 h 21600"/>
-              <a:gd name="T10" fmla="*/ 21600 w 21600"/>
-              <a:gd name="T11" fmla="*/ 9257 h 21600"/>
-              <a:gd name="T12" fmla="*/ 17694720 60000 65536"/>
-              <a:gd name="T13" fmla="*/ 11796480 60000 65536"/>
-              <a:gd name="T14" fmla="*/ 11796480 60000 65536"/>
-              <a:gd name="T15" fmla="*/ 5898240 60000 65536"/>
-              <a:gd name="T16" fmla="*/ 0 60000 65536"/>
-              <a:gd name="T17" fmla="*/ 0 60000 65536"/>
-              <a:gd name="T18" fmla="*/ 0 w 21600"/>
-              <a:gd name="T19" fmla="*/ G12 h 21600"/>
-              <a:gd name="T20" fmla="*/ G1 w 21600"/>
-              <a:gd name="T21" fmla="*/ 21600 h 21600"/>
-            </a:gdLst>
-            <a:ahLst/>
-            <a:cxnLst>
-              <a:cxn ang="T12">
-                <a:pos x="T0" y="T1"/>
-              </a:cxn>
-              <a:cxn ang="T13">
-                <a:pos x="T2" y="T3"/>
-              </a:cxn>
-              <a:cxn ang="T14">
-                <a:pos x="T4" y="T5"/>
-              </a:cxn>
-              <a:cxn ang="T15">
-                <a:pos x="T6" y="T7"/>
-              </a:cxn>
-              <a:cxn ang="T16">
-                <a:pos x="T8" y="T9"/>
-              </a:cxn>
-              <a:cxn ang="T17">
-                <a:pos x="T10" y="T11"/>
-              </a:cxn>
-            </a:cxnLst>
-            <a:rect l="T18" t="T19" r="T20" b="T21"/>
-            <a:pathLst>
-              <a:path w="21600" h="21600">
-                <a:moveTo>
-                  <a:pt x="15429" y="0"/>
-                </a:moveTo>
-                <a:lnTo>
-                  <a:pt x="9257" y="9257"/>
-                </a:lnTo>
-                <a:lnTo>
-                  <a:pt x="13953" y="9257"/>
-                </a:lnTo>
-                <a:lnTo>
-                  <a:pt x="13953" y="17829"/>
-                </a:lnTo>
-                <a:lnTo>
-                  <a:pt x="0" y="17829"/>
-                </a:lnTo>
-                <a:lnTo>
-                  <a:pt x="0" y="21600"/>
-                </a:lnTo>
-                <a:lnTo>
-                  <a:pt x="16904" y="21600"/>
-                </a:lnTo>
-                <a:lnTo>
-                  <a:pt x="16904" y="9257"/>
-                </a:lnTo>
-                <a:lnTo>
-                  <a:pt x="21600" y="9257"/>
-                </a:lnTo>
-                <a:close/>
-              </a:path>
-            </a:pathLst>
-          </a:custGeom>
-          <a:solidFill>
-            <a:srgbClr val="FFFFFF"/>
-          </a:solidFill>
-          <a:ln w="9525">
-            <a:solidFill>
-              <a:srgbClr val="000000"/>
-            </a:solidFill>
-            <a:miter lim="800000"/>
-            <a:headEnd/>
-            <a:tailEnd/>
-          </a:ln>
-        </p:spPr>
-        <p:txBody>
-          <a:bodyPr rot="0" vert="horz" wrap="square" lIns="91440" tIns="45720" rIns="91440" bIns="45720" anchor="t" anchorCtr="0" upright="1">
-            <a:noAutofit/>
-          </a:bodyPr>
-          <a:lstStyle/>
-          <a:p>
-            <a:endParaRPr lang="fr-BE"/>
-          </a:p>
-        </p:txBody>
-      </p:sp>
-      <p:sp>
-        <p:nvSpPr>
-          <p:cNvPr id="50" name="AutoShape 18">
-            <a:extLst>
-              <a:ext uri="{FF2B5EF4-FFF2-40B4-BE49-F238E27FC236}">
-                <a16:creationId xmlns:a16="http://schemas.microsoft.com/office/drawing/2014/main" id="{77FE9C67-3BA8-4FFB-ABDB-471C6DA7CC99}"/>
-              </a:ext>
-            </a:extLst>
-          </p:cNvPr>
-          <p:cNvSpPr>
-            <a:spLocks noChangeArrowheads="1"/>
-          </p:cNvSpPr>
-          <p:nvPr/>
-        </p:nvSpPr>
-        <p:spPr bwMode="auto">
-          <a:xfrm rot="16200000" flipV="1">
-            <a:off x="4779460" y="3209025"/>
-            <a:ext cx="677864" cy="1428855"/>
-          </a:xfrm>
-          <a:custGeom>
-            <a:avLst/>
-            <a:gdLst>
-              <a:gd name="G0" fmla="+- 9257 0 0"/>
-              <a:gd name="G1" fmla="+- 16904 0 0"/>
-              <a:gd name="G2" fmla="+- 9257 0 0"/>
-              <a:gd name="G3" fmla="*/ 9257 1 2"/>
-              <a:gd name="G4" fmla="+- G3 10800 0"/>
-              <a:gd name="G5" fmla="+- 21600 9257 16904"/>
-              <a:gd name="G6" fmla="+- 16904 9257 0"/>
-              <a:gd name="G7" fmla="*/ G6 1 2"/>
-              <a:gd name="G8" fmla="*/ 16904 2 1"/>
-              <a:gd name="G9" fmla="+- G8 0 21600"/>
-              <a:gd name="G10" fmla="*/ 21600 G0 G1"/>
-              <a:gd name="G11" fmla="*/ 21600 G4 G1"/>
-              <a:gd name="G12" fmla="*/ 21600 G5 G1"/>
-              <a:gd name="G13" fmla="*/ 21600 G7 G1"/>
-              <a:gd name="G14" fmla="*/ 16904 1 2"/>
-              <a:gd name="G15" fmla="+- G5 0 G4"/>
-              <a:gd name="G16" fmla="+- G0 0 G4"/>
-              <a:gd name="G17" fmla="*/ G2 G15 G16"/>
-              <a:gd name="T0" fmla="*/ 15429 w 21600"/>
-              <a:gd name="T1" fmla="*/ 0 h 21600"/>
-              <a:gd name="T2" fmla="*/ 9257 w 21600"/>
-              <a:gd name="T3" fmla="*/ 9257 h 21600"/>
-              <a:gd name="T4" fmla="*/ 0 w 21600"/>
-              <a:gd name="T5" fmla="*/ 19715 h 21600"/>
-              <a:gd name="T6" fmla="*/ 8452 w 21600"/>
-              <a:gd name="T7" fmla="*/ 21600 h 21600"/>
-              <a:gd name="T8" fmla="*/ 16904 w 21600"/>
-              <a:gd name="T9" fmla="*/ 16715 h 21600"/>
-              <a:gd name="T10" fmla="*/ 21600 w 21600"/>
-              <a:gd name="T11" fmla="*/ 9257 h 21600"/>
-              <a:gd name="T12" fmla="*/ 17694720 60000 65536"/>
-              <a:gd name="T13" fmla="*/ 11796480 60000 65536"/>
-              <a:gd name="T14" fmla="*/ 11796480 60000 65536"/>
-              <a:gd name="T15" fmla="*/ 5898240 60000 65536"/>
-              <a:gd name="T16" fmla="*/ 0 60000 65536"/>
-              <a:gd name="T17" fmla="*/ 0 60000 65536"/>
-              <a:gd name="T18" fmla="*/ 0 w 21600"/>
-              <a:gd name="T19" fmla="*/ G12 h 21600"/>
-              <a:gd name="T20" fmla="*/ G1 w 21600"/>
-              <a:gd name="T21" fmla="*/ 21600 h 21600"/>
-            </a:gdLst>
-            <a:ahLst/>
-            <a:cxnLst>
-              <a:cxn ang="T12">
-                <a:pos x="T0" y="T1"/>
-              </a:cxn>
-              <a:cxn ang="T13">
-                <a:pos x="T2" y="T3"/>
-              </a:cxn>
-              <a:cxn ang="T14">
-                <a:pos x="T4" y="T5"/>
-              </a:cxn>
-              <a:cxn ang="T15">
-                <a:pos x="T6" y="T7"/>
-              </a:cxn>
-              <a:cxn ang="T16">
-                <a:pos x="T8" y="T9"/>
-              </a:cxn>
-              <a:cxn ang="T17">
-                <a:pos x="T10" y="T11"/>
-              </a:cxn>
-            </a:cxnLst>
-            <a:rect l="T18" t="T19" r="T20" b="T21"/>
-            <a:pathLst>
-              <a:path w="21600" h="21600">
-                <a:moveTo>
-                  <a:pt x="15429" y="0"/>
-                </a:moveTo>
-                <a:lnTo>
-                  <a:pt x="9257" y="9257"/>
-                </a:lnTo>
-                <a:lnTo>
-                  <a:pt x="13953" y="9257"/>
-                </a:lnTo>
-                <a:lnTo>
-                  <a:pt x="13953" y="17829"/>
-                </a:lnTo>
-                <a:lnTo>
-                  <a:pt x="0" y="17829"/>
-                </a:lnTo>
-                <a:lnTo>
-                  <a:pt x="0" y="21600"/>
-                </a:lnTo>
-                <a:lnTo>
-                  <a:pt x="16904" y="21600"/>
-                </a:lnTo>
-                <a:lnTo>
-                  <a:pt x="16904" y="9257"/>
-                </a:lnTo>
-                <a:lnTo>
-                  <a:pt x="21600" y="9257"/>
-                </a:lnTo>
-                <a:close/>
-              </a:path>
-            </a:pathLst>
-          </a:custGeom>
-          <a:solidFill>
-            <a:srgbClr val="FFFFFF"/>
-          </a:solidFill>
-          <a:ln w="9525">
-            <a:solidFill>
-              <a:srgbClr val="000000"/>
-            </a:solidFill>
-            <a:miter lim="800000"/>
-            <a:headEnd/>
-            <a:tailEnd/>
-          </a:ln>
-        </p:spPr>
-        <p:txBody>
-          <a:bodyPr rot="0" vert="horz" wrap="square" lIns="91440" tIns="45720" rIns="91440" bIns="45720" anchor="t" anchorCtr="0" upright="1">
-            <a:noAutofit/>
-          </a:bodyPr>
-          <a:lstStyle/>
-          <a:p>
-            <a:endParaRPr lang="fr-BE"/>
-          </a:p>
-        </p:txBody>
-      </p:sp>
-      <p:sp>
-        <p:nvSpPr>
-          <p:cNvPr id="51" name="AutoShape 20">
-            <a:extLst>
-              <a:ext uri="{FF2B5EF4-FFF2-40B4-BE49-F238E27FC236}">
-                <a16:creationId xmlns:a16="http://schemas.microsoft.com/office/drawing/2014/main" id="{495816FE-360C-4416-AA44-EC25F6B31ED1}"/>
-              </a:ext>
-            </a:extLst>
-          </p:cNvPr>
-          <p:cNvSpPr>
-            <a:spLocks noChangeArrowheads="1"/>
-          </p:cNvSpPr>
-          <p:nvPr/>
-        </p:nvSpPr>
-        <p:spPr bwMode="auto">
-          <a:xfrm>
-            <a:off x="8063516" y="3262058"/>
-            <a:ext cx="664210" cy="294005"/>
-          </a:xfrm>
-          <a:prstGeom prst="stripedRightArrow">
-            <a:avLst>
-              <a:gd name="adj1" fmla="val 50000"/>
-              <a:gd name="adj2" fmla="val 56479"/>
-            </a:avLst>
-          </a:prstGeom>
-          <a:solidFill>
-            <a:srgbClr val="FFFFFF"/>
-          </a:solidFill>
-          <a:ln w="9525">
-            <a:solidFill>
-              <a:srgbClr val="000000"/>
-            </a:solidFill>
-            <a:miter lim="800000"/>
-            <a:headEnd/>
-            <a:tailEnd/>
-          </a:ln>
-        </p:spPr>
-        <p:txBody>
-          <a:bodyPr rot="0" vert="horz" wrap="square" lIns="91440" tIns="45720" rIns="91440" bIns="45720" anchor="t" anchorCtr="0" upright="1">
-            <a:noAutofit/>
-          </a:bodyPr>
-          <a:lstStyle/>
-          <a:p>
-            <a:endParaRPr lang="fr-BE"/>
-          </a:p>
-        </p:txBody>
-      </p:sp>
-      <p:sp>
-        <p:nvSpPr>
-          <p:cNvPr id="2055" name="AutoShape 21">
-            <a:extLst>
-              <a:ext uri="{FF2B5EF4-FFF2-40B4-BE49-F238E27FC236}">
-                <a16:creationId xmlns:a16="http://schemas.microsoft.com/office/drawing/2014/main" id="{C1353CE9-6F77-43DC-8E25-341C7C01ACC2}"/>
-              </a:ext>
-            </a:extLst>
-          </p:cNvPr>
-          <p:cNvSpPr>
-            <a:spLocks noChangeArrowheads="1"/>
-          </p:cNvSpPr>
-          <p:nvPr/>
-        </p:nvSpPr>
-        <p:spPr bwMode="auto">
-          <a:xfrm>
-            <a:off x="8873734" y="2751726"/>
-            <a:ext cx="1000125" cy="1198563"/>
-          </a:xfrm>
-          <a:prstGeom prst="flowChartPredefinedProcess">
-            <a:avLst/>
-          </a:prstGeom>
-          <a:solidFill>
-            <a:srgbClr val="FFFFFF"/>
-          </a:solidFill>
-          <a:ln w="9525">
-            <a:solidFill>
-              <a:srgbClr val="000000"/>
-            </a:solidFill>
-            <a:miter lim="800000"/>
-            <a:headEnd/>
-            <a:tailEnd/>
-          </a:ln>
-        </p:spPr>
-        <p:txBody>
-          <a:bodyPr vert="horz" wrap="square" lIns="91440" tIns="45720" rIns="91440" bIns="45720" numCol="1" anchor="ctr" anchorCtr="0" compatLnSpc="1">
-            <a:prstTxWarp prst="textNoShape">
-              <a:avLst/>
-            </a:prstTxWarp>
-          </a:bodyPr>
-          <a:lstStyle/>
-          <a:p>
-            <a:pPr marL="0" marR="0" lvl="0" indent="0" algn="ctr" defTabSz="914400" rtl="0" eaLnBrk="0" fontAlgn="base" latinLnBrk="0" hangingPunct="0">
-              <a:lnSpc>
-                <a:spcPct val="100000"/>
-              </a:lnSpc>
-              <a:spcBef>
-                <a:spcPct val="0"/>
-              </a:spcBef>
-              <a:spcAft>
-                <a:spcPct val="0"/>
-              </a:spcAft>
-              <a:buClrTx/>
-              <a:buSzTx/>
-              <a:buFontTx/>
-              <a:buNone/>
-              <a:tabLst/>
-            </a:pPr>
-            <a:r>
-              <a:rPr kumimoji="0" lang="fr-FR" altLang="fr-FR" sz="1100" b="0" i="0" u="none" strike="noStrike" cap="none" normalizeH="0" baseline="0" dirty="0">
-                <a:ln>
-                  <a:noFill/>
-                </a:ln>
-                <a:solidFill>
-                  <a:schemeClr val="tx1"/>
-                </a:solidFill>
-                <a:effectLst/>
-                <a:latin typeface="Verdana" panose="020B0604030504040204" pitchFamily="34" charset="0"/>
-                <a:ea typeface="Times New Roman" panose="02020603050405020304" pitchFamily="18" charset="0"/>
-                <a:cs typeface="Times New Roman" panose="02020603050405020304" pitchFamily="18" charset="0"/>
-              </a:rPr>
-              <a:t>VRAIE</a:t>
-            </a:r>
-            <a:endParaRPr kumimoji="0" lang="fr-FR" altLang="fr-FR" sz="800" b="0" i="0" u="none" strike="noStrike" cap="none" normalizeH="0" baseline="0" dirty="0">
-              <a:ln>
-                <a:noFill/>
-              </a:ln>
-              <a:solidFill>
-                <a:schemeClr val="tx1"/>
-              </a:solidFill>
-              <a:effectLst/>
-            </a:endParaRPr>
-          </a:p>
-          <a:p>
-            <a:pPr marL="0" marR="0" lvl="0" indent="0" algn="ctr" defTabSz="914400" rtl="0" eaLnBrk="0" fontAlgn="base" latinLnBrk="0" hangingPunct="0">
-              <a:lnSpc>
-                <a:spcPct val="100000"/>
-              </a:lnSpc>
-              <a:spcBef>
-                <a:spcPct val="0"/>
-              </a:spcBef>
-              <a:spcAft>
-                <a:spcPct val="0"/>
-              </a:spcAft>
-              <a:buClrTx/>
-              <a:buSzTx/>
-              <a:buFontTx/>
-              <a:buNone/>
-              <a:tabLst/>
-            </a:pPr>
-            <a:r>
-              <a:rPr kumimoji="0" lang="fr-FR" altLang="fr-FR" sz="1100" b="0" i="0" u="none" strike="noStrike" cap="none" normalizeH="0" baseline="0" dirty="0">
-                <a:ln>
-                  <a:noFill/>
-                </a:ln>
-                <a:solidFill>
-                  <a:schemeClr val="tx1"/>
-                </a:solidFill>
-                <a:effectLst/>
-                <a:latin typeface="Verdana" panose="020B0604030504040204" pitchFamily="34" charset="0"/>
-                <a:ea typeface="Times New Roman" panose="02020603050405020304" pitchFamily="18" charset="0"/>
-                <a:cs typeface="Times New Roman" panose="02020603050405020304" pitchFamily="18" charset="0"/>
-              </a:rPr>
-              <a:t>OU</a:t>
-            </a:r>
-            <a:endParaRPr kumimoji="0" lang="fr-FR" altLang="fr-FR" sz="800" b="0" i="0" u="none" strike="noStrike" cap="none" normalizeH="0" baseline="0" dirty="0">
-              <a:ln>
-                <a:noFill/>
-              </a:ln>
-              <a:solidFill>
-                <a:schemeClr val="tx1"/>
-              </a:solidFill>
-              <a:effectLst/>
-            </a:endParaRPr>
-          </a:p>
-          <a:p>
-            <a:pPr marL="0" marR="0" lvl="0" indent="0" algn="ctr" defTabSz="914400" rtl="0" eaLnBrk="0" fontAlgn="base" latinLnBrk="0" hangingPunct="0">
-              <a:lnSpc>
-                <a:spcPct val="100000"/>
-              </a:lnSpc>
-              <a:spcBef>
-                <a:spcPct val="0"/>
-              </a:spcBef>
-              <a:spcAft>
-                <a:spcPct val="0"/>
-              </a:spcAft>
-              <a:buClrTx/>
-              <a:buSzTx/>
-              <a:buFontTx/>
-              <a:buNone/>
-              <a:tabLst/>
-            </a:pPr>
-            <a:r>
-              <a:rPr kumimoji="0" lang="fr-FR" altLang="fr-FR" sz="1100" b="0" i="0" u="none" strike="noStrike" cap="none" normalizeH="0" baseline="0" dirty="0">
-                <a:ln>
-                  <a:noFill/>
-                </a:ln>
-                <a:solidFill>
-                  <a:schemeClr val="tx1"/>
-                </a:solidFill>
-                <a:effectLst/>
-                <a:latin typeface="Verdana" panose="020B0604030504040204" pitchFamily="34" charset="0"/>
-                <a:ea typeface="Times New Roman" panose="02020603050405020304" pitchFamily="18" charset="0"/>
-                <a:cs typeface="Times New Roman" panose="02020603050405020304" pitchFamily="18" charset="0"/>
-              </a:rPr>
-              <a:t>FAUSSE</a:t>
-            </a:r>
-            <a:endParaRPr kumimoji="0" lang="fr-FR" altLang="fr-FR" sz="1800" b="0" i="0" u="none" strike="noStrike" cap="none" normalizeH="0" baseline="0" dirty="0">
-              <a:ln>
-                <a:noFill/>
-              </a:ln>
-              <a:solidFill>
-                <a:schemeClr val="tx1"/>
-              </a:solidFill>
-              <a:effectLst/>
-              <a:latin typeface="Arial" panose="020B0604020202020204" pitchFamily="34" charset="0"/>
-            </a:endParaRPr>
-          </a:p>
-        </p:txBody>
-      </p:sp>
-      <p:sp>
-        <p:nvSpPr>
-          <p:cNvPr id="53" name="AutoShape 44">
-            <a:extLst>
-              <a:ext uri="{FF2B5EF4-FFF2-40B4-BE49-F238E27FC236}">
-                <a16:creationId xmlns:a16="http://schemas.microsoft.com/office/drawing/2014/main" id="{158DC79E-19B5-4655-AD90-55B2101E5A9A}"/>
-              </a:ext>
-            </a:extLst>
-          </p:cNvPr>
-          <p:cNvSpPr>
-            <a:spLocks noChangeArrowheads="1"/>
-          </p:cNvSpPr>
-          <p:nvPr/>
-        </p:nvSpPr>
-        <p:spPr bwMode="auto">
-          <a:xfrm>
-            <a:off x="1302756" y="4727532"/>
-            <a:ext cx="665006" cy="182346"/>
-          </a:xfrm>
-          <a:prstGeom prst="rightArrow">
-            <a:avLst>
-              <a:gd name="adj1" fmla="val 50000"/>
-              <a:gd name="adj2" fmla="val 134699"/>
-            </a:avLst>
-          </a:prstGeom>
-          <a:solidFill>
-            <a:srgbClr val="5B9BD5"/>
-          </a:solidFill>
-          <a:ln>
-            <a:noFill/>
-          </a:ln>
-          <a:extLst>
-            <a:ext uri="{91240B29-F687-4F45-9708-019B960494DF}">
-              <a14:hiddenLine xmlns:a14="http://schemas.microsoft.com/office/drawing/2010/main" w="9525">
-                <a:solidFill>
-                  <a:srgbClr val="000000"/>
-                </a:solidFill>
-                <a:miter lim="800000"/>
-                <a:headEnd/>
-                <a:tailEnd/>
-              </a14:hiddenLine>
-            </a:ext>
-          </a:extLst>
-        </p:spPr>
-        <p:txBody>
-          <a:bodyPr rot="0" vert="horz" wrap="square" lIns="91440" tIns="45720" rIns="91440" bIns="45720" anchor="t" anchorCtr="0" upright="1">
-            <a:noAutofit/>
-          </a:bodyPr>
-          <a:lstStyle/>
-          <a:p>
-            <a:endParaRPr lang="fr-BE"/>
-          </a:p>
-        </p:txBody>
-      </p:sp>
-      <p:sp>
-        <p:nvSpPr>
-          <p:cNvPr id="2056" name="Zone de texte 84">
-            <a:extLst>
-              <a:ext uri="{FF2B5EF4-FFF2-40B4-BE49-F238E27FC236}">
-                <a16:creationId xmlns:a16="http://schemas.microsoft.com/office/drawing/2014/main" id="{FC552227-D4AA-460D-8C50-0C4E5F87CEA5}"/>
-              </a:ext>
-            </a:extLst>
-          </p:cNvPr>
-          <p:cNvSpPr txBox="1">
-            <a:spLocks noChangeArrowheads="1"/>
-          </p:cNvSpPr>
-          <p:nvPr/>
-        </p:nvSpPr>
-        <p:spPr bwMode="auto">
-          <a:xfrm>
-            <a:off x="588010" y="4366826"/>
-            <a:ext cx="485775" cy="368300"/>
-          </a:xfrm>
-          <a:prstGeom prst="rect">
-            <a:avLst/>
-          </a:prstGeom>
-          <a:noFill/>
-          <a:ln>
-            <a:noFill/>
-          </a:ln>
-          <a:extLst>
-            <a:ext uri="{909E8E84-426E-40DD-AFC4-6F175D3DCCD1}">
-              <a14:hiddenFill xmlns:a14="http://schemas.microsoft.com/office/drawing/2010/main">
-                <a:solidFill>
-                  <a:srgbClr val="FFFFFF"/>
-                </a:solidFill>
-              </a14:hiddenFill>
-            </a:ext>
-            <a:ext uri="{91240B29-F687-4F45-9708-019B960494DF}">
-              <a14:hiddenLine xmlns:a14="http://schemas.microsoft.com/office/drawing/2010/main" w="6350">
-                <a:solidFill>
-                  <a:srgbClr val="000000"/>
-                </a:solidFill>
-                <a:miter lim="800000"/>
-                <a:headEnd/>
-                <a:tailEnd/>
-              </a14:hiddenLine>
-            </a:ext>
-          </a:extLst>
-        </p:spPr>
-        <p:txBody>
-          <a:bodyPr vert="horz" wrap="square" lIns="91440" tIns="45720" rIns="91440" bIns="45720" numCol="1" anchor="t" anchorCtr="0" compatLnSpc="1">
-            <a:prstTxWarp prst="textNoShape">
-              <a:avLst/>
-            </a:prstTxWarp>
-          </a:bodyPr>
-          <a:lstStyle/>
-          <a:p>
-            <a:pPr marL="0" marR="0" lvl="0" indent="0" algn="l" defTabSz="914400" rtl="0" eaLnBrk="0" fontAlgn="base" latinLnBrk="0" hangingPunct="0">
-              <a:lnSpc>
-                <a:spcPct val="100000"/>
-              </a:lnSpc>
-              <a:spcBef>
-                <a:spcPct val="0"/>
-              </a:spcBef>
-              <a:spcAft>
-                <a:spcPct val="0"/>
-              </a:spcAft>
-              <a:buClrTx/>
-              <a:buSzTx/>
-              <a:buFontTx/>
-              <a:buNone/>
-              <a:tabLst/>
-            </a:pPr>
-            <a:r>
-              <a:rPr kumimoji="0" lang="fr-FR" altLang="fr-FR" sz="4400" b="0" i="1" u="none" strike="noStrike" cap="none" normalizeH="0" baseline="0" dirty="0">
-                <a:ln>
-                  <a:noFill/>
-                </a:ln>
-                <a:solidFill>
-                  <a:schemeClr val="tx1"/>
-                </a:solidFill>
-                <a:effectLst/>
-                <a:latin typeface="Cambria Math" panose="02040503050406030204" pitchFamily="18" charset="0"/>
-                <a:ea typeface="Times New Roman" panose="02020603050405020304" pitchFamily="18" charset="0"/>
-                <a:cs typeface="Times New Roman" panose="02020603050405020304" pitchFamily="18" charset="0"/>
-              </a:rPr>
-              <a:t>z</a:t>
-            </a:r>
-            <a:endParaRPr kumimoji="0" lang="fr-FR" altLang="fr-FR" sz="4400" b="0" i="0" u="none" strike="noStrike" cap="none" normalizeH="0" baseline="0" dirty="0">
-              <a:ln>
-                <a:noFill/>
-              </a:ln>
-              <a:solidFill>
-                <a:schemeClr val="tx1"/>
-              </a:solidFill>
-              <a:effectLst/>
-              <a:latin typeface="Arial" panose="020B0604020202020204" pitchFamily="34" charset="0"/>
-            </a:endParaRPr>
-          </a:p>
-        </p:txBody>
-      </p:sp>
-      <p:sp>
-        <p:nvSpPr>
-          <p:cNvPr id="2057" name="Rectangle 54">
-            <a:extLst>
-              <a:ext uri="{FF2B5EF4-FFF2-40B4-BE49-F238E27FC236}">
-                <a16:creationId xmlns:a16="http://schemas.microsoft.com/office/drawing/2014/main" id="{D601683B-98A2-4199-BFCC-2A84D41164D5}"/>
-              </a:ext>
-            </a:extLst>
-          </p:cNvPr>
-          <p:cNvSpPr>
-            <a:spLocks noChangeArrowheads="1"/>
-          </p:cNvSpPr>
-          <p:nvPr/>
-        </p:nvSpPr>
-        <p:spPr bwMode="auto">
-          <a:xfrm>
-            <a:off x="304800" y="1401247"/>
+            <a:off x="838200" y="1869004"/>
             <a:ext cx="12192000" cy="457200"/>
-          </a:xfrm>
-          <a:prstGeom prst="rect">
-            <a:avLst/>
-          </a:prstGeom>
-          <a:noFill/>
-          <a:ln>
-            <a:noFill/>
-          </a:ln>
-          <a:effectLst/>
-          <a:extLst>
-            <a:ext uri="{909E8E84-426E-40DD-AFC4-6F175D3DCCD1}">
-              <a14:hiddenFill xmlns:a14="http://schemas.microsoft.com/office/drawing/2010/main">
-                <a:solidFill>
-                  <a:schemeClr val="accent1"/>
-                </a:solidFill>
-              </a14:hiddenFill>
-            </a:ext>
-            <a:ext uri="{91240B29-F687-4F45-9708-019B960494DF}">
-              <a14:hiddenLine xmlns:a14="http://schemas.microsoft.com/office/drawing/2010/main" w="9525">
-                <a:solidFill>
-                  <a:schemeClr val="tx1"/>
-                </a:solidFill>
-                <a:miter lim="800000"/>
-                <a:headEnd/>
-                <a:tailEnd/>
-              </a14:hiddenLine>
-            </a:ext>
-            <a:ext uri="{AF507438-7753-43E0-B8FC-AC1667EBCBE1}">
-              <a14:hiddenEffects xmlns:a14="http://schemas.microsoft.com/office/drawing/2010/main">
-                <a:effectLst>
-                  <a:outerShdw dist="35921" dir="2700000" algn="ctr" rotWithShape="0">
-                    <a:schemeClr val="bg2"/>
-                  </a:outerShdw>
-                </a:effectLst>
-              </a14:hiddenEffects>
-            </a:ext>
-          </a:extLst>
-        </p:spPr>
-        <p:txBody>
-          <a:bodyPr vert="horz" wrap="none" lIns="91440" tIns="45720" rIns="91440" bIns="45720" numCol="1" anchor="ctr" anchorCtr="0" compatLnSpc="1">
-            <a:prstTxWarp prst="textNoShape">
-              <a:avLst/>
-            </a:prstTxWarp>
-            <a:spAutoFit/>
-          </a:bodyPr>
-          <a:lstStyle/>
-          <a:p>
-            <a:endParaRPr lang="fr-BE"/>
-          </a:p>
-        </p:txBody>
-      </p:sp>
-      <p:sp>
-        <p:nvSpPr>
-          <p:cNvPr id="2058" name="Rectangle 55">
-            <a:extLst>
-              <a:ext uri="{FF2B5EF4-FFF2-40B4-BE49-F238E27FC236}">
-                <a16:creationId xmlns:a16="http://schemas.microsoft.com/office/drawing/2014/main" id="{A78158CE-C9E9-4808-B773-C01D500E742C}"/>
-              </a:ext>
-            </a:extLst>
-          </p:cNvPr>
-          <p:cNvSpPr>
-            <a:spLocks noChangeArrowheads="1"/>
-          </p:cNvSpPr>
-          <p:nvPr/>
-        </p:nvSpPr>
-        <p:spPr bwMode="auto">
-          <a:xfrm>
-            <a:off x="304800" y="1858447"/>
-            <a:ext cx="12192000" cy="457200"/>
-          </a:xfrm>
-          <a:prstGeom prst="rect">
-            <a:avLst/>
-          </a:prstGeom>
-          <a:noFill/>
-          <a:ln>
-            <a:noFill/>
-          </a:ln>
-          <a:effectLst/>
-          <a:extLst>
-            <a:ext uri="{909E8E84-426E-40DD-AFC4-6F175D3DCCD1}">
-              <a14:hiddenFill xmlns:a14="http://schemas.microsoft.com/office/drawing/2010/main">
-                <a:solidFill>
-                  <a:schemeClr val="accent1"/>
-                </a:solidFill>
-              </a14:hiddenFill>
-            </a:ext>
-            <a:ext uri="{91240B29-F687-4F45-9708-019B960494DF}">
-              <a14:hiddenLine xmlns:a14="http://schemas.microsoft.com/office/drawing/2010/main" w="9525">
-                <a:solidFill>
-                  <a:schemeClr val="tx1"/>
-                </a:solidFill>
-                <a:miter lim="800000"/>
-                <a:headEnd/>
-                <a:tailEnd/>
-              </a14:hiddenLine>
-            </a:ext>
-            <a:ext uri="{AF507438-7753-43E0-B8FC-AC1667EBCBE1}">
-              <a14:hiddenEffects xmlns:a14="http://schemas.microsoft.com/office/drawing/2010/main">
-                <a:effectLst>
-                  <a:outerShdw dist="35921" dir="2700000" algn="ctr" rotWithShape="0">
-                    <a:schemeClr val="bg2"/>
-                  </a:outerShdw>
-                </a:effectLst>
-              </a14:hiddenEffects>
-            </a:ext>
-          </a:extLst>
-        </p:spPr>
-        <p:txBody>
-          <a:bodyPr vert="horz" wrap="none" lIns="91440" tIns="45720" rIns="91440" bIns="45720" numCol="1" anchor="ctr" anchorCtr="0" compatLnSpc="1">
-            <a:prstTxWarp prst="textNoShape">
-              <a:avLst/>
-            </a:prstTxWarp>
-            <a:spAutoFit/>
-          </a:bodyPr>
-          <a:lstStyle/>
-          <a:p>
-            <a:endParaRPr lang="fr-BE"/>
-          </a:p>
-        </p:txBody>
-      </p:sp>
-      <p:sp>
-        <p:nvSpPr>
-          <p:cNvPr id="2060" name="Rectangle 57">
-            <a:extLst>
-              <a:ext uri="{FF2B5EF4-FFF2-40B4-BE49-F238E27FC236}">
-                <a16:creationId xmlns:a16="http://schemas.microsoft.com/office/drawing/2014/main" id="{90B5CCA3-A1A8-4B43-BEBD-E500C68F3F81}"/>
-              </a:ext>
-            </a:extLst>
-          </p:cNvPr>
-          <p:cNvSpPr>
-            <a:spLocks noChangeArrowheads="1"/>
-          </p:cNvSpPr>
-          <p:nvPr/>
-        </p:nvSpPr>
-        <p:spPr bwMode="auto">
-          <a:xfrm>
-            <a:off x="304800" y="2315647"/>
-            <a:ext cx="12192000" cy="0"/>
           </a:xfrm>
           <a:prstGeom prst="rect">
             <a:avLst/>
@@ -11878,10 +12466,10 @@
       </p:sp>
       <p:sp>
         <p:nvSpPr>
-          <p:cNvPr id="2061" name="Rectangle 59">
-            <a:extLst>
-              <a:ext uri="{FF2B5EF4-FFF2-40B4-BE49-F238E27FC236}">
-                <a16:creationId xmlns:a16="http://schemas.microsoft.com/office/drawing/2014/main" id="{E3D8B7DF-4B2F-4B77-9608-9B771B694975}"/>
+          <p:cNvPr id="23" name="Rectangle 30">
+            <a:extLst>
+              <a:ext uri="{FF2B5EF4-FFF2-40B4-BE49-F238E27FC236}">
+                <a16:creationId xmlns:a16="http://schemas.microsoft.com/office/drawing/2014/main" id="{9D8AFB7E-6045-4401-9AE5-22A21EE29FA8}"/>
               </a:ext>
             </a:extLst>
           </p:cNvPr>
@@ -11892,8 +12480,8 @@
         </p:nvSpPr>
         <p:spPr bwMode="auto">
           <a:xfrm>
-            <a:off x="3813572" y="2235045"/>
-            <a:ext cx="1537601" cy="584775"/>
+            <a:off x="838200" y="2326204"/>
+            <a:ext cx="12192000" cy="0"/>
           </a:xfrm>
           <a:prstGeom prst="rect">
             <a:avLst/>
@@ -11941,16 +12529,24 @@
           </a:bodyPr>
           <a:lstStyle/>
           <a:p>
-            <a:pPr algn="ctr" eaLnBrk="0" fontAlgn="base" hangingPunct="0">
+            <a:pPr marL="0" marR="0" lvl="0" indent="0" algn="l" defTabSz="914400" rtl="0" eaLnBrk="0" fontAlgn="base" latinLnBrk="0" hangingPunct="0">
+              <a:lnSpc>
+                <a:spcPct val="100000"/>
+              </a:lnSpc>
               <a:spcBef>
                 <a:spcPct val="0"/>
               </a:spcBef>
               <a:spcAft>
                 <a:spcPct val="0"/>
               </a:spcAft>
+              <a:buClrTx/>
+              <a:buSzTx/>
+              <a:buFontTx/>
+              <a:buNone/>
+              <a:tabLst/>
             </a:pPr>
             <a:r>
-              <a:rPr kumimoji="0" lang="fr-BE" altLang="fr-FR" sz="1600" b="0" i="0" u="none" strike="noStrike" cap="none" normalizeH="0" baseline="0" dirty="0">
+              <a:rPr kumimoji="0" lang="fr-BE" altLang="fr-FR" sz="1100" b="0" i="0" u="none" strike="noStrike" cap="none" normalizeH="0" baseline="0">
                 <a:ln>
                   <a:noFill/>
                 </a:ln>
@@ -11962,9 +12558,9 @@
                 <a:ea typeface="Times New Roman" panose="02020603050405020304" pitchFamily="18" charset="0"/>
                 <a:cs typeface="Times New Roman" panose="02020603050405020304" pitchFamily="18" charset="0"/>
               </a:rPr>
-              <a:t>Image Réelle</a:t>
-            </a:r>
-            <a:endParaRPr kumimoji="0" lang="fr-BE" altLang="fr-FR" sz="1600" b="0" i="0" u="none" strike="noStrike" cap="none" normalizeH="0" baseline="0" dirty="0">
+              <a:t>	</a:t>
+            </a:r>
+            <a:endParaRPr kumimoji="0" lang="fr-BE" altLang="fr-FR" sz="800" b="0" i="0" u="none" strike="noStrike" cap="none" normalizeH="0" baseline="0">
               <a:ln>
                 <a:noFill/>
               </a:ln>
@@ -11975,7 +12571,7 @@
             </a:endParaRPr>
           </a:p>
           <a:p>
-            <a:pPr marL="0" marR="0" lvl="0" indent="0" algn="ctr" defTabSz="914400" rtl="0" eaLnBrk="0" fontAlgn="base" latinLnBrk="0" hangingPunct="0">
+            <a:pPr marL="0" marR="0" lvl="0" indent="0" algn="l" defTabSz="914400" rtl="0" eaLnBrk="0" fontAlgn="base" latinLnBrk="0" hangingPunct="0">
               <a:lnSpc>
                 <a:spcPct val="100000"/>
               </a:lnSpc>
@@ -11991,22 +12587,7 @@
               <a:buNone/>
               <a:tabLst/>
             </a:pPr>
-            <a:r>
-              <a:rPr kumimoji="0" lang="fr-BE" altLang="fr-FR" sz="1600" b="0" i="1" u="none" strike="noStrike" cap="none" normalizeH="0" baseline="0" dirty="0">
-                <a:ln>
-                  <a:noFill/>
-                </a:ln>
-                <a:solidFill>
-                  <a:schemeClr val="tx1"/>
-                </a:solidFill>
-                <a:effectLst/>
-                <a:latin typeface="Cambria Math" panose="02040503050406030204" pitchFamily="18" charset="0"/>
-                <a:ea typeface="Times New Roman" panose="02020603050405020304" pitchFamily="18" charset="0"/>
-                <a:cs typeface="Times New Roman" panose="02020603050405020304" pitchFamily="18" charset="0"/>
-              </a:rPr>
-              <a:t>x</a:t>
-            </a:r>
-            <a:endParaRPr kumimoji="0" lang="fr-BE" altLang="fr-FR" sz="1600" b="0" i="0" u="none" strike="noStrike" cap="none" normalizeH="0" baseline="0" dirty="0">
+            <a:endParaRPr kumimoji="0" lang="fr-BE" altLang="fr-FR" sz="1800" b="0" i="0" u="none" strike="noStrike" cap="none" normalizeH="0" baseline="0">
               <a:ln>
                 <a:noFill/>
               </a:ln>
@@ -12014,16 +12595,17 @@
                 <a:schemeClr val="tx1"/>
               </a:solidFill>
               <a:effectLst/>
+              <a:latin typeface="Arial" panose="020B0604020202020204" pitchFamily="34" charset="0"/>
             </a:endParaRPr>
           </a:p>
         </p:txBody>
       </p:sp>
       <p:sp>
         <p:nvSpPr>
-          <p:cNvPr id="2063" name="Rectangle 62">
-            <a:extLst>
-              <a:ext uri="{FF2B5EF4-FFF2-40B4-BE49-F238E27FC236}">
-                <a16:creationId xmlns:a16="http://schemas.microsoft.com/office/drawing/2014/main" id="{8A8127A7-2EA5-462F-BF78-FAC7186D57A2}"/>
+          <p:cNvPr id="24" name="Rectangle 32">
+            <a:extLst>
+              <a:ext uri="{FF2B5EF4-FFF2-40B4-BE49-F238E27FC236}">
+                <a16:creationId xmlns:a16="http://schemas.microsoft.com/office/drawing/2014/main" id="{5D80B3F5-D622-4CA1-BC19-169C9B40DA57}"/>
               </a:ext>
             </a:extLst>
           </p:cNvPr>
@@ -12033,9 +12615,9 @@
           <p:nvPr/>
         </p:nvSpPr>
         <p:spPr bwMode="auto">
-          <a:xfrm>
-            <a:off x="304800" y="2315647"/>
-            <a:ext cx="12192000" cy="457200"/>
+          <a:xfrm rot="10800000" flipV="1">
+            <a:off x="492620" y="2818417"/>
+            <a:ext cx="2037994" cy="1215717"/>
           </a:xfrm>
           <a:prstGeom prst="rect">
             <a:avLst/>
@@ -12075,75 +12657,6 @@
           </a:extLst>
         </p:spPr>
         <p:txBody>
-          <a:bodyPr vert="horz" wrap="none" lIns="91440" tIns="45720" rIns="91440" bIns="45720" numCol="1" anchor="ctr" anchorCtr="0" compatLnSpc="1">
-            <a:prstTxWarp prst="textNoShape">
-              <a:avLst/>
-            </a:prstTxWarp>
-            <a:spAutoFit/>
-          </a:bodyPr>
-          <a:lstStyle/>
-          <a:p>
-            <a:endParaRPr lang="fr-BE"/>
-          </a:p>
-        </p:txBody>
-      </p:sp>
-      <p:sp>
-        <p:nvSpPr>
-          <p:cNvPr id="2064" name="Rectangle 64">
-            <a:extLst>
-              <a:ext uri="{FF2B5EF4-FFF2-40B4-BE49-F238E27FC236}">
-                <a16:creationId xmlns:a16="http://schemas.microsoft.com/office/drawing/2014/main" id="{D196A0E6-8D88-4CF9-9FF7-FFB2A9AE6C0B}"/>
-              </a:ext>
-            </a:extLst>
-          </p:cNvPr>
-          <p:cNvSpPr>
-            <a:spLocks noChangeArrowheads="1"/>
-          </p:cNvSpPr>
-          <p:nvPr/>
-        </p:nvSpPr>
-        <p:spPr bwMode="auto">
-          <a:xfrm>
-            <a:off x="3581400" y="5076627"/>
-            <a:ext cx="1969505" cy="877163"/>
-          </a:xfrm>
-          <a:prstGeom prst="rect">
-            <a:avLst/>
-          </a:prstGeom>
-          <a:noFill/>
-          <a:ln>
-            <a:noFill/>
-          </a:ln>
-          <a:effectLst/>
-          <a:extLst>
-            <a:ext uri="{909E8E84-426E-40DD-AFC4-6F175D3DCCD1}">
-              <a14:hiddenFill xmlns:a14="http://schemas.microsoft.com/office/drawing/2010/main">
-                <a:solidFill>
-                  <a:schemeClr val="accent1"/>
-                </a:solidFill>
-              </a14:hiddenFill>
-            </a:ext>
-            <a:ext uri="{91240B29-F687-4F45-9708-019B960494DF}">
-              <a14:hiddenLine xmlns:a14="http://schemas.microsoft.com/office/drawing/2010/main" w="9525">
-                <a:solidFill>
-                  <a:schemeClr val="tx1"/>
-                </a:solidFill>
-                <a:miter lim="800000"/>
-                <a:headEnd/>
-                <a:tailEnd/>
-              </a14:hiddenLine>
-            </a:ext>
-            <a:ext uri="{AF507438-7753-43E0-B8FC-AC1667EBCBE1}">
-              <a14:hiddenEffects xmlns:a14="http://schemas.microsoft.com/office/drawing/2010/main">
-                <a:effectLst>
-                  <a:outerShdw dist="35921" dir="2700000" algn="ctr" rotWithShape="0">
-                    <a:schemeClr val="bg2"/>
-                  </a:outerShdw>
-                </a:effectLst>
-              </a14:hiddenEffects>
-            </a:ext>
-          </a:extLst>
-        </p:spPr>
-        <p:txBody>
           <a:bodyPr vert="horz" wrap="square" lIns="91440" tIns="45720" rIns="91440" bIns="45720" numCol="1" anchor="ctr" anchorCtr="0" compatLnSpc="1">
             <a:prstTxWarp prst="textNoShape">
               <a:avLst/>
@@ -12179,60 +12692,6 @@
             </a:endParaRPr>
           </a:p>
           <a:p>
-            <a:pPr lvl="0" algn="ctr" eaLnBrk="0" fontAlgn="base" hangingPunct="0">
-              <a:spcBef>
-                <a:spcPct val="0"/>
-              </a:spcBef>
-              <a:spcAft>
-                <a:spcPct val="0"/>
-              </a:spcAft>
-            </a:pPr>
-            <a:r>
-              <a:rPr kumimoji="0" lang="fr-BE" altLang="fr-FR" sz="1600" b="0" i="0" u="none" strike="noStrike" cap="none" normalizeH="0" baseline="0" dirty="0">
-                <a:ln>
-                  <a:noFill/>
-                </a:ln>
-                <a:solidFill>
-                  <a:schemeClr val="tx1"/>
-                </a:solidFill>
-                <a:effectLst/>
-                <a:latin typeface="Verdana" panose="020B0604030504040204" pitchFamily="34" charset="0"/>
-                <a:ea typeface="Times New Roman" panose="02020603050405020304" pitchFamily="18" charset="0"/>
-                <a:cs typeface="Times New Roman" panose="02020603050405020304" pitchFamily="18" charset="0"/>
-              </a:rPr>
-              <a:t>Fausse image</a:t>
-            </a:r>
-            <a:endParaRPr lang="fr-BE" altLang="fr-FR" sz="1600" dirty="0"/>
-          </a:p>
-          <a:p>
-            <a:pPr lvl="0" algn="ctr" eaLnBrk="0" fontAlgn="base" hangingPunct="0">
-              <a:spcBef>
-                <a:spcPct val="0"/>
-              </a:spcBef>
-              <a:spcAft>
-                <a:spcPct val="0"/>
-              </a:spcAft>
-            </a:pPr>
-            <a:r>
-              <a:rPr kumimoji="0" lang="fr-BE" altLang="fr-FR" sz="1600" b="0" i="1" u="none" strike="noStrike" cap="none" normalizeH="0" baseline="0" dirty="0">
-                <a:ln>
-                  <a:noFill/>
-                </a:ln>
-                <a:solidFill>
-                  <a:schemeClr val="tx1"/>
-                </a:solidFill>
-                <a:effectLst/>
-                <a:latin typeface="Cambria Math" panose="02040503050406030204" pitchFamily="18" charset="0"/>
-                <a:ea typeface="Times New Roman" panose="02020603050405020304" pitchFamily="18" charset="0"/>
-                <a:cs typeface="Times New Roman" panose="02020603050405020304" pitchFamily="18" charset="0"/>
-              </a:rPr>
-              <a:t>G(z)</a:t>
-            </a:r>
-            <a:endParaRPr lang="fr-BE" altLang="fr-FR" sz="1600" dirty="0">
-              <a:latin typeface="Arial" panose="020B0604020202020204" pitchFamily="34" charset="0"/>
-            </a:endParaRPr>
-          </a:p>
-          <a:p>
             <a:pPr marL="0" marR="0" lvl="0" indent="0" algn="l" defTabSz="914400" rtl="0" eaLnBrk="0" fontAlgn="base" latinLnBrk="0" hangingPunct="0">
               <a:lnSpc>
                 <a:spcPct val="100000"/>
@@ -12249,8 +12708,8 @@
               <a:buNone/>
               <a:tabLst/>
             </a:pPr>
-            <a:r>
-              <a:rPr kumimoji="0" lang="fr-BE" altLang="fr-FR" sz="1100" b="0" i="0" u="none" strike="noStrike" cap="none" normalizeH="0" baseline="0" dirty="0">
+            <a:br>
+              <a:rPr kumimoji="0" lang="fr-BE" altLang="fr-FR" sz="1800" b="0" i="0" u="none" strike="noStrike" cap="none" normalizeH="0" baseline="0" dirty="0">
                 <a:ln>
                   <a:noFill/>
                 </a:ln>
@@ -12258,12 +12717,9 @@
                   <a:schemeClr val="tx1"/>
                 </a:solidFill>
                 <a:effectLst/>
-                <a:latin typeface="Verdana" panose="020B0604030504040204" pitchFamily="34" charset="0"/>
-                <a:ea typeface="Times New Roman" panose="02020603050405020304" pitchFamily="18" charset="0"/>
-                <a:cs typeface="Times New Roman" panose="02020603050405020304" pitchFamily="18" charset="0"/>
+                <a:latin typeface="Arial" panose="020B0604020202020204" pitchFamily="34" charset="0"/>
               </a:rPr>
-              <a:t>	</a:t>
-            </a:r>
+            </a:br>
             <a:endParaRPr kumimoji="0" lang="fr-BE" altLang="fr-FR" sz="1800" b="0" i="0" u="none" strike="noStrike" cap="none" normalizeH="0" baseline="0" dirty="0">
               <a:ln>
                 <a:noFill/>
@@ -12275,46 +12731,32 @@
               <a:latin typeface="Arial" panose="020B0604020202020204" pitchFamily="34" charset="0"/>
             </a:endParaRPr>
           </a:p>
-        </p:txBody>
-      </p:sp>
-      <p:sp>
-        <p:nvSpPr>
-          <p:cNvPr id="2065" name="ZoneTexte 2064">
-            <a:extLst>
-              <a:ext uri="{FF2B5EF4-FFF2-40B4-BE49-F238E27FC236}">
-                <a16:creationId xmlns:a16="http://schemas.microsoft.com/office/drawing/2014/main" id="{7D16A4B2-618E-4360-9A62-AFE24D3EFA08}"/>
-              </a:ext>
-            </a:extLst>
-          </p:cNvPr>
-          <p:cNvSpPr txBox="1"/>
-          <p:nvPr/>
-        </p:nvSpPr>
-        <p:spPr>
-          <a:xfrm flipH="1">
-            <a:off x="304800" y="3740196"/>
-            <a:ext cx="1662961" cy="584775"/>
-          </a:xfrm>
-          <a:prstGeom prst="rect">
-            <a:avLst/>
-          </a:prstGeom>
-          <a:noFill/>
-        </p:spPr>
-        <p:txBody>
-          <a:bodyPr wrap="square" rtlCol="0">
-            <a:spAutoFit/>
-          </a:bodyPr>
-          <a:lstStyle/>
-          <a:p>
-            <a:pPr lvl="0" eaLnBrk="0" fontAlgn="base" hangingPunct="0">
+          <a:p>
+            <a:pPr marL="0" marR="0" lvl="0" indent="0" algn="l" defTabSz="914400" rtl="0" eaLnBrk="0" fontAlgn="base" latinLnBrk="0" hangingPunct="0">
+              <a:lnSpc>
+                <a:spcPct val="100000"/>
+              </a:lnSpc>
               <a:spcBef>
                 <a:spcPct val="0"/>
               </a:spcBef>
               <a:spcAft>
                 <a:spcPct val="0"/>
               </a:spcAft>
+              <a:buClrTx/>
+              <a:buSzTx/>
+              <a:buFontTx/>
+              <a:buNone/>
+              <a:tabLst/>
             </a:pPr>
             <a:r>
-              <a:rPr lang="fr-BE" altLang="fr-FR" sz="1600" dirty="0">
+              <a:rPr kumimoji="0" lang="fr-BE" altLang="fr-FR" sz="1100" b="0" i="0" u="none" strike="noStrike" cap="none" normalizeH="0" baseline="0" dirty="0">
+                <a:ln>
+                  <a:noFill/>
+                </a:ln>
+                <a:solidFill>
+                  <a:schemeClr val="tx1"/>
+                </a:solidFill>
+                <a:effectLst/>
                 <a:latin typeface="Verdana" panose="020B0604030504040204" pitchFamily="34" charset="0"/>
                 <a:ea typeface="Times New Roman" panose="02020603050405020304" pitchFamily="18" charset="0"/>
                 <a:cs typeface="Times New Roman" panose="02020603050405020304" pitchFamily="18" charset="0"/>
@@ -12322,7 +12764,14 @@
               <a:t>INPUT – </a:t>
             </a:r>
             <a:r>
-              <a:rPr lang="fr-BE" altLang="fr-FR" sz="1600" dirty="0" err="1">
+              <a:rPr kumimoji="0" lang="fr-BE" altLang="fr-FR" sz="1100" b="0" i="0" u="none" strike="noStrike" cap="none" normalizeH="0" baseline="0" dirty="0" err="1">
+                <a:ln>
+                  <a:noFill/>
+                </a:ln>
+                <a:solidFill>
+                  <a:schemeClr val="tx1"/>
+                </a:solidFill>
+                <a:effectLst/>
                 <a:latin typeface="Verdana" panose="020B0604030504040204" pitchFamily="34" charset="0"/>
                 <a:ea typeface="Times New Roman" panose="02020603050405020304" pitchFamily="18" charset="0"/>
                 <a:cs typeface="Times New Roman" panose="02020603050405020304" pitchFamily="18" charset="0"/>
@@ -12330,14 +12779,21 @@
               <a:t>Random</a:t>
             </a:r>
             <a:r>
-              <a:rPr lang="fr-BE" altLang="fr-FR" sz="1600" dirty="0">
+              <a:rPr kumimoji="0" lang="fr-BE" altLang="fr-FR" sz="1100" b="0" i="0" u="none" strike="noStrike" cap="none" normalizeH="0" baseline="0" dirty="0">
+                <a:ln>
+                  <a:noFill/>
+                </a:ln>
+                <a:solidFill>
+                  <a:schemeClr val="tx1"/>
+                </a:solidFill>
+                <a:effectLst/>
                 <a:latin typeface="Verdana" panose="020B0604030504040204" pitchFamily="34" charset="0"/>
                 <a:ea typeface="Times New Roman" panose="02020603050405020304" pitchFamily="18" charset="0"/>
                 <a:cs typeface="Times New Roman" panose="02020603050405020304" pitchFamily="18" charset="0"/>
               </a:rPr>
-              <a:t> Noise</a:t>
-            </a:r>
-            <a:endParaRPr kumimoji="0" lang="fr-BE" altLang="fr-FR" sz="1600" b="0" i="0" u="none" strike="noStrike" cap="none" normalizeH="0" baseline="0" dirty="0">
+              <a:t> Noise </a:t>
+            </a:r>
+            <a:endParaRPr kumimoji="0" lang="fr-BE" altLang="fr-FR" sz="800" b="0" i="0" u="none" strike="noStrike" cap="none" normalizeH="0" baseline="0" dirty="0">
               <a:ln>
                 <a:noFill/>
               </a:ln>
@@ -12347,14 +12803,42 @@
               <a:effectLst/>
             </a:endParaRPr>
           </a:p>
-        </p:txBody>
-      </p:sp>
-      <p:sp>
-        <p:nvSpPr>
-          <p:cNvPr id="63" name="AutoShape 44">
-            <a:extLst>
-              <a:ext uri="{FF2B5EF4-FFF2-40B4-BE49-F238E27FC236}">
-                <a16:creationId xmlns:a16="http://schemas.microsoft.com/office/drawing/2014/main" id="{C341FD5F-E181-47D9-A02F-4C9C382DBA71}"/>
+          <a:p>
+            <a:pPr marL="0" marR="0" lvl="0" indent="0" algn="l" defTabSz="914400" rtl="0" eaLnBrk="0" fontAlgn="base" latinLnBrk="0" hangingPunct="0">
+              <a:lnSpc>
+                <a:spcPct val="100000"/>
+              </a:lnSpc>
+              <a:spcBef>
+                <a:spcPct val="0"/>
+              </a:spcBef>
+              <a:spcAft>
+                <a:spcPct val="0"/>
+              </a:spcAft>
+              <a:buClrTx/>
+              <a:buSzTx/>
+              <a:buFontTx/>
+              <a:buNone/>
+              <a:tabLst/>
+            </a:pPr>
+            <a:endParaRPr kumimoji="0" lang="fr-BE" altLang="fr-FR" sz="1800" b="0" i="0" u="none" strike="noStrike" cap="none" normalizeH="0" baseline="0" dirty="0">
+              <a:ln>
+                <a:noFill/>
+              </a:ln>
+              <a:solidFill>
+                <a:schemeClr val="tx1"/>
+              </a:solidFill>
+              <a:effectLst/>
+              <a:latin typeface="Arial" panose="020B0604020202020204" pitchFamily="34" charset="0"/>
+            </a:endParaRPr>
+          </a:p>
+        </p:txBody>
+      </p:sp>
+      <p:sp>
+        <p:nvSpPr>
+          <p:cNvPr id="56" name="Rectangle 55">
+            <a:extLst>
+              <a:ext uri="{FF2B5EF4-FFF2-40B4-BE49-F238E27FC236}">
+                <a16:creationId xmlns:a16="http://schemas.microsoft.com/office/drawing/2014/main" id="{F38E9EAC-DBBE-4393-A689-E3E3CA55E1B4}"/>
               </a:ext>
             </a:extLst>
           </p:cNvPr>
@@ -12365,17 +12849,17 @@
         </p:nvSpPr>
         <p:spPr bwMode="auto">
           <a:xfrm>
-            <a:off x="3541130" y="4710751"/>
-            <a:ext cx="665006" cy="182346"/>
+            <a:off x="1885915" y="5527098"/>
+            <a:ext cx="4307592" cy="111998"/>
           </a:xfrm>
-          <a:prstGeom prst="rightArrow">
-            <a:avLst>
-              <a:gd name="adj1" fmla="val 50000"/>
-              <a:gd name="adj2" fmla="val 134699"/>
-            </a:avLst>
+          <a:prstGeom prst="rect">
+            <a:avLst/>
           </a:prstGeom>
           <a:solidFill>
-            <a:srgbClr val="5B9BD5"/>
+            <a:schemeClr val="accent5">
+              <a:lumMod val="100000"/>
+              <a:lumOff val="0"/>
+            </a:schemeClr>
           </a:solidFill>
           <a:ln>
             <a:noFill/>
@@ -12406,7 +12890,7 @@
     </p:spTree>
     <p:extLst>
       <p:ext uri="{BB962C8B-B14F-4D97-AF65-F5344CB8AC3E}">
-        <p14:creationId xmlns:p14="http://schemas.microsoft.com/office/powerpoint/2010/main" val="1018795941"/>
+        <p14:creationId xmlns:p14="http://schemas.microsoft.com/office/powerpoint/2010/main" val="305294499"/>
       </p:ext>
     </p:extLst>
   </p:cSld>
@@ -13613,36 +14097,6 @@
           </a:p>
         </p:txBody>
       </p:sp>
-      <p:pic>
-        <p:nvPicPr>
-          <p:cNvPr id="9" name="Image 8">
-            <a:extLst>
-              <a:ext uri="{FF2B5EF4-FFF2-40B4-BE49-F238E27FC236}">
-                <a16:creationId xmlns:a16="http://schemas.microsoft.com/office/drawing/2014/main" id="{FAB98676-BCE6-4123-9A28-08DF59A94B06}"/>
-              </a:ext>
-            </a:extLst>
-          </p:cNvPr>
-          <p:cNvPicPr>
-            <a:picLocks noChangeAspect="1"/>
-          </p:cNvPicPr>
-          <p:nvPr/>
-        </p:nvPicPr>
-        <p:blipFill>
-          <a:blip r:embed="rId2"/>
-          <a:stretch>
-            <a:fillRect/>
-          </a:stretch>
-        </p:blipFill>
-        <p:spPr>
-          <a:xfrm>
-            <a:off x="9856237" y="0"/>
-            <a:ext cx="2335763" cy="848539"/>
-          </a:xfrm>
-          <a:prstGeom prst="rect">
-            <a:avLst/>
-          </a:prstGeom>
-        </p:spPr>
-      </p:pic>
       <p:cxnSp>
         <p:nvCxnSpPr>
           <p:cNvPr id="11" name="Connecteur droit 10">
@@ -13813,7 +14267,7 @@
         <p:spPr>
           <a:xfrm>
             <a:off x="1791478" y="1699678"/>
-            <a:ext cx="7940351" cy="3539430"/>
+            <a:ext cx="10074207" cy="3539430"/>
           </a:xfrm>
           <a:prstGeom prst="rect">
             <a:avLst/>
@@ -13870,7 +14324,7 @@
                   </a:schemeClr>
                 </a:solidFill>
               </a:rPr>
-              <a:t>GAN </a:t>
+              <a:t>GAN (Generative Adversarial Net)</a:t>
             </a:r>
           </a:p>
           <a:p>
@@ -13886,7 +14340,7 @@
                   </a:schemeClr>
                 </a:solidFill>
               </a:rPr>
-              <a:t>CGAN</a:t>
+              <a:t>CGAN (Conditional Generative Adversarial Net)</a:t>
             </a:r>
           </a:p>
           <a:p>
@@ -14021,36 +14475,6 @@
           </a:p>
         </p:txBody>
       </p:sp>
-      <p:pic>
-        <p:nvPicPr>
-          <p:cNvPr id="9" name="Image 8">
-            <a:extLst>
-              <a:ext uri="{FF2B5EF4-FFF2-40B4-BE49-F238E27FC236}">
-                <a16:creationId xmlns:a16="http://schemas.microsoft.com/office/drawing/2014/main" id="{FAB98676-BCE6-4123-9A28-08DF59A94B06}"/>
-              </a:ext>
-            </a:extLst>
-          </p:cNvPr>
-          <p:cNvPicPr>
-            <a:picLocks noChangeAspect="1"/>
-          </p:cNvPicPr>
-          <p:nvPr/>
-        </p:nvPicPr>
-        <p:blipFill>
-          <a:blip r:embed="rId2"/>
-          <a:stretch>
-            <a:fillRect/>
-          </a:stretch>
-        </p:blipFill>
-        <p:spPr>
-          <a:xfrm>
-            <a:off x="9856237" y="0"/>
-            <a:ext cx="2335763" cy="848539"/>
-          </a:xfrm>
-          <a:prstGeom prst="rect">
-            <a:avLst/>
-          </a:prstGeom>
-        </p:spPr>
-      </p:pic>
       <p:cxnSp>
         <p:nvCxnSpPr>
           <p:cNvPr id="11" name="Connecteur droit 10">
@@ -14223,7 +14647,7 @@
         <p:spPr bwMode="auto">
           <a:xfrm>
             <a:off x="781438" y="1510803"/>
-            <a:ext cx="10629122" cy="2677656"/>
+            <a:ext cx="10629122" cy="830997"/>
           </a:xfrm>
           <a:prstGeom prst="rect">
             <a:avLst/>
@@ -14263,7 +14687,7 @@
           </a:extLst>
         </p:spPr>
         <p:txBody>
-          <a:bodyPr vert="horz" wrap="square" lIns="91440" tIns="45720" rIns="91440" bIns="45720" numCol="1" anchor="ctr" anchorCtr="0" compatLnSpc="1">
+          <a:bodyPr vert="horz" wrap="square" lIns="91440" tIns="45720" rIns="91440" bIns="45720" numCol="1" anchor="t" anchorCtr="0" compatLnSpc="1">
             <a:prstTxWarp prst="textNoShape">
               <a:avLst/>
             </a:prstTxWarp>
@@ -14292,18 +14716,21 @@
                 <a:ea typeface="Times New Roman" panose="02020603050405020304" pitchFamily="18" charset="0"/>
                 <a:cs typeface="Times New Roman" panose="02020603050405020304" pitchFamily="18" charset="0"/>
               </a:rPr>
-              <a:t> Un discriminateur</a:t>
-            </a:r>
-          </a:p>
-          <a:p>
-            <a:pPr lvl="0" eaLnBrk="0" fontAlgn="base" hangingPunct="0">
-              <a:spcBef>
-                <a:spcPct val="0"/>
-              </a:spcBef>
-              <a:spcAft>
-                <a:spcPct val="0"/>
-              </a:spcAft>
-            </a:pPr>
+              <a:t> A </a:t>
+            </a:r>
+            <a:r>
+              <a:rPr lang="fr-BE" altLang="fr-FR" sz="2400" dirty="0" err="1">
+                <a:solidFill>
+                  <a:schemeClr val="accent1">
+                    <a:lumMod val="50000"/>
+                  </a:schemeClr>
+                </a:solidFill>
+                <a:latin typeface="Verdana" panose="020B0604030504040204" pitchFamily="34" charset="0"/>
+                <a:ea typeface="Times New Roman" panose="02020603050405020304" pitchFamily="18" charset="0"/>
+                <a:cs typeface="Times New Roman" panose="02020603050405020304" pitchFamily="18" charset="0"/>
+              </a:rPr>
+              <a:t>completer</a:t>
+            </a:r>
             <a:endParaRPr lang="fr-BE" altLang="fr-FR" sz="2400" dirty="0">
               <a:solidFill>
                 <a:schemeClr val="accent1">
@@ -14327,103 +14754,21 @@
               <a:buChar char="q"/>
             </a:pPr>
             <a:r>
-              <a:rPr lang="fr-BE" altLang="fr-FR" sz="2400" dirty="0">
+              <a:rPr kumimoji="0" lang="fr-BE" altLang="fr-FR" sz="2400" b="0" i="0" u="none" strike="noStrike" cap="none" normalizeH="0" baseline="0" dirty="0">
+                <a:ln>
+                  <a:noFill/>
+                </a:ln>
                 <a:solidFill>
                   <a:schemeClr val="accent1">
                     <a:lumMod val="50000"/>
                   </a:schemeClr>
                 </a:solidFill>
+                <a:effectLst/>
                 <a:latin typeface="Verdana" panose="020B0604030504040204" pitchFamily="34" charset="0"/>
-                <a:ea typeface="Times New Roman" panose="02020603050405020304" pitchFamily="18" charset="0"/>
                 <a:cs typeface="Times New Roman" panose="02020603050405020304" pitchFamily="18" charset="0"/>
               </a:rPr>
-              <a:t> Un générateur</a:t>
-            </a:r>
-          </a:p>
-          <a:p>
-            <a:pPr marL="285750" lvl="0" indent="-285750" eaLnBrk="0" fontAlgn="base" hangingPunct="0">
-              <a:spcBef>
-                <a:spcPct val="0"/>
-              </a:spcBef>
-              <a:spcAft>
-                <a:spcPct val="0"/>
-              </a:spcAft>
-              <a:buFont typeface="Wingdings" panose="05000000000000000000" pitchFamily="2" charset="2"/>
-              <a:buChar char="q"/>
-            </a:pPr>
-            <a:endParaRPr lang="fr-BE" altLang="fr-FR" sz="2400" dirty="0">
-              <a:solidFill>
-                <a:schemeClr val="accent1">
-                  <a:lumMod val="50000"/>
-                </a:schemeClr>
-              </a:solidFill>
-              <a:latin typeface="Verdana" panose="020B0604030504040204" pitchFamily="34" charset="0"/>
-              <a:ea typeface="Times New Roman" panose="02020603050405020304" pitchFamily="18" charset="0"/>
-              <a:cs typeface="Times New Roman" panose="02020603050405020304" pitchFamily="18" charset="0"/>
-            </a:endParaRPr>
-          </a:p>
-          <a:p>
-            <a:pPr marL="285750" lvl="0" indent="-285750" eaLnBrk="0" fontAlgn="base" hangingPunct="0">
-              <a:spcBef>
-                <a:spcPct val="0"/>
-              </a:spcBef>
-              <a:spcAft>
-                <a:spcPct val="0"/>
-              </a:spcAft>
-              <a:buFont typeface="Wingdings" panose="05000000000000000000" pitchFamily="2" charset="2"/>
-              <a:buChar char="q"/>
-            </a:pPr>
-            <a:r>
-              <a:rPr lang="fr-BE" altLang="fr-FR" sz="2400" dirty="0">
-                <a:solidFill>
-                  <a:schemeClr val="accent1">
-                    <a:lumMod val="50000"/>
-                  </a:schemeClr>
-                </a:solidFill>
-                <a:latin typeface="Verdana" panose="020B0604030504040204" pitchFamily="34" charset="0"/>
-                <a:ea typeface="Times New Roman" panose="02020603050405020304" pitchFamily="18" charset="0"/>
-                <a:cs typeface="Times New Roman" panose="02020603050405020304" pitchFamily="18" charset="0"/>
-              </a:rPr>
-              <a:t> Input – </a:t>
-            </a:r>
-            <a:r>
-              <a:rPr lang="fr-BE" altLang="fr-FR" sz="2400" dirty="0" err="1">
-                <a:solidFill>
-                  <a:schemeClr val="accent1">
-                    <a:lumMod val="50000"/>
-                  </a:schemeClr>
-                </a:solidFill>
-                <a:latin typeface="Verdana" panose="020B0604030504040204" pitchFamily="34" charset="0"/>
-                <a:ea typeface="Times New Roman" panose="02020603050405020304" pitchFamily="18" charset="0"/>
-                <a:cs typeface="Times New Roman" panose="02020603050405020304" pitchFamily="18" charset="0"/>
-              </a:rPr>
-              <a:t>Random</a:t>
-            </a:r>
-            <a:r>
-              <a:rPr lang="fr-BE" altLang="fr-FR" sz="2400" dirty="0">
-                <a:solidFill>
-                  <a:schemeClr val="accent1">
-                    <a:lumMod val="50000"/>
-                  </a:schemeClr>
-                </a:solidFill>
-                <a:latin typeface="Verdana" panose="020B0604030504040204" pitchFamily="34" charset="0"/>
-                <a:ea typeface="Times New Roman" panose="02020603050405020304" pitchFamily="18" charset="0"/>
-                <a:cs typeface="Times New Roman" panose="02020603050405020304" pitchFamily="18" charset="0"/>
-              </a:rPr>
-              <a:t> Noise </a:t>
-            </a:r>
-          </a:p>
-          <a:p>
-            <a:pPr marL="285750" lvl="0" indent="-285750" eaLnBrk="0" fontAlgn="base" hangingPunct="0">
-              <a:spcBef>
-                <a:spcPct val="0"/>
-              </a:spcBef>
-              <a:spcAft>
-                <a:spcPct val="0"/>
-              </a:spcAft>
-              <a:buFont typeface="Wingdings" panose="05000000000000000000" pitchFamily="2" charset="2"/>
-              <a:buChar char="q"/>
-            </a:pPr>
+              <a:t> Perceptron</a:t>
+            </a:r>
             <a:endParaRPr kumimoji="0" lang="fr-BE" altLang="fr-FR" sz="2400" b="0" i="0" u="none" strike="noStrike" cap="none" normalizeH="0" baseline="0" dirty="0">
               <a:ln>
                 <a:noFill/>
@@ -14434,36 +14779,8 @@
                 </a:schemeClr>
               </a:solidFill>
               <a:effectLst/>
-              <a:latin typeface="Verdana" panose="020B0604030504040204" pitchFamily="34" charset="0"/>
-              <a:cs typeface="Times New Roman" panose="02020603050405020304" pitchFamily="18" charset="0"/>
+              <a:latin typeface="Arial" panose="020B0604020202020204" pitchFamily="34" charset="0"/>
             </a:endParaRPr>
-          </a:p>
-          <a:p>
-            <a:pPr marL="285750" lvl="0" indent="-285750" eaLnBrk="0" fontAlgn="base" hangingPunct="0">
-              <a:spcBef>
-                <a:spcPct val="0"/>
-              </a:spcBef>
-              <a:spcAft>
-                <a:spcPct val="0"/>
-              </a:spcAft>
-              <a:buFont typeface="Wingdings" panose="05000000000000000000" pitchFamily="2" charset="2"/>
-              <a:buChar char="q"/>
-            </a:pPr>
-            <a:r>
-              <a:rPr kumimoji="0" lang="fr-BE" altLang="fr-FR" sz="2400" b="0" i="0" u="none" strike="noStrike" cap="none" normalizeH="0" baseline="0" dirty="0">
-                <a:ln>
-                  <a:noFill/>
-                </a:ln>
-                <a:solidFill>
-                  <a:schemeClr val="accent1">
-                    <a:lumMod val="50000"/>
-                  </a:schemeClr>
-                </a:solidFill>
-                <a:effectLst/>
-                <a:latin typeface="Arial" panose="020B0604020202020204" pitchFamily="34" charset="0"/>
-              </a:rPr>
-              <a:t> Un dataset d’images</a:t>
-            </a:r>
           </a:p>
         </p:txBody>
       </p:sp>
@@ -14549,36 +14866,6 @@
           </a:p>
         </p:txBody>
       </p:sp>
-      <p:pic>
-        <p:nvPicPr>
-          <p:cNvPr id="9" name="Image 8">
-            <a:extLst>
-              <a:ext uri="{FF2B5EF4-FFF2-40B4-BE49-F238E27FC236}">
-                <a16:creationId xmlns:a16="http://schemas.microsoft.com/office/drawing/2014/main" id="{FAB98676-BCE6-4123-9A28-08DF59A94B06}"/>
-              </a:ext>
-            </a:extLst>
-          </p:cNvPr>
-          <p:cNvPicPr>
-            <a:picLocks noChangeAspect="1"/>
-          </p:cNvPicPr>
-          <p:nvPr/>
-        </p:nvPicPr>
-        <p:blipFill>
-          <a:blip r:embed="rId2"/>
-          <a:stretch>
-            <a:fillRect/>
-          </a:stretch>
-        </p:blipFill>
-        <p:spPr>
-          <a:xfrm>
-            <a:off x="9856237" y="0"/>
-            <a:ext cx="2335763" cy="848539"/>
-          </a:xfrm>
-          <a:prstGeom prst="rect">
-            <a:avLst/>
-          </a:prstGeom>
-        </p:spPr>
-      </p:pic>
       <p:cxnSp>
         <p:nvCxnSpPr>
           <p:cNvPr id="11" name="Connecteur droit 10">
@@ -15050,7 +15337,7 @@
         <p:spPr bwMode="auto">
           <a:xfrm>
             <a:off x="304800" y="1529188"/>
-            <a:ext cx="11080101" cy="3046988"/>
+            <a:ext cx="11080101" cy="4524315"/>
           </a:xfrm>
           <a:prstGeom prst="rect">
             <a:avLst/>
@@ -15241,6 +15528,78 @@
               <a:buChar char="ü"/>
             </a:pPr>
             <a:r>
+              <a:rPr lang="fr-BE" altLang="fr-FR" sz="2400" dirty="0">
+                <a:solidFill>
+                  <a:schemeClr val="accent1">
+                    <a:lumMod val="50000"/>
+                  </a:schemeClr>
+                </a:solidFill>
+                <a:latin typeface="Verdana" panose="020B0604030504040204" pitchFamily="34" charset="0"/>
+                <a:cs typeface="Times New Roman" panose="02020603050405020304" pitchFamily="18" charset="0"/>
+              </a:rPr>
+              <a:t> Input du générateur (</a:t>
+            </a:r>
+            <a:r>
+              <a:rPr lang="fr-BE" altLang="fr-FR" sz="2400" dirty="0" err="1">
+                <a:solidFill>
+                  <a:schemeClr val="accent1">
+                    <a:lumMod val="50000"/>
+                  </a:schemeClr>
+                </a:solidFill>
+                <a:latin typeface="Verdana" panose="020B0604030504040204" pitchFamily="34" charset="0"/>
+                <a:cs typeface="Times New Roman" panose="02020603050405020304" pitchFamily="18" charset="0"/>
+              </a:rPr>
+              <a:t>Random</a:t>
+            </a:r>
+            <a:r>
+              <a:rPr lang="fr-BE" altLang="fr-FR" sz="2400" dirty="0">
+                <a:solidFill>
+                  <a:schemeClr val="accent1">
+                    <a:lumMod val="50000"/>
+                  </a:schemeClr>
+                </a:solidFill>
+                <a:latin typeface="Verdana" panose="020B0604030504040204" pitchFamily="34" charset="0"/>
+                <a:cs typeface="Times New Roman" panose="02020603050405020304" pitchFamily="18" charset="0"/>
+              </a:rPr>
+              <a:t> Noise)</a:t>
+            </a:r>
+          </a:p>
+          <a:p>
+            <a:pPr marL="1257300" lvl="2" indent="-342900" eaLnBrk="0" fontAlgn="base" hangingPunct="0">
+              <a:spcBef>
+                <a:spcPct val="0"/>
+              </a:spcBef>
+              <a:spcAft>
+                <a:spcPct val="0"/>
+              </a:spcAft>
+              <a:buFont typeface="Wingdings" panose="05000000000000000000" pitchFamily="2" charset="2"/>
+              <a:buChar char="ü"/>
+            </a:pPr>
+            <a:r>
+              <a:rPr lang="fr-BE" altLang="fr-FR" sz="2400" dirty="0">
+                <a:solidFill>
+                  <a:schemeClr val="accent1">
+                    <a:lumMod val="50000"/>
+                  </a:schemeClr>
+                </a:solidFill>
+                <a:latin typeface="Verdana" panose="020B0604030504040204" pitchFamily="34" charset="0"/>
+                <a:cs typeface="Times New Roman" panose="02020603050405020304" pitchFamily="18" charset="0"/>
+              </a:rPr>
+              <a:t> Input du discriminateur (Dataset ou images G(x))</a:t>
+            </a:r>
+          </a:p>
+          <a:p>
+            <a:pPr marL="1257300" lvl="2" indent="-342900" eaLnBrk="0" fontAlgn="base" hangingPunct="0">
+              <a:spcBef>
+                <a:spcPct val="0"/>
+              </a:spcBef>
+              <a:spcAft>
+                <a:spcPct val="0"/>
+              </a:spcAft>
+              <a:buFont typeface="Wingdings" panose="05000000000000000000" pitchFamily="2" charset="2"/>
+              <a:buChar char="ü"/>
+            </a:pPr>
+            <a:r>
               <a:rPr lang="fr-BE" sz="2400" dirty="0">
                 <a:solidFill>
                   <a:schemeClr val="accent1">
@@ -15264,6 +15623,46 @@
               </a:rPr>
               <a:t> </a:t>
             </a:r>
+          </a:p>
+          <a:p>
+            <a:pPr marL="1257300" lvl="2" indent="-342900" eaLnBrk="0" fontAlgn="base" hangingPunct="0">
+              <a:spcBef>
+                <a:spcPct val="0"/>
+              </a:spcBef>
+              <a:spcAft>
+                <a:spcPct val="0"/>
+              </a:spcAft>
+              <a:buFont typeface="Wingdings" panose="05000000000000000000" pitchFamily="2" charset="2"/>
+              <a:buChar char="ü"/>
+            </a:pPr>
+            <a:endParaRPr lang="fr-BE" altLang="fr-FR" sz="2400" dirty="0">
+              <a:solidFill>
+                <a:schemeClr val="accent1">
+                  <a:lumMod val="50000"/>
+                </a:schemeClr>
+              </a:solidFill>
+              <a:latin typeface="Verdana" panose="020B0604030504040204" pitchFamily="34" charset="0"/>
+              <a:cs typeface="Times New Roman" panose="02020603050405020304" pitchFamily="18" charset="0"/>
+            </a:endParaRPr>
+          </a:p>
+          <a:p>
+            <a:pPr lvl="2" eaLnBrk="0" fontAlgn="base" hangingPunct="0">
+              <a:spcBef>
+                <a:spcPct val="0"/>
+              </a:spcBef>
+              <a:spcAft>
+                <a:spcPct val="0"/>
+              </a:spcAft>
+            </a:pPr>
+            <a:endParaRPr lang="fr-BE" altLang="fr-FR" sz="2400" dirty="0">
+              <a:solidFill>
+                <a:schemeClr val="accent1">
+                  <a:lumMod val="50000"/>
+                </a:schemeClr>
+              </a:solidFill>
+              <a:latin typeface="Verdana" panose="020B0604030504040204" pitchFamily="34" charset="0"/>
+              <a:cs typeface="Times New Roman" panose="02020603050405020304" pitchFamily="18" charset="0"/>
+            </a:endParaRPr>
           </a:p>
           <a:p>
             <a:pPr lvl="0" eaLnBrk="0" fontAlgn="base" hangingPunct="0">
@@ -15371,36 +15770,6 @@
           </a:p>
         </p:txBody>
       </p:sp>
-      <p:pic>
-        <p:nvPicPr>
-          <p:cNvPr id="9" name="Image 8">
-            <a:extLst>
-              <a:ext uri="{FF2B5EF4-FFF2-40B4-BE49-F238E27FC236}">
-                <a16:creationId xmlns:a16="http://schemas.microsoft.com/office/drawing/2014/main" id="{FAB98676-BCE6-4123-9A28-08DF59A94B06}"/>
-              </a:ext>
-            </a:extLst>
-          </p:cNvPr>
-          <p:cNvPicPr>
-            <a:picLocks noChangeAspect="1"/>
-          </p:cNvPicPr>
-          <p:nvPr/>
-        </p:nvPicPr>
-        <p:blipFill>
-          <a:blip r:embed="rId2"/>
-          <a:stretch>
-            <a:fillRect/>
-          </a:stretch>
-        </p:blipFill>
-        <p:spPr>
-          <a:xfrm>
-            <a:off x="9856237" y="0"/>
-            <a:ext cx="2335763" cy="848539"/>
-          </a:xfrm>
-          <a:prstGeom prst="rect">
-            <a:avLst/>
-          </a:prstGeom>
-        </p:spPr>
-      </p:pic>
       <p:cxnSp>
         <p:nvCxnSpPr>
           <p:cNvPr id="11" name="Connecteur droit 10">
@@ -15872,7 +16241,7 @@
         <p:spPr bwMode="auto">
           <a:xfrm>
             <a:off x="304800" y="1529188"/>
-            <a:ext cx="11080101" cy="2677656"/>
+            <a:ext cx="11080101" cy="3046988"/>
           </a:xfrm>
           <a:prstGeom prst="rect">
             <a:avLst/>
@@ -15988,7 +16357,37 @@
                 <a:effectLst/>
                 <a:latin typeface="Arial" panose="020B0604020202020204" pitchFamily="34" charset="0"/>
               </a:rPr>
-              <a:t>À partir de :</a:t>
+              <a:t>À partir d’un input (</a:t>
+            </a:r>
+            <a:r>
+              <a:rPr kumimoji="0" lang="fr-BE" altLang="fr-FR" sz="2400" b="0" i="0" u="none" strike="noStrike" cap="none" normalizeH="0" baseline="0" dirty="0" err="1">
+                <a:ln>
+                  <a:noFill/>
+                </a:ln>
+                <a:solidFill>
+                  <a:schemeClr val="accent1">
+                    <a:lumMod val="50000"/>
+                  </a:schemeClr>
+                </a:solidFill>
+                <a:effectLst/>
+                <a:latin typeface="Arial" panose="020B0604020202020204" pitchFamily="34" charset="0"/>
+              </a:rPr>
+              <a:t>Random</a:t>
+            </a:r>
+            <a:r>
+              <a:rPr kumimoji="0" lang="fr-BE" altLang="fr-FR" sz="2400" b="0" i="0" u="none" strike="noStrike" cap="none" normalizeH="0" baseline="0" dirty="0">
+                <a:ln>
+                  <a:noFill/>
+                </a:ln>
+                <a:solidFill>
+                  <a:schemeClr val="accent1">
+                    <a:lumMod val="50000"/>
+                  </a:schemeClr>
+                </a:solidFill>
+                <a:effectLst/>
+                <a:latin typeface="Arial" panose="020B0604020202020204" pitchFamily="34" charset="0"/>
+              </a:rPr>
+              <a:t> Noise)</a:t>
             </a:r>
           </a:p>
           <a:p>
@@ -16000,6 +16399,114 @@
                 <a:spcPct val="0"/>
               </a:spcAft>
             </a:pPr>
+            <a:endParaRPr lang="fr-BE" altLang="fr-FR" sz="2400" dirty="0">
+              <a:solidFill>
+                <a:schemeClr val="accent1">
+                  <a:lumMod val="50000"/>
+                </a:schemeClr>
+              </a:solidFill>
+              <a:latin typeface="Arial" panose="020B0604020202020204" pitchFamily="34" charset="0"/>
+            </a:endParaRPr>
+          </a:p>
+          <a:p>
+            <a:pPr marL="800100" lvl="1" indent="-342900" eaLnBrk="0" fontAlgn="base" hangingPunct="0">
+              <a:spcBef>
+                <a:spcPct val="0"/>
+              </a:spcBef>
+              <a:spcAft>
+                <a:spcPct val="0"/>
+              </a:spcAft>
+              <a:buFont typeface="Wingdings" panose="05000000000000000000" pitchFamily="2" charset="2"/>
+              <a:buChar char="§"/>
+            </a:pPr>
+            <a:r>
+              <a:rPr kumimoji="0" lang="fr-BE" altLang="fr-FR" sz="2400" b="0" i="0" u="none" strike="noStrike" cap="none" normalizeH="0" baseline="0" dirty="0">
+                <a:ln>
+                  <a:noFill/>
+                </a:ln>
+                <a:solidFill>
+                  <a:schemeClr val="accent1">
+                    <a:lumMod val="50000"/>
+                  </a:schemeClr>
+                </a:solidFill>
+                <a:effectLst/>
+                <a:latin typeface="Arial" panose="020B0604020202020204" pitchFamily="34" charset="0"/>
+              </a:rPr>
+              <a:t>Bruit blanc gaussien </a:t>
+            </a:r>
+          </a:p>
+          <a:p>
+            <a:pPr marL="800100" lvl="1" indent="-342900" eaLnBrk="0" fontAlgn="base" hangingPunct="0">
+              <a:spcBef>
+                <a:spcPct val="0"/>
+              </a:spcBef>
+              <a:spcAft>
+                <a:spcPct val="0"/>
+              </a:spcAft>
+              <a:buFont typeface="Wingdings" panose="05000000000000000000" pitchFamily="2" charset="2"/>
+              <a:buChar char="§"/>
+            </a:pPr>
+            <a:r>
+              <a:rPr kumimoji="0" lang="fr-BE" altLang="fr-FR" sz="2400" b="0" i="0" u="none" strike="noStrike" cap="none" normalizeH="0" baseline="0" dirty="0">
+                <a:ln>
+                  <a:noFill/>
+                </a:ln>
+                <a:solidFill>
+                  <a:schemeClr val="accent1">
+                    <a:lumMod val="50000"/>
+                  </a:schemeClr>
+                </a:solidFill>
+                <a:effectLst/>
+                <a:latin typeface="Arial" panose="020B0604020202020204" pitchFamily="34" charset="0"/>
+              </a:rPr>
+              <a:t>Permet une entrée aléatoire structurée</a:t>
+            </a:r>
+          </a:p>
+          <a:p>
+            <a:pPr marL="800100" lvl="1" indent="-342900" eaLnBrk="0" fontAlgn="base" hangingPunct="0">
+              <a:spcBef>
+                <a:spcPct val="0"/>
+              </a:spcBef>
+              <a:spcAft>
+                <a:spcPct val="0"/>
+              </a:spcAft>
+              <a:buFont typeface="Wingdings" panose="05000000000000000000" pitchFamily="2" charset="2"/>
+              <a:buChar char="§"/>
+            </a:pPr>
+            <a:r>
+              <a:rPr lang="fr-BE" altLang="fr-FR" sz="2400" dirty="0">
+                <a:solidFill>
+                  <a:schemeClr val="accent1">
+                    <a:lumMod val="50000"/>
+                  </a:schemeClr>
+                </a:solidFill>
+                <a:latin typeface="Arial" panose="020B0604020202020204" pitchFamily="34" charset="0"/>
+              </a:rPr>
+              <a:t>Input toujours différent</a:t>
+            </a:r>
+          </a:p>
+          <a:p>
+            <a:pPr marL="800100" lvl="1" indent="-342900" eaLnBrk="0" fontAlgn="base" hangingPunct="0">
+              <a:spcBef>
+                <a:spcPct val="0"/>
+              </a:spcBef>
+              <a:spcAft>
+                <a:spcPct val="0"/>
+              </a:spcAft>
+              <a:buFont typeface="Wingdings" panose="05000000000000000000" pitchFamily="2" charset="2"/>
+              <a:buChar char="§"/>
+            </a:pPr>
+            <a:r>
+              <a:rPr lang="fr-BE" altLang="fr-FR" sz="2400" dirty="0">
+                <a:solidFill>
+                  <a:schemeClr val="accent1">
+                    <a:lumMod val="50000"/>
+                  </a:schemeClr>
+                </a:solidFill>
+                <a:latin typeface="Arial" panose="020B0604020202020204" pitchFamily="34" charset="0"/>
+              </a:rPr>
+              <a:t>Générateur non déterministe </a:t>
+            </a:r>
             <a:endParaRPr kumimoji="0" lang="fr-BE" altLang="fr-FR" sz="2400" b="0" i="0" u="none" strike="noStrike" cap="none" normalizeH="0" baseline="0" dirty="0">
               <a:ln>
                 <a:noFill/>
@@ -16013,116 +16520,72 @@
               <a:latin typeface="Arial" panose="020B0604020202020204" pitchFamily="34" charset="0"/>
             </a:endParaRPr>
           </a:p>
-          <a:p>
-            <a:pPr marL="800100" lvl="1" indent="-342900" eaLnBrk="0" fontAlgn="base" hangingPunct="0">
-              <a:spcBef>
-                <a:spcPct val="0"/>
-              </a:spcBef>
-              <a:spcAft>
-                <a:spcPct val="0"/>
-              </a:spcAft>
-              <a:buFont typeface="Wingdings" panose="05000000000000000000" pitchFamily="2" charset="2"/>
-              <a:buChar char="q"/>
-            </a:pPr>
-            <a:r>
-              <a:rPr kumimoji="0" lang="fr-BE" altLang="fr-FR" sz="2400" b="0" i="0" u="none" strike="noStrike" cap="none" normalizeH="0" baseline="0" dirty="0">
-                <a:ln>
-                  <a:noFill/>
-                </a:ln>
-                <a:solidFill>
-                  <a:schemeClr val="accent1">
-                    <a:lumMod val="50000"/>
-                  </a:schemeClr>
-                </a:solidFill>
-                <a:effectLst/>
-                <a:latin typeface="Arial" panose="020B0604020202020204" pitchFamily="34" charset="0"/>
-              </a:rPr>
-              <a:t>Jeu de données (Dataset)</a:t>
-            </a:r>
-          </a:p>
-          <a:p>
-            <a:pPr marL="800100" lvl="1" indent="-342900" eaLnBrk="0" fontAlgn="base" hangingPunct="0">
-              <a:spcBef>
-                <a:spcPct val="0"/>
-              </a:spcBef>
-              <a:spcAft>
-                <a:spcPct val="0"/>
-              </a:spcAft>
-              <a:buFont typeface="Wingdings" panose="05000000000000000000" pitchFamily="2" charset="2"/>
-              <a:buChar char="q"/>
-            </a:pPr>
-            <a:endParaRPr lang="fr-BE" altLang="fr-FR" sz="2400" dirty="0">
-              <a:solidFill>
-                <a:schemeClr val="accent1">
-                  <a:lumMod val="50000"/>
-                </a:schemeClr>
-              </a:solidFill>
-              <a:latin typeface="Arial" panose="020B0604020202020204" pitchFamily="34" charset="0"/>
-            </a:endParaRPr>
-          </a:p>
-          <a:p>
-            <a:pPr marL="800100" lvl="1" indent="-342900" eaLnBrk="0" fontAlgn="base" hangingPunct="0">
-              <a:spcBef>
-                <a:spcPct val="0"/>
-              </a:spcBef>
-              <a:spcAft>
-                <a:spcPct val="0"/>
-              </a:spcAft>
-              <a:buFont typeface="Wingdings" panose="05000000000000000000" pitchFamily="2" charset="2"/>
-              <a:buChar char="q"/>
-            </a:pPr>
-            <a:r>
-              <a:rPr kumimoji="0" lang="fr-BE" altLang="fr-FR" sz="2400" b="0" i="0" u="none" strike="noStrike" cap="none" normalizeH="0" baseline="0" dirty="0">
-                <a:ln>
-                  <a:noFill/>
-                </a:ln>
-                <a:solidFill>
-                  <a:schemeClr val="accent1">
-                    <a:lumMod val="50000"/>
-                  </a:schemeClr>
-                </a:solidFill>
-                <a:effectLst/>
-                <a:latin typeface="Arial" panose="020B0604020202020204" pitchFamily="34" charset="0"/>
-              </a:rPr>
-              <a:t>Input (</a:t>
-            </a:r>
-            <a:r>
-              <a:rPr kumimoji="0" lang="fr-BE" altLang="fr-FR" sz="2400" b="0" i="0" u="none" strike="noStrike" cap="none" normalizeH="0" baseline="0" dirty="0" err="1">
-                <a:ln>
-                  <a:noFill/>
-                </a:ln>
-                <a:solidFill>
-                  <a:schemeClr val="accent1">
-                    <a:lumMod val="50000"/>
-                  </a:schemeClr>
-                </a:solidFill>
-                <a:effectLst/>
-                <a:latin typeface="Arial" panose="020B0604020202020204" pitchFamily="34" charset="0"/>
-              </a:rPr>
-              <a:t>Random</a:t>
-            </a:r>
-            <a:r>
-              <a:rPr kumimoji="0" lang="fr-BE" altLang="fr-FR" sz="2400" b="0" i="0" u="none" strike="noStrike" cap="none" normalizeH="0" baseline="0" dirty="0">
-                <a:ln>
-                  <a:noFill/>
-                </a:ln>
-                <a:solidFill>
-                  <a:schemeClr val="accent1">
-                    <a:lumMod val="50000"/>
-                  </a:schemeClr>
-                </a:solidFill>
-                <a:effectLst/>
-                <a:latin typeface="Arial" panose="020B0604020202020204" pitchFamily="34" charset="0"/>
-              </a:rPr>
-              <a:t> Noise)</a:t>
-            </a:r>
-          </a:p>
-        </p:txBody>
-      </p:sp>
+        </p:txBody>
+      </p:sp>
+      <p:pic>
+        <p:nvPicPr>
+          <p:cNvPr id="2" name="Image 1">
+            <a:extLst>
+              <a:ext uri="{FF2B5EF4-FFF2-40B4-BE49-F238E27FC236}">
+                <a16:creationId xmlns:a16="http://schemas.microsoft.com/office/drawing/2014/main" id="{BFF5B44F-96FF-4904-9CF2-74EB4AC15A35}"/>
+              </a:ext>
+            </a:extLst>
+          </p:cNvPr>
+          <p:cNvPicPr>
+            <a:picLocks noChangeAspect="1"/>
+          </p:cNvPicPr>
+          <p:nvPr/>
+        </p:nvPicPr>
+        <p:blipFill>
+          <a:blip r:embed="rId2"/>
+          <a:stretch>
+            <a:fillRect/>
+          </a:stretch>
+        </p:blipFill>
+        <p:spPr>
+          <a:xfrm>
+            <a:off x="8734426" y="2249785"/>
+            <a:ext cx="2081212" cy="2036294"/>
+          </a:xfrm>
+          <a:prstGeom prst="rect">
+            <a:avLst/>
+          </a:prstGeom>
+        </p:spPr>
+      </p:pic>
+      <p:pic>
+        <p:nvPicPr>
+          <p:cNvPr id="3" name="Image 2">
+            <a:extLst>
+              <a:ext uri="{FF2B5EF4-FFF2-40B4-BE49-F238E27FC236}">
+                <a16:creationId xmlns:a16="http://schemas.microsoft.com/office/drawing/2014/main" id="{84082E7E-8B96-48D1-8087-CC0EED4A865E}"/>
+              </a:ext>
+            </a:extLst>
+          </p:cNvPr>
+          <p:cNvPicPr>
+            <a:picLocks noChangeAspect="1"/>
+          </p:cNvPicPr>
+          <p:nvPr/>
+        </p:nvPicPr>
+        <p:blipFill>
+          <a:blip r:embed="rId3"/>
+          <a:stretch>
+            <a:fillRect/>
+          </a:stretch>
+        </p:blipFill>
+        <p:spPr>
+          <a:xfrm>
+            <a:off x="6257924" y="3738342"/>
+            <a:ext cx="2352675" cy="1689648"/>
+          </a:xfrm>
+          <a:prstGeom prst="rect">
+            <a:avLst/>
+          </a:prstGeom>
+        </p:spPr>
+      </p:pic>
     </p:spTree>
     <p:extLst>
       <p:ext uri="{BB962C8B-B14F-4D97-AF65-F5344CB8AC3E}">
-        <p14:creationId xmlns:p14="http://schemas.microsoft.com/office/powerpoint/2010/main" val="930320127"/>
+        <p14:creationId xmlns:p14="http://schemas.microsoft.com/office/powerpoint/2010/main" val="1276381390"/>
       </p:ext>
     </p:extLst>
   </p:cSld>
@@ -16201,36 +16664,6 @@
           </a:p>
         </p:txBody>
       </p:sp>
-      <p:pic>
-        <p:nvPicPr>
-          <p:cNvPr id="9" name="Image 8">
-            <a:extLst>
-              <a:ext uri="{FF2B5EF4-FFF2-40B4-BE49-F238E27FC236}">
-                <a16:creationId xmlns:a16="http://schemas.microsoft.com/office/drawing/2014/main" id="{FAB98676-BCE6-4123-9A28-08DF59A94B06}"/>
-              </a:ext>
-            </a:extLst>
-          </p:cNvPr>
-          <p:cNvPicPr>
-            <a:picLocks noChangeAspect="1"/>
-          </p:cNvPicPr>
-          <p:nvPr/>
-        </p:nvPicPr>
-        <p:blipFill>
-          <a:blip r:embed="rId2"/>
-          <a:stretch>
-            <a:fillRect/>
-          </a:stretch>
-        </p:blipFill>
-        <p:spPr>
-          <a:xfrm>
-            <a:off x="9856237" y="0"/>
-            <a:ext cx="2335763" cy="848539"/>
-          </a:xfrm>
-          <a:prstGeom prst="rect">
-            <a:avLst/>
-          </a:prstGeom>
-        </p:spPr>
-      </p:pic>
       <p:cxnSp>
         <p:nvCxnSpPr>
           <p:cNvPr id="11" name="Connecteur droit 10">
@@ -16939,7 +17372,7 @@
           <p:nvPr/>
         </p:nvPicPr>
         <p:blipFill>
-          <a:blip r:embed="rId3"/>
+          <a:blip r:embed="rId2"/>
           <a:stretch>
             <a:fillRect/>
           </a:stretch>
@@ -17036,36 +17469,6 @@
           </a:p>
         </p:txBody>
       </p:sp>
-      <p:pic>
-        <p:nvPicPr>
-          <p:cNvPr id="9" name="Image 8">
-            <a:extLst>
-              <a:ext uri="{FF2B5EF4-FFF2-40B4-BE49-F238E27FC236}">
-                <a16:creationId xmlns:a16="http://schemas.microsoft.com/office/drawing/2014/main" id="{FAB98676-BCE6-4123-9A28-08DF59A94B06}"/>
-              </a:ext>
-            </a:extLst>
-          </p:cNvPr>
-          <p:cNvPicPr>
-            <a:picLocks noChangeAspect="1"/>
-          </p:cNvPicPr>
-          <p:nvPr/>
-        </p:nvPicPr>
-        <p:blipFill>
-          <a:blip r:embed="rId2"/>
-          <a:stretch>
-            <a:fillRect/>
-          </a:stretch>
-        </p:blipFill>
-        <p:spPr>
-          <a:xfrm>
-            <a:off x="9856237" y="0"/>
-            <a:ext cx="2335763" cy="848539"/>
-          </a:xfrm>
-          <a:prstGeom prst="rect">
-            <a:avLst/>
-          </a:prstGeom>
-        </p:spPr>
-      </p:pic>
       <p:cxnSp>
         <p:nvCxnSpPr>
           <p:cNvPr id="11" name="Connecteur droit 10">
@@ -17876,7 +18279,7 @@
           <p:nvPr/>
         </p:nvPicPr>
         <p:blipFill>
-          <a:blip r:embed="rId3">
+          <a:blip r:embed="rId2">
             <a:extLst>
               <a:ext uri="{28A0092B-C50C-407E-A947-70E740481C1C}">
                 <a14:useLocalDpi xmlns:a14="http://schemas.microsoft.com/office/drawing/2010/main" val="0"/>
@@ -18065,36 +18468,6 @@
           </a:p>
         </p:txBody>
       </p:sp>
-      <p:pic>
-        <p:nvPicPr>
-          <p:cNvPr id="9" name="Image 8">
-            <a:extLst>
-              <a:ext uri="{FF2B5EF4-FFF2-40B4-BE49-F238E27FC236}">
-                <a16:creationId xmlns:a16="http://schemas.microsoft.com/office/drawing/2014/main" id="{FAB98676-BCE6-4123-9A28-08DF59A94B06}"/>
-              </a:ext>
-            </a:extLst>
-          </p:cNvPr>
-          <p:cNvPicPr>
-            <a:picLocks noChangeAspect="1"/>
-          </p:cNvPicPr>
-          <p:nvPr/>
-        </p:nvPicPr>
-        <p:blipFill>
-          <a:blip r:embed="rId2"/>
-          <a:stretch>
-            <a:fillRect/>
-          </a:stretch>
-        </p:blipFill>
-        <p:spPr>
-          <a:xfrm>
-            <a:off x="9856237" y="0"/>
-            <a:ext cx="2335763" cy="848539"/>
-          </a:xfrm>
-          <a:prstGeom prst="rect">
-            <a:avLst/>
-          </a:prstGeom>
-        </p:spPr>
-      </p:pic>
       <p:cxnSp>
         <p:nvCxnSpPr>
           <p:cNvPr id="11" name="Connecteur droit 10">
@@ -18926,7 +19299,7 @@
           <p:nvPr/>
         </p:nvPicPr>
         <p:blipFill>
-          <a:blip r:embed="rId3">
+          <a:blip r:embed="rId2">
             <a:extLst>
               <a:ext uri="{28A0092B-C50C-407E-A947-70E740481C1C}">
                 <a14:useLocalDpi xmlns:a14="http://schemas.microsoft.com/office/drawing/2010/main" val="0"/>
@@ -19029,36 +19402,6 @@
           </a:p>
         </p:txBody>
       </p:sp>
-      <p:pic>
-        <p:nvPicPr>
-          <p:cNvPr id="9" name="Image 8">
-            <a:extLst>
-              <a:ext uri="{FF2B5EF4-FFF2-40B4-BE49-F238E27FC236}">
-                <a16:creationId xmlns:a16="http://schemas.microsoft.com/office/drawing/2014/main" id="{FAB98676-BCE6-4123-9A28-08DF59A94B06}"/>
-              </a:ext>
-            </a:extLst>
-          </p:cNvPr>
-          <p:cNvPicPr>
-            <a:picLocks noChangeAspect="1"/>
-          </p:cNvPicPr>
-          <p:nvPr/>
-        </p:nvPicPr>
-        <p:blipFill>
-          <a:blip r:embed="rId2"/>
-          <a:stretch>
-            <a:fillRect/>
-          </a:stretch>
-        </p:blipFill>
-        <p:spPr>
-          <a:xfrm>
-            <a:off x="9856237" y="0"/>
-            <a:ext cx="2335763" cy="848539"/>
-          </a:xfrm>
-          <a:prstGeom prst="rect">
-            <a:avLst/>
-          </a:prstGeom>
-        </p:spPr>
-      </p:pic>
       <p:cxnSp>
         <p:nvCxnSpPr>
           <p:cNvPr id="11" name="Connecteur droit 10">
@@ -19926,7 +20269,7 @@
           <p:nvPr/>
         </p:nvPicPr>
         <p:blipFill>
-          <a:blip r:embed="rId3"/>
+          <a:blip r:embed="rId2"/>
           <a:stretch>
             <a:fillRect/>
           </a:stretch>
